--- a/Liqun_Zheng_Code/week4/Functions With Callable Statement.pptx
+++ b/Liqun_Zheng_Code/week4/Functions With Callable Statement.pptx
@@ -6,13 +6,15 @@
   </p:sldMasterIdLst>
   <p:sldIdLst>
     <p:sldId id="256" r:id="rId2"/>
-    <p:sldId id="258" r:id="rId3"/>
-    <p:sldId id="257" r:id="rId4"/>
-    <p:sldId id="262" r:id="rId5"/>
-    <p:sldId id="260" r:id="rId6"/>
-    <p:sldId id="261" r:id="rId7"/>
-    <p:sldId id="259" r:id="rId8"/>
-    <p:sldId id="263" r:id="rId9"/>
+    <p:sldId id="264" r:id="rId3"/>
+    <p:sldId id="265" r:id="rId4"/>
+    <p:sldId id="258" r:id="rId5"/>
+    <p:sldId id="257" r:id="rId6"/>
+    <p:sldId id="262" r:id="rId7"/>
+    <p:sldId id="260" r:id="rId8"/>
+    <p:sldId id="261" r:id="rId9"/>
+    <p:sldId id="259" r:id="rId10"/>
+    <p:sldId id="263" r:id="rId11"/>
   </p:sldIdLst>
   <p:sldSz cx="12192000" cy="6858000"/>
   <p:notesSz cx="6858000" cy="9144000"/>
@@ -4029,7 +4031,7 @@
           <a:p>
             <a:fld id="{933D2583-310C-4647-8414-5CC4925272BA}" type="datetimeFigureOut">
               <a:rPr lang="en-US" smtClean="0"/>
-              <a:t>6/6/2017</a:t>
+              <a:t>6/7/2017</a:t>
             </a:fld>
             <a:endParaRPr lang="en-US"/>
           </a:p>
@@ -4325,7 +4327,7 @@
           <a:p>
             <a:fld id="{933D2583-310C-4647-8414-5CC4925272BA}" type="datetimeFigureOut">
               <a:rPr lang="en-US" smtClean="0"/>
-              <a:t>6/6/2017</a:t>
+              <a:t>6/7/2017</a:t>
             </a:fld>
             <a:endParaRPr lang="en-US"/>
           </a:p>
@@ -4573,7 +4575,7 @@
           <a:p>
             <a:fld id="{933D2583-310C-4647-8414-5CC4925272BA}" type="datetimeFigureOut">
               <a:rPr lang="en-US" smtClean="0"/>
-              <a:t>6/6/2017</a:t>
+              <a:t>6/7/2017</a:t>
             </a:fld>
             <a:endParaRPr lang="en-US"/>
           </a:p>
@@ -5113,7 +5115,7 @@
           <a:p>
             <a:fld id="{933D2583-310C-4647-8414-5CC4925272BA}" type="datetimeFigureOut">
               <a:rPr lang="en-US" smtClean="0"/>
-              <a:t>6/6/2017</a:t>
+              <a:t>6/7/2017</a:t>
             </a:fld>
             <a:endParaRPr lang="en-US"/>
           </a:p>
@@ -5361,7 +5363,7 @@
           <a:p>
             <a:fld id="{933D2583-310C-4647-8414-5CC4925272BA}" type="datetimeFigureOut">
               <a:rPr lang="en-US" smtClean="0"/>
-              <a:t>6/6/2017</a:t>
+              <a:t>6/7/2017</a:t>
             </a:fld>
             <a:endParaRPr lang="en-US"/>
           </a:p>
@@ -5893,7 +5895,7 @@
           <a:p>
             <a:fld id="{933D2583-310C-4647-8414-5CC4925272BA}" type="datetimeFigureOut">
               <a:rPr lang="en-US" smtClean="0"/>
-              <a:t>6/6/2017</a:t>
+              <a:t>6/7/2017</a:t>
             </a:fld>
             <a:endParaRPr lang="en-US"/>
           </a:p>
@@ -6190,7 +6192,7 @@
           <a:p>
             <a:fld id="{933D2583-310C-4647-8414-5CC4925272BA}" type="datetimeFigureOut">
               <a:rPr lang="en-US" smtClean="0"/>
-              <a:t>6/6/2017</a:t>
+              <a:t>6/7/2017</a:t>
             </a:fld>
             <a:endParaRPr lang="en-US"/>
           </a:p>
@@ -6364,7 +6366,7 @@
           <a:p>
             <a:fld id="{933D2583-310C-4647-8414-5CC4925272BA}" type="datetimeFigureOut">
               <a:rPr lang="en-US" smtClean="0"/>
-              <a:t>6/6/2017</a:t>
+              <a:t>6/7/2017</a:t>
             </a:fld>
             <a:endParaRPr lang="en-US"/>
           </a:p>
@@ -6544,7 +6546,7 @@
           <a:p>
             <a:fld id="{933D2583-310C-4647-8414-5CC4925272BA}" type="datetimeFigureOut">
               <a:rPr lang="en-US" smtClean="0"/>
-              <a:t>6/6/2017</a:t>
+              <a:t>6/7/2017</a:t>
             </a:fld>
             <a:endParaRPr lang="en-US"/>
           </a:p>
@@ -6714,7 +6716,7 @@
           <a:p>
             <a:fld id="{933D2583-310C-4647-8414-5CC4925272BA}" type="datetimeFigureOut">
               <a:rPr lang="en-US" smtClean="0"/>
-              <a:t>6/6/2017</a:t>
+              <a:t>6/7/2017</a:t>
             </a:fld>
             <a:endParaRPr lang="en-US"/>
           </a:p>
@@ -6965,7 +6967,7 @@
           <a:p>
             <a:fld id="{933D2583-310C-4647-8414-5CC4925272BA}" type="datetimeFigureOut">
               <a:rPr lang="en-US" smtClean="0"/>
-              <a:t>6/6/2017</a:t>
+              <a:t>6/7/2017</a:t>
             </a:fld>
             <a:endParaRPr lang="en-US"/>
           </a:p>
@@ -7262,7 +7264,7 @@
           <a:p>
             <a:fld id="{933D2583-310C-4647-8414-5CC4925272BA}" type="datetimeFigureOut">
               <a:rPr lang="en-US" smtClean="0"/>
-              <a:t>6/6/2017</a:t>
+              <a:t>6/7/2017</a:t>
             </a:fld>
             <a:endParaRPr lang="en-US"/>
           </a:p>
@@ -7704,7 +7706,7 @@
           <a:p>
             <a:fld id="{933D2583-310C-4647-8414-5CC4925272BA}" type="datetimeFigureOut">
               <a:rPr lang="en-US" smtClean="0"/>
-              <a:t>6/6/2017</a:t>
+              <a:t>6/7/2017</a:t>
             </a:fld>
             <a:endParaRPr lang="en-US"/>
           </a:p>
@@ -7822,7 +7824,7 @@
           <a:p>
             <a:fld id="{933D2583-310C-4647-8414-5CC4925272BA}" type="datetimeFigureOut">
               <a:rPr lang="en-US" smtClean="0"/>
-              <a:t>6/6/2017</a:t>
+              <a:t>6/7/2017</a:t>
             </a:fld>
             <a:endParaRPr lang="en-US"/>
           </a:p>
@@ -7917,7 +7919,7 @@
           <a:p>
             <a:fld id="{933D2583-310C-4647-8414-5CC4925272BA}" type="datetimeFigureOut">
               <a:rPr lang="en-US" smtClean="0"/>
-              <a:t>6/6/2017</a:t>
+              <a:t>6/7/2017</a:t>
             </a:fld>
             <a:endParaRPr lang="en-US"/>
           </a:p>
@@ -8200,7 +8202,7 @@
           <a:p>
             <a:fld id="{933D2583-310C-4647-8414-5CC4925272BA}" type="datetimeFigureOut">
               <a:rPr lang="en-US" smtClean="0"/>
-              <a:t>6/6/2017</a:t>
+              <a:t>6/7/2017</a:t>
             </a:fld>
             <a:endParaRPr lang="en-US"/>
           </a:p>
@@ -8491,7 +8493,7 @@
           <a:p>
             <a:fld id="{933D2583-310C-4647-8414-5CC4925272BA}" type="datetimeFigureOut">
               <a:rPr lang="en-US" smtClean="0"/>
-              <a:t>6/6/2017</a:t>
+              <a:t>6/7/2017</a:t>
             </a:fld>
             <a:endParaRPr lang="en-US"/>
           </a:p>
@@ -9021,7 +9023,7 @@
           <a:p>
             <a:fld id="{933D2583-310C-4647-8414-5CC4925272BA}" type="datetimeFigureOut">
               <a:rPr lang="en-US" smtClean="0"/>
-              <a:t>6/6/2017</a:t>
+              <a:t>6/7/2017</a:t>
             </a:fld>
             <a:endParaRPr lang="en-US"/>
           </a:p>
@@ -9617,4170 +9619,7 @@
 </p:sld>
 </file>
 
-<file path=ppt/slides/slide2.xml><?xml version="1.0" encoding="utf-8"?>
-<p:sld xmlns:a="http://schemas.openxmlformats.org/drawingml/2006/main" xmlns:r="http://schemas.openxmlformats.org/officeDocument/2006/relationships" xmlns:p="http://schemas.openxmlformats.org/presentationml/2006/main">
-  <p:cSld>
-    <p:spTree>
-      <p:nvGrpSpPr>
-        <p:cNvPr id="1" name=""/>
-        <p:cNvGrpSpPr/>
-        <p:nvPr/>
-      </p:nvGrpSpPr>
-      <p:grpSpPr>
-        <a:xfrm>
-          <a:off x="0" y="0"/>
-          <a:ext cx="0" cy="0"/>
-          <a:chOff x="0" y="0"/>
-          <a:chExt cx="0" cy="0"/>
-        </a:xfrm>
-      </p:grpSpPr>
-      <p:sp useBgFill="1">
-        <p:nvSpPr>
-          <p:cNvPr id="10" name="Rectangle 9"/>
-          <p:cNvSpPr>
-            <a:spLocks noGrp="1" noRot="1" noChangeAspect="1" noMove="1" noResize="1" noEditPoints="1" noAdjustHandles="1" noChangeArrowheads="1" noChangeShapeType="1" noTextEdit="1"/>
-          </p:cNvSpPr>
-          <p:nvPr>
-            <p:extLst>
-              <p:ext uri="{386F3935-93C4-4BCD-93E2-E3B085C9AB24}">
-                <p16:designElem xmlns:p16="http://schemas.microsoft.com/office/powerpoint/2015/main" val="1"/>
-              </p:ext>
-            </p:extLst>
-          </p:nvPr>
-        </p:nvSpPr>
-        <p:spPr>
-          <a:xfrm>
-            <a:off x="0" y="0"/>
-            <a:ext cx="12192000" cy="6858000"/>
-          </a:xfrm>
-          <a:prstGeom prst="rect">
-            <a:avLst/>
-          </a:prstGeom>
-          <a:ln>
-            <a:noFill/>
-          </a:ln>
-        </p:spPr>
-        <p:style>
-          <a:lnRef idx="2">
-            <a:schemeClr val="accent1">
-              <a:shade val="50000"/>
-            </a:schemeClr>
-          </a:lnRef>
-          <a:fillRef idx="1">
-            <a:schemeClr val="accent1"/>
-          </a:fillRef>
-          <a:effectRef idx="0">
-            <a:schemeClr val="accent1"/>
-          </a:effectRef>
-          <a:fontRef idx="minor">
-            <a:schemeClr val="lt1"/>
-          </a:fontRef>
-        </p:style>
-        <p:txBody>
-          <a:bodyPr rtlCol="0" anchor="ctr"/>
-          <a:lstStyle/>
-          <a:p>
-            <a:pPr algn="ctr"/>
-            <a:endParaRPr lang="en-US"/>
-          </a:p>
-        </p:txBody>
-      </p:sp>
-      <p:sp>
-        <p:nvSpPr>
-          <p:cNvPr id="12" name="Freeform: Shape 11"/>
-          <p:cNvSpPr>
-            <a:spLocks noGrp="1" noRot="1" noChangeAspect="1" noMove="1" noResize="1" noEditPoints="1" noAdjustHandles="1" noChangeArrowheads="1" noChangeShapeType="1" noTextEdit="1"/>
-          </p:cNvSpPr>
-          <p:nvPr>
-            <p:extLst>
-              <p:ext uri="{386F3935-93C4-4BCD-93E2-E3B085C9AB24}">
-                <p16:designElem xmlns:p16="http://schemas.microsoft.com/office/powerpoint/2015/main" val="1"/>
-              </p:ext>
-            </p:extLst>
-          </p:nvPr>
-        </p:nvSpPr>
-        <p:spPr>
-          <a:xfrm flipV="1">
-            <a:off x="-1" y="-1"/>
-            <a:ext cx="4403709" cy="6858001"/>
-          </a:xfrm>
-          <a:custGeom>
-            <a:avLst/>
-            <a:gdLst>
-              <a:gd name="connsiteX0" fmla="*/ 3223890 w 4403709"/>
-              <a:gd name="connsiteY0" fmla="*/ 6858001 h 6858001"/>
-              <a:gd name="connsiteX1" fmla="*/ 4101908 w 4403709"/>
-              <a:gd name="connsiteY1" fmla="*/ 6858001 h 6858001"/>
-              <a:gd name="connsiteX2" fmla="*/ 3254950 w 4403709"/>
-              <a:gd name="connsiteY2" fmla="*/ 1599356 h 6858001"/>
-              <a:gd name="connsiteX3" fmla="*/ 3254950 w 4403709"/>
-              <a:gd name="connsiteY3" fmla="*/ 1594062 h 6858001"/>
-              <a:gd name="connsiteX4" fmla="*/ 4403709 w 4403709"/>
-              <a:gd name="connsiteY4" fmla="*/ 0 h 6858001"/>
-              <a:gd name="connsiteX5" fmla="*/ 3254950 w 4403709"/>
-              <a:gd name="connsiteY5" fmla="*/ 0 h 6858001"/>
-              <a:gd name="connsiteX6" fmla="*/ 2903520 w 4403709"/>
-              <a:gd name="connsiteY6" fmla="*/ 0 h 6858001"/>
-              <a:gd name="connsiteX7" fmla="*/ 0 w 4403709"/>
-              <a:gd name="connsiteY7" fmla="*/ 0 h 6858001"/>
-              <a:gd name="connsiteX8" fmla="*/ 0 w 4403709"/>
-              <a:gd name="connsiteY8" fmla="*/ 6858000 h 6858001"/>
-              <a:gd name="connsiteX9" fmla="*/ 3223890 w 4403709"/>
-              <a:gd name="connsiteY9" fmla="*/ 6858000 h 6858001"/>
-            </a:gdLst>
-            <a:ahLst/>
-            <a:cxnLst>
-              <a:cxn ang="0">
-                <a:pos x="connsiteX0" y="connsiteY0"/>
-              </a:cxn>
-              <a:cxn ang="0">
-                <a:pos x="connsiteX1" y="connsiteY1"/>
-              </a:cxn>
-              <a:cxn ang="0">
-                <a:pos x="connsiteX2" y="connsiteY2"/>
-              </a:cxn>
-              <a:cxn ang="0">
-                <a:pos x="connsiteX3" y="connsiteY3"/>
-              </a:cxn>
-              <a:cxn ang="0">
-                <a:pos x="connsiteX4" y="connsiteY4"/>
-              </a:cxn>
-              <a:cxn ang="0">
-                <a:pos x="connsiteX5" y="connsiteY5"/>
-              </a:cxn>
-              <a:cxn ang="0">
-                <a:pos x="connsiteX6" y="connsiteY6"/>
-              </a:cxn>
-              <a:cxn ang="0">
-                <a:pos x="connsiteX7" y="connsiteY7"/>
-              </a:cxn>
-              <a:cxn ang="0">
-                <a:pos x="connsiteX8" y="connsiteY8"/>
-              </a:cxn>
-              <a:cxn ang="0">
-                <a:pos x="connsiteX9" y="connsiteY9"/>
-              </a:cxn>
-            </a:cxnLst>
-            <a:rect l="l" t="t" r="r" b="b"/>
-            <a:pathLst>
-              <a:path w="4403709" h="6858001">
-                <a:moveTo>
-                  <a:pt x="3223890" y="6858001"/>
-                </a:moveTo>
-                <a:lnTo>
-                  <a:pt x="4101908" y="6858001"/>
-                </a:lnTo>
-                <a:lnTo>
-                  <a:pt x="3254950" y="1599356"/>
-                </a:lnTo>
-                <a:lnTo>
-                  <a:pt x="3254950" y="1594062"/>
-                </a:lnTo>
-                <a:lnTo>
-                  <a:pt x="4403709" y="0"/>
-                </a:lnTo>
-                <a:lnTo>
-                  <a:pt x="3254950" y="0"/>
-                </a:lnTo>
-                <a:lnTo>
-                  <a:pt x="2903520" y="0"/>
-                </a:lnTo>
-                <a:lnTo>
-                  <a:pt x="0" y="0"/>
-                </a:lnTo>
-                <a:lnTo>
-                  <a:pt x="0" y="6858000"/>
-                </a:lnTo>
-                <a:lnTo>
-                  <a:pt x="3223890" y="6858000"/>
-                </a:lnTo>
-                <a:close/>
-              </a:path>
-            </a:pathLst>
-          </a:custGeom>
-          <a:ln>
-            <a:noFill/>
-          </a:ln>
-        </p:spPr>
-        <p:style>
-          <a:lnRef idx="2">
-            <a:schemeClr val="accent1">
-              <a:shade val="50000"/>
-            </a:schemeClr>
-          </a:lnRef>
-          <a:fillRef idx="1002">
-            <a:schemeClr val="dk1"/>
-          </a:fillRef>
-          <a:effectRef idx="0">
-            <a:schemeClr val="accent1"/>
-          </a:effectRef>
-          <a:fontRef idx="minor">
-            <a:schemeClr val="lt1"/>
-          </a:fontRef>
-        </p:style>
-        <p:txBody>
-          <a:bodyPr rtlCol="0" anchor="ctr"/>
-          <a:lstStyle/>
-          <a:p>
-            <a:pPr algn="ctr"/>
-            <a:endParaRPr lang="en-US">
-              <a:solidFill>
-                <a:schemeClr val="tx1"/>
-              </a:solidFill>
-            </a:endParaRPr>
-          </a:p>
-        </p:txBody>
-      </p:sp>
-      <p:grpSp>
-        <p:nvGrpSpPr>
-          <p:cNvPr id="14" name="Group 13"/>
-          <p:cNvGrpSpPr>
-            <a:grpSpLocks noGrp="1" noUngrp="1" noRot="1" noChangeAspect="1" noMove="1" noResize="1"/>
-          </p:cNvGrpSpPr>
-          <p:nvPr>
-            <p:extLst>
-              <p:ext uri="{386F3935-93C4-4BCD-93E2-E3B085C9AB24}">
-                <p16:designElem xmlns:p16="http://schemas.microsoft.com/office/powerpoint/2015/main" val="1"/>
-              </p:ext>
-            </p:extLst>
-          </p:nvPr>
-        </p:nvGrpSpPr>
-        <p:grpSpPr>
-          <a:xfrm>
-            <a:off x="3315292" y="0"/>
-            <a:ext cx="2436813" cy="6858001"/>
-            <a:chOff x="1320800" y="0"/>
-            <a:chExt cx="2436813" cy="6858001"/>
-          </a:xfrm>
-        </p:grpSpPr>
-        <p:sp>
-          <p:nvSpPr>
-            <p:cNvPr id="15" name="Freeform 6"/>
-            <p:cNvSpPr/>
-            <p:nvPr>
-              <p:extLst>
-                <p:ext uri="{386F3935-93C4-4BCD-93E2-E3B085C9AB24}">
-                  <p16:designElem xmlns:p16="http://schemas.microsoft.com/office/powerpoint/2015/main" val="1"/>
-                </p:ext>
-              </p:extLst>
-            </p:nvPr>
-          </p:nvSpPr>
-          <p:spPr bwMode="auto">
-            <a:xfrm>
-              <a:off x="1627188" y="0"/>
-              <a:ext cx="1122363" cy="5329238"/>
-            </a:xfrm>
-            <a:custGeom>
-              <a:avLst/>
-              <a:gdLst/>
-              <a:ahLst/>
-              <a:cxnLst/>
-              <a:rect l="0" t="0" r="r" b="b"/>
-              <a:pathLst>
-                <a:path w="707" h="3357">
-                  <a:moveTo>
-                    <a:pt x="0" y="3330"/>
-                  </a:moveTo>
-                  <a:lnTo>
-                    <a:pt x="156" y="3357"/>
-                  </a:lnTo>
-                  <a:lnTo>
-                    <a:pt x="707" y="0"/>
-                  </a:lnTo>
-                  <a:lnTo>
-                    <a:pt x="547" y="0"/>
-                  </a:lnTo>
-                  <a:lnTo>
-                    <a:pt x="0" y="3330"/>
-                  </a:lnTo>
-                  <a:close/>
-                </a:path>
-              </a:pathLst>
-            </a:custGeom>
-            <a:solidFill>
-              <a:schemeClr val="accent1"/>
-            </a:solidFill>
-            <a:ln>
-              <a:noFill/>
-            </a:ln>
-          </p:spPr>
-        </p:sp>
-        <p:sp>
-          <p:nvSpPr>
-            <p:cNvPr id="16" name="Freeform 7"/>
-            <p:cNvSpPr/>
-            <p:nvPr>
-              <p:extLst>
-                <p:ext uri="{386F3935-93C4-4BCD-93E2-E3B085C9AB24}">
-                  <p16:designElem xmlns:p16="http://schemas.microsoft.com/office/powerpoint/2015/main" val="1"/>
-                </p:ext>
-              </p:extLst>
-            </p:nvPr>
-          </p:nvSpPr>
-          <p:spPr bwMode="auto">
-            <a:xfrm>
-              <a:off x="1320800" y="0"/>
-              <a:ext cx="1117600" cy="5276850"/>
-            </a:xfrm>
-            <a:custGeom>
-              <a:avLst/>
-              <a:gdLst/>
-              <a:ahLst/>
-              <a:cxnLst/>
-              <a:rect l="0" t="0" r="r" b="b"/>
-              <a:pathLst>
-                <a:path w="704" h="3324">
-                  <a:moveTo>
-                    <a:pt x="704" y="0"/>
-                  </a:moveTo>
-                  <a:lnTo>
-                    <a:pt x="545" y="0"/>
-                  </a:lnTo>
-                  <a:lnTo>
-                    <a:pt x="0" y="3300"/>
-                  </a:lnTo>
-                  <a:lnTo>
-                    <a:pt x="157" y="3324"/>
-                  </a:lnTo>
-                  <a:lnTo>
-                    <a:pt x="704" y="0"/>
-                  </a:lnTo>
-                  <a:close/>
-                </a:path>
-              </a:pathLst>
-            </a:custGeom>
-            <a:solidFill>
-              <a:schemeClr val="tx1">
-                <a:lumMod val="65000"/>
-                <a:lumOff val="35000"/>
-              </a:schemeClr>
-            </a:solidFill>
-            <a:ln>
-              <a:noFill/>
-            </a:ln>
-          </p:spPr>
-        </p:sp>
-        <p:sp>
-          <p:nvSpPr>
-            <p:cNvPr id="17" name="Freeform 8"/>
-            <p:cNvSpPr/>
-            <p:nvPr>
-              <p:extLst>
-                <p:ext uri="{386F3935-93C4-4BCD-93E2-E3B085C9AB24}">
-                  <p16:designElem xmlns:p16="http://schemas.microsoft.com/office/powerpoint/2015/main" val="1"/>
-                </p:ext>
-              </p:extLst>
-            </p:nvPr>
-          </p:nvSpPr>
-          <p:spPr bwMode="auto">
-            <a:xfrm>
-              <a:off x="1320800" y="5238750"/>
-              <a:ext cx="1228725" cy="1619250"/>
-            </a:xfrm>
-            <a:custGeom>
-              <a:avLst/>
-              <a:gdLst/>
-              <a:ahLst/>
-              <a:cxnLst/>
-              <a:rect l="0" t="0" r="r" b="b"/>
-              <a:pathLst>
-                <a:path w="774" h="1020">
-                  <a:moveTo>
-                    <a:pt x="0" y="0"/>
-                  </a:moveTo>
-                  <a:lnTo>
-                    <a:pt x="740" y="1020"/>
-                  </a:lnTo>
-                  <a:lnTo>
-                    <a:pt x="774" y="1020"/>
-                  </a:lnTo>
-                  <a:lnTo>
-                    <a:pt x="0" y="0"/>
-                  </a:lnTo>
-                  <a:close/>
-                </a:path>
-              </a:pathLst>
-            </a:custGeom>
-            <a:solidFill>
-              <a:schemeClr val="tx1">
-                <a:lumMod val="85000"/>
-                <a:lumOff val="15000"/>
-              </a:schemeClr>
-            </a:solidFill>
-            <a:ln>
-              <a:noFill/>
-            </a:ln>
-          </p:spPr>
-        </p:sp>
-        <p:sp>
-          <p:nvSpPr>
-            <p:cNvPr id="18" name="Freeform 9"/>
-            <p:cNvSpPr/>
-            <p:nvPr>
-              <p:extLst>
-                <p:ext uri="{386F3935-93C4-4BCD-93E2-E3B085C9AB24}">
-                  <p16:designElem xmlns:p16="http://schemas.microsoft.com/office/powerpoint/2015/main" val="1"/>
-                </p:ext>
-              </p:extLst>
-            </p:nvPr>
-          </p:nvSpPr>
-          <p:spPr bwMode="auto">
-            <a:xfrm>
-              <a:off x="1627188" y="5291138"/>
-              <a:ext cx="1495425" cy="1566863"/>
-            </a:xfrm>
-            <a:custGeom>
-              <a:avLst/>
-              <a:gdLst/>
-              <a:ahLst/>
-              <a:cxnLst/>
-              <a:rect l="0" t="0" r="r" b="b"/>
-              <a:pathLst>
-                <a:path w="942" h="987">
-                  <a:moveTo>
-                    <a:pt x="0" y="0"/>
-                  </a:moveTo>
-                  <a:lnTo>
-                    <a:pt x="909" y="987"/>
-                  </a:lnTo>
-                  <a:lnTo>
-                    <a:pt x="942" y="987"/>
-                  </a:lnTo>
-                  <a:lnTo>
-                    <a:pt x="0" y="0"/>
-                  </a:lnTo>
-                  <a:close/>
-                </a:path>
-              </a:pathLst>
-            </a:custGeom>
-            <a:solidFill>
-              <a:schemeClr val="accent1">
-                <a:lumMod val="50000"/>
-              </a:schemeClr>
-            </a:solidFill>
-            <a:ln>
-              <a:noFill/>
-            </a:ln>
-          </p:spPr>
-        </p:sp>
-        <p:sp>
-          <p:nvSpPr>
-            <p:cNvPr id="19" name="Freeform 10"/>
-            <p:cNvSpPr/>
-            <p:nvPr>
-              <p:extLst>
-                <p:ext uri="{386F3935-93C4-4BCD-93E2-E3B085C9AB24}">
-                  <p16:designElem xmlns:p16="http://schemas.microsoft.com/office/powerpoint/2015/main" val="1"/>
-                </p:ext>
-              </p:extLst>
-            </p:nvPr>
-          </p:nvSpPr>
-          <p:spPr bwMode="auto">
-            <a:xfrm>
-              <a:off x="1627188" y="5286375"/>
-              <a:ext cx="2130425" cy="1571625"/>
-            </a:xfrm>
-            <a:custGeom>
-              <a:avLst/>
-              <a:gdLst/>
-              <a:ahLst/>
-              <a:cxnLst/>
-              <a:rect l="0" t="0" r="r" b="b"/>
-              <a:pathLst>
-                <a:path w="1342" h="990">
-                  <a:moveTo>
-                    <a:pt x="0" y="3"/>
-                  </a:moveTo>
-                  <a:lnTo>
-                    <a:pt x="942" y="990"/>
-                  </a:lnTo>
-                  <a:lnTo>
-                    <a:pt x="1342" y="990"/>
-                  </a:lnTo>
-                  <a:lnTo>
-                    <a:pt x="156" y="27"/>
-                  </a:lnTo>
-                  <a:lnTo>
-                    <a:pt x="0" y="0"/>
-                  </a:lnTo>
-                  <a:lnTo>
-                    <a:pt x="0" y="3"/>
-                  </a:lnTo>
-                  <a:close/>
-                </a:path>
-              </a:pathLst>
-            </a:custGeom>
-            <a:solidFill>
-              <a:schemeClr val="accent1">
-                <a:lumMod val="75000"/>
-              </a:schemeClr>
-            </a:solidFill>
-            <a:ln>
-              <a:noFill/>
-            </a:ln>
-          </p:spPr>
-        </p:sp>
-        <p:sp>
-          <p:nvSpPr>
-            <p:cNvPr id="20" name="Freeform 11"/>
-            <p:cNvSpPr/>
-            <p:nvPr>
-              <p:extLst>
-                <p:ext uri="{386F3935-93C4-4BCD-93E2-E3B085C9AB24}">
-                  <p16:designElem xmlns:p16="http://schemas.microsoft.com/office/powerpoint/2015/main" val="1"/>
-                </p:ext>
-              </p:extLst>
-            </p:nvPr>
-          </p:nvSpPr>
-          <p:spPr bwMode="auto">
-            <a:xfrm>
-              <a:off x="1320800" y="5238750"/>
-              <a:ext cx="1695450" cy="1619250"/>
-            </a:xfrm>
-            <a:custGeom>
-              <a:avLst/>
-              <a:gdLst/>
-              <a:ahLst/>
-              <a:cxnLst/>
-              <a:rect l="0" t="0" r="r" b="b"/>
-              <a:pathLst>
-                <a:path w="1068" h="1020">
-                  <a:moveTo>
-                    <a:pt x="1068" y="1020"/>
-                  </a:moveTo>
-                  <a:lnTo>
-                    <a:pt x="184" y="60"/>
-                  </a:lnTo>
-                  <a:lnTo>
-                    <a:pt x="154" y="27"/>
-                  </a:lnTo>
-                  <a:lnTo>
-                    <a:pt x="157" y="27"/>
-                  </a:lnTo>
-                  <a:lnTo>
-                    <a:pt x="157" y="24"/>
-                  </a:lnTo>
-                  <a:lnTo>
-                    <a:pt x="154" y="24"/>
-                  </a:lnTo>
-                  <a:lnTo>
-                    <a:pt x="0" y="0"/>
-                  </a:lnTo>
-                  <a:lnTo>
-                    <a:pt x="0" y="0"/>
-                  </a:lnTo>
-                  <a:lnTo>
-                    <a:pt x="774" y="1020"/>
-                  </a:lnTo>
-                  <a:lnTo>
-                    <a:pt x="1068" y="1020"/>
-                  </a:lnTo>
-                  <a:close/>
-                </a:path>
-              </a:pathLst>
-            </a:custGeom>
-            <a:solidFill>
-              <a:schemeClr val="tx1">
-                <a:lumMod val="75000"/>
-                <a:lumOff val="25000"/>
-              </a:schemeClr>
-            </a:solidFill>
-            <a:ln>
-              <a:noFill/>
-            </a:ln>
-          </p:spPr>
-        </p:sp>
-      </p:grpSp>
-      <p:sp>
-        <p:nvSpPr>
-          <p:cNvPr id="2" name="Title 1"/>
-          <p:cNvSpPr>
-            <a:spLocks noGrp="1"/>
-          </p:cNvSpPr>
-          <p:nvPr>
-            <p:ph type="title"/>
-          </p:nvPr>
-        </p:nvSpPr>
-        <p:spPr>
-          <a:xfrm>
-            <a:off x="535021" y="685800"/>
-            <a:ext cx="2639962" cy="5105400"/>
-          </a:xfrm>
-        </p:spPr>
-        <p:txBody>
-          <a:bodyPr>
-            <a:normAutofit/>
-          </a:bodyPr>
-          <a:lstStyle/>
-          <a:p>
-            <a:r>
-              <a:rPr lang="en-US">
-                <a:solidFill>
-                  <a:srgbClr val="FFFFFF"/>
-                </a:solidFill>
-              </a:rPr>
-              <a:t>Five Steps Using Functions with Callable Statement</a:t>
-            </a:r>
-          </a:p>
-        </p:txBody>
-      </p:sp>
-      <p:graphicFrame>
-        <p:nvGraphicFramePr>
-          <p:cNvPr id="5" name="Content Placeholder 2"/>
-          <p:cNvGraphicFramePr>
-            <a:graphicFrameLocks noGrp="1"/>
-          </p:cNvGraphicFramePr>
-          <p:nvPr>
-            <p:ph idx="1"/>
-            <p:extLst>
-              <p:ext uri="{D42A27DB-BD31-4B8C-83A1-F6EECF244321}">
-                <p14:modId xmlns:p14="http://schemas.microsoft.com/office/powerpoint/2010/main" val="98400753"/>
-              </p:ext>
-            </p:extLst>
-          </p:nvPr>
-        </p:nvGraphicFramePr>
-        <p:xfrm>
-          <a:off x="5010150" y="685800"/>
-          <a:ext cx="6492875" cy="5105400"/>
-        </p:xfrm>
-        <a:graphic>
-          <a:graphicData uri="http://schemas.openxmlformats.org/drawingml/2006/diagram">
-            <dgm:relIds xmlns:dgm="http://schemas.openxmlformats.org/drawingml/2006/diagram" xmlns:r="http://schemas.openxmlformats.org/officeDocument/2006/relationships" r:dm="rId2" r:lo="rId3" r:qs="rId4" r:cs="rId5"/>
-          </a:graphicData>
-        </a:graphic>
-      </p:graphicFrame>
-    </p:spTree>
-    <p:extLst>
-      <p:ext uri="{BB962C8B-B14F-4D97-AF65-F5344CB8AC3E}">
-        <p14:creationId xmlns:p14="http://schemas.microsoft.com/office/powerpoint/2010/main" val="1660425921"/>
-      </p:ext>
-    </p:extLst>
-  </p:cSld>
-  <p:clrMapOvr>
-    <a:masterClrMapping/>
-  </p:clrMapOvr>
-</p:sld>
-</file>
-
-<file path=ppt/slides/slide3.xml><?xml version="1.0" encoding="utf-8"?>
-<p:sld xmlns:a="http://schemas.openxmlformats.org/drawingml/2006/main" xmlns:r="http://schemas.openxmlformats.org/officeDocument/2006/relationships" xmlns:p="http://schemas.openxmlformats.org/presentationml/2006/main">
-  <p:cSld>
-    <p:spTree>
-      <p:nvGrpSpPr>
-        <p:cNvPr id="1" name=""/>
-        <p:cNvGrpSpPr/>
-        <p:nvPr/>
-      </p:nvGrpSpPr>
-      <p:grpSpPr>
-        <a:xfrm>
-          <a:off x="0" y="0"/>
-          <a:ext cx="0" cy="0"/>
-          <a:chOff x="0" y="0"/>
-          <a:chExt cx="0" cy="0"/>
-        </a:xfrm>
-      </p:grpSpPr>
-      <p:sp>
-        <p:nvSpPr>
-          <p:cNvPr id="53" name="Rectangle 43"/>
-          <p:cNvSpPr>
-            <a:spLocks noGrp="1" noRot="1" noChangeAspect="1" noMove="1" noResize="1" noEditPoints="1" noAdjustHandles="1" noChangeArrowheads="1" noChangeShapeType="1" noTextEdit="1"/>
-          </p:cNvSpPr>
-          <p:nvPr>
-            <p:extLst>
-              <p:ext uri="{386F3935-93C4-4BCD-93E2-E3B085C9AB24}">
-                <p16:designElem xmlns:p16="http://schemas.microsoft.com/office/powerpoint/2015/main" val="1"/>
-              </p:ext>
-            </p:extLst>
-          </p:nvPr>
-        </p:nvSpPr>
-        <p:spPr bwMode="white">
-          <a:xfrm>
-            <a:off x="0" y="0"/>
-            <a:ext cx="12192000" cy="6858000"/>
-          </a:xfrm>
-          <a:prstGeom prst="rect">
-            <a:avLst/>
-          </a:prstGeom>
-          <a:blipFill rotWithShape="1">
-            <a:blip r:embed="rId2">
-              <a:duotone>
-                <a:schemeClr val="bg2">
-                  <a:shade val="76000"/>
-                  <a:satMod val="180000"/>
-                </a:schemeClr>
-                <a:schemeClr val="bg2">
-                  <a:tint val="80000"/>
-                  <a:satMod val="120000"/>
-                  <a:lumMod val="180000"/>
-                </a:schemeClr>
-              </a:duotone>
-            </a:blip>
-            <a:stretch/>
-          </a:blipFill>
-          <a:ln>
-            <a:noFill/>
-          </a:ln>
-          <a:effectLst/>
-        </p:spPr>
-      </p:sp>
-      <p:grpSp>
-        <p:nvGrpSpPr>
-          <p:cNvPr id="46" name="Group 45"/>
-          <p:cNvGrpSpPr>
-            <a:grpSpLocks noGrp="1" noUngrp="1" noRot="1" noChangeAspect="1" noMove="1" noResize="1"/>
-          </p:cNvGrpSpPr>
-          <p:nvPr>
-            <p:extLst>
-              <p:ext uri="{386F3935-93C4-4BCD-93E2-E3B085C9AB24}">
-                <p16:designElem xmlns:p16="http://schemas.microsoft.com/office/powerpoint/2015/main" val="1"/>
-              </p:ext>
-            </p:extLst>
-          </p:nvPr>
-        </p:nvGrpSpPr>
-        <p:grpSpPr>
-          <a:xfrm>
-            <a:off x="546100" y="-4763"/>
-            <a:ext cx="5014912" cy="6862763"/>
-            <a:chOff x="2928938" y="-4763"/>
-            <a:chExt cx="5014912" cy="6862763"/>
-          </a:xfrm>
-        </p:grpSpPr>
-        <p:sp>
-          <p:nvSpPr>
-            <p:cNvPr id="47" name="Freeform 6"/>
-            <p:cNvSpPr/>
-            <p:nvPr>
-              <p:extLst>
-                <p:ext uri="{386F3935-93C4-4BCD-93E2-E3B085C9AB24}">
-                  <p16:designElem xmlns:p16="http://schemas.microsoft.com/office/powerpoint/2015/main" val="1"/>
-                </p:ext>
-              </p:extLst>
-            </p:nvPr>
-          </p:nvSpPr>
-          <p:spPr bwMode="auto">
-            <a:xfrm>
-              <a:off x="3367088" y="-4763"/>
-              <a:ext cx="1063625" cy="2782888"/>
-            </a:xfrm>
-            <a:custGeom>
-              <a:avLst/>
-              <a:gdLst/>
-              <a:ahLst/>
-              <a:cxnLst/>
-              <a:rect l="0" t="0" r="r" b="b"/>
-              <a:pathLst>
-                <a:path w="670" h="1753">
-                  <a:moveTo>
-                    <a:pt x="0" y="1696"/>
-                  </a:moveTo>
-                  <a:lnTo>
-                    <a:pt x="225" y="1753"/>
-                  </a:lnTo>
-                  <a:lnTo>
-                    <a:pt x="670" y="0"/>
-                  </a:lnTo>
-                  <a:lnTo>
-                    <a:pt x="430" y="0"/>
-                  </a:lnTo>
-                  <a:lnTo>
-                    <a:pt x="0" y="1696"/>
-                  </a:lnTo>
-                  <a:close/>
-                </a:path>
-              </a:pathLst>
-            </a:custGeom>
-            <a:solidFill>
-              <a:schemeClr val="accent1"/>
-            </a:solidFill>
-            <a:ln>
-              <a:noFill/>
-            </a:ln>
-          </p:spPr>
-        </p:sp>
-        <p:sp>
-          <p:nvSpPr>
-            <p:cNvPr id="48" name="Freeform 7"/>
-            <p:cNvSpPr/>
-            <p:nvPr>
-              <p:extLst>
-                <p:ext uri="{386F3935-93C4-4BCD-93E2-E3B085C9AB24}">
-                  <p16:designElem xmlns:p16="http://schemas.microsoft.com/office/powerpoint/2015/main" val="1"/>
-                </p:ext>
-              </p:extLst>
-            </p:nvPr>
-          </p:nvSpPr>
-          <p:spPr bwMode="auto">
-            <a:xfrm>
-              <a:off x="2928938" y="-4763"/>
-              <a:ext cx="1035050" cy="2673350"/>
-            </a:xfrm>
-            <a:custGeom>
-              <a:avLst/>
-              <a:gdLst/>
-              <a:ahLst/>
-              <a:cxnLst/>
-              <a:rect l="0" t="0" r="r" b="b"/>
-              <a:pathLst>
-                <a:path w="652" h="1684">
-                  <a:moveTo>
-                    <a:pt x="225" y="1684"/>
-                  </a:moveTo>
-                  <a:lnTo>
-                    <a:pt x="652" y="0"/>
-                  </a:lnTo>
-                  <a:lnTo>
-                    <a:pt x="411" y="0"/>
-                  </a:lnTo>
-                  <a:lnTo>
-                    <a:pt x="0" y="1627"/>
-                  </a:lnTo>
-                  <a:lnTo>
-                    <a:pt x="219" y="1681"/>
-                  </a:lnTo>
-                  <a:lnTo>
-                    <a:pt x="225" y="1684"/>
-                  </a:lnTo>
-                  <a:close/>
-                </a:path>
-              </a:pathLst>
-            </a:custGeom>
-            <a:solidFill>
-              <a:schemeClr val="tx1">
-                <a:lumMod val="65000"/>
-                <a:lumOff val="35000"/>
-              </a:schemeClr>
-            </a:solidFill>
-            <a:ln>
-              <a:noFill/>
-            </a:ln>
-          </p:spPr>
-        </p:sp>
-        <p:sp>
-          <p:nvSpPr>
-            <p:cNvPr id="55" name="Freeform 9"/>
-            <p:cNvSpPr/>
-            <p:nvPr>
-              <p:extLst>
-                <p:ext uri="{386F3935-93C4-4BCD-93E2-E3B085C9AB24}">
-                  <p16:designElem xmlns:p16="http://schemas.microsoft.com/office/powerpoint/2015/main" val="1"/>
-                </p:ext>
-              </p:extLst>
-            </p:nvPr>
-          </p:nvSpPr>
-          <p:spPr bwMode="auto">
-            <a:xfrm>
-              <a:off x="2928938" y="2582862"/>
-              <a:ext cx="2693987" cy="4275138"/>
-            </a:xfrm>
-            <a:custGeom>
-              <a:avLst/>
-              <a:gdLst/>
-              <a:ahLst/>
-              <a:cxnLst/>
-              <a:rect l="0" t="0" r="r" b="b"/>
-              <a:pathLst>
-                <a:path w="1697" h="2693">
-                  <a:moveTo>
-                    <a:pt x="0" y="0"/>
-                  </a:moveTo>
-                  <a:lnTo>
-                    <a:pt x="1622" y="2693"/>
-                  </a:lnTo>
-                  <a:lnTo>
-                    <a:pt x="1697" y="2693"/>
-                  </a:lnTo>
-                  <a:lnTo>
-                    <a:pt x="0" y="0"/>
-                  </a:lnTo>
-                  <a:close/>
-                </a:path>
-              </a:pathLst>
-            </a:custGeom>
-            <a:solidFill>
-              <a:schemeClr val="tx1">
-                <a:lumMod val="85000"/>
-                <a:lumOff val="15000"/>
-              </a:schemeClr>
-            </a:solidFill>
-            <a:ln>
-              <a:noFill/>
-            </a:ln>
-          </p:spPr>
-        </p:sp>
-        <p:sp>
-          <p:nvSpPr>
-            <p:cNvPr id="50" name="Freeform 10"/>
-            <p:cNvSpPr/>
-            <p:nvPr>
-              <p:extLst>
-                <p:ext uri="{386F3935-93C4-4BCD-93E2-E3B085C9AB24}">
-                  <p16:designElem xmlns:p16="http://schemas.microsoft.com/office/powerpoint/2015/main" val="1"/>
-                </p:ext>
-              </p:extLst>
-            </p:nvPr>
-          </p:nvSpPr>
-          <p:spPr bwMode="auto">
-            <a:xfrm>
-              <a:off x="3371850" y="2692400"/>
-              <a:ext cx="3332162" cy="4165600"/>
-            </a:xfrm>
-            <a:custGeom>
-              <a:avLst/>
-              <a:gdLst/>
-              <a:ahLst/>
-              <a:cxnLst/>
-              <a:rect l="0" t="0" r="r" b="b"/>
-              <a:pathLst>
-                <a:path w="2099" h="2624">
-                  <a:moveTo>
-                    <a:pt x="2099" y="2624"/>
-                  </a:moveTo>
-                  <a:lnTo>
-                    <a:pt x="0" y="0"/>
-                  </a:lnTo>
-                  <a:lnTo>
-                    <a:pt x="2021" y="2624"/>
-                  </a:lnTo>
-                  <a:lnTo>
-                    <a:pt x="2099" y="2624"/>
-                  </a:lnTo>
-                  <a:close/>
-                </a:path>
-              </a:pathLst>
-            </a:custGeom>
-            <a:solidFill>
-              <a:schemeClr val="accent1">
-                <a:lumMod val="50000"/>
-              </a:schemeClr>
-            </a:solidFill>
-            <a:ln>
-              <a:noFill/>
-            </a:ln>
-          </p:spPr>
-        </p:sp>
-        <p:sp>
-          <p:nvSpPr>
-            <p:cNvPr id="51" name="Freeform 11"/>
-            <p:cNvSpPr/>
-            <p:nvPr>
-              <p:extLst>
-                <p:ext uri="{386F3935-93C4-4BCD-93E2-E3B085C9AB24}">
-                  <p16:designElem xmlns:p16="http://schemas.microsoft.com/office/powerpoint/2015/main" val="1"/>
-                </p:ext>
-              </p:extLst>
-            </p:nvPr>
-          </p:nvSpPr>
-          <p:spPr bwMode="auto">
-            <a:xfrm>
-              <a:off x="3367088" y="2687637"/>
-              <a:ext cx="4576762" cy="4170363"/>
-            </a:xfrm>
-            <a:custGeom>
-              <a:avLst/>
-              <a:gdLst/>
-              <a:ahLst/>
-              <a:cxnLst/>
-              <a:rect l="0" t="0" r="r" b="b"/>
-              <a:pathLst>
-                <a:path w="2883" h="2627">
-                  <a:moveTo>
-                    <a:pt x="0" y="0"/>
-                  </a:moveTo>
-                  <a:lnTo>
-                    <a:pt x="3" y="3"/>
-                  </a:lnTo>
-                  <a:lnTo>
-                    <a:pt x="2102" y="2627"/>
-                  </a:lnTo>
-                  <a:lnTo>
-                    <a:pt x="2883" y="2627"/>
-                  </a:lnTo>
-                  <a:lnTo>
-                    <a:pt x="225" y="57"/>
-                  </a:lnTo>
-                  <a:lnTo>
-                    <a:pt x="0" y="0"/>
-                  </a:lnTo>
-                  <a:close/>
-                </a:path>
-              </a:pathLst>
-            </a:custGeom>
-            <a:solidFill>
-              <a:schemeClr val="accent1">
-                <a:lumMod val="75000"/>
-              </a:schemeClr>
-            </a:solidFill>
-            <a:ln>
-              <a:noFill/>
-            </a:ln>
-          </p:spPr>
-        </p:sp>
-        <p:sp>
-          <p:nvSpPr>
-            <p:cNvPr id="52" name="Freeform 12"/>
-            <p:cNvSpPr/>
-            <p:nvPr>
-              <p:extLst>
-                <p:ext uri="{386F3935-93C4-4BCD-93E2-E3B085C9AB24}">
-                  <p16:designElem xmlns:p16="http://schemas.microsoft.com/office/powerpoint/2015/main" val="1"/>
-                </p:ext>
-              </p:extLst>
-            </p:nvPr>
-          </p:nvSpPr>
-          <p:spPr bwMode="auto">
-            <a:xfrm>
-              <a:off x="2928938" y="2578100"/>
-              <a:ext cx="3584575" cy="4279900"/>
-            </a:xfrm>
-            <a:custGeom>
-              <a:avLst/>
-              <a:gdLst/>
-              <a:ahLst/>
-              <a:cxnLst/>
-              <a:rect l="0" t="0" r="r" b="b"/>
-              <a:pathLst>
-                <a:path w="2258" h="2696">
-                  <a:moveTo>
-                    <a:pt x="2258" y="2696"/>
-                  </a:moveTo>
-                  <a:lnTo>
-                    <a:pt x="264" y="111"/>
-                  </a:lnTo>
-                  <a:lnTo>
-                    <a:pt x="228" y="60"/>
-                  </a:lnTo>
-                  <a:lnTo>
-                    <a:pt x="225" y="57"/>
-                  </a:lnTo>
-                  <a:lnTo>
-                    <a:pt x="0" y="0"/>
-                  </a:lnTo>
-                  <a:lnTo>
-                    <a:pt x="0" y="3"/>
-                  </a:lnTo>
-                  <a:lnTo>
-                    <a:pt x="1697" y="2696"/>
-                  </a:lnTo>
-                  <a:lnTo>
-                    <a:pt x="2258" y="2696"/>
-                  </a:lnTo>
-                  <a:close/>
-                </a:path>
-              </a:pathLst>
-            </a:custGeom>
-            <a:solidFill>
-              <a:schemeClr val="tx1">
-                <a:lumMod val="75000"/>
-                <a:lumOff val="25000"/>
-              </a:schemeClr>
-            </a:solidFill>
-            <a:ln>
-              <a:noFill/>
-            </a:ln>
-          </p:spPr>
-        </p:sp>
-      </p:grpSp>
-      <p:sp>
-        <p:nvSpPr>
-          <p:cNvPr id="54" name="Rounded Rectangle 6"/>
-          <p:cNvSpPr>
-            <a:spLocks noGrp="1" noRot="1" noChangeAspect="1" noMove="1" noResize="1" noEditPoints="1" noAdjustHandles="1" noChangeArrowheads="1" noChangeShapeType="1" noTextEdit="1"/>
-          </p:cNvSpPr>
-          <p:nvPr>
-            <p:extLst>
-              <p:ext uri="{386F3935-93C4-4BCD-93E2-E3B085C9AB24}">
-                <p16:designElem xmlns:p16="http://schemas.microsoft.com/office/powerpoint/2015/main" val="1"/>
-              </p:ext>
-            </p:extLst>
-          </p:nvPr>
-        </p:nvSpPr>
-        <p:spPr>
-          <a:xfrm>
-            <a:off x="3718560" y="609600"/>
-            <a:ext cx="7833360" cy="3633216"/>
-          </a:xfrm>
-          <a:prstGeom prst="roundRect">
-            <a:avLst>
-              <a:gd name="adj" fmla="val 4834"/>
-            </a:avLst>
-          </a:prstGeom>
-          <a:solidFill>
-            <a:schemeClr val="bg1"/>
-          </a:solidFill>
-          <a:ln w="38100">
-            <a:gradFill flip="none" rotWithShape="1">
-              <a:gsLst>
-                <a:gs pos="0">
-                  <a:schemeClr val="bg2"/>
-                </a:gs>
-                <a:gs pos="100000">
-                  <a:schemeClr val="bg2">
-                    <a:lumMod val="75000"/>
-                  </a:schemeClr>
-                </a:gs>
-              </a:gsLst>
-              <a:lin ang="5400000" scaled="0"/>
-              <a:tileRect/>
-            </a:gradFill>
-          </a:ln>
-          <a:effectLst>
-            <a:innerShdw blurRad="57150" dist="38100" dir="14460000">
-              <a:srgbClr val="000000">
-                <a:alpha val="70000"/>
-              </a:srgbClr>
-            </a:innerShdw>
-          </a:effectLst>
-        </p:spPr>
-        <p:style>
-          <a:lnRef idx="2">
-            <a:schemeClr val="accent1">
-              <a:shade val="50000"/>
-            </a:schemeClr>
-          </a:lnRef>
-          <a:fillRef idx="1">
-            <a:schemeClr val="accent1"/>
-          </a:fillRef>
-          <a:effectRef idx="0">
-            <a:schemeClr val="accent1"/>
-          </a:effectRef>
-          <a:fontRef idx="minor">
-            <a:schemeClr val="lt1"/>
-          </a:fontRef>
-        </p:style>
-        <p:txBody>
-          <a:bodyPr rtlCol="0" anchor="ctr"/>
-          <a:lstStyle/>
-          <a:p>
-            <a:pPr algn="ctr"/>
-            <a:endParaRPr lang="en-US"/>
-          </a:p>
-        </p:txBody>
-      </p:sp>
-      <p:pic>
-        <p:nvPicPr>
-          <p:cNvPr id="5" name="Content Placeholder 4"/>
-          <p:cNvPicPr>
-            <a:picLocks noGrp="1" noChangeAspect="1"/>
-          </p:cNvPicPr>
-          <p:nvPr>
-            <p:ph idx="1"/>
-          </p:nvPr>
-        </p:nvPicPr>
-        <p:blipFill rotWithShape="1">
-          <a:blip r:embed="rId3">
-            <a:extLst>
-              <a:ext uri="{28A0092B-C50C-407E-A947-70E740481C1C}">
-                <a14:useLocalDpi xmlns:a14="http://schemas.microsoft.com/office/drawing/2010/main" val="0"/>
-              </a:ext>
-            </a:extLst>
-          </a:blip>
-          <a:srcRect l="1" r="7482"/>
-          <a:stretch/>
-        </p:blipFill>
-        <p:spPr>
-          <a:xfrm>
-            <a:off x="3750046" y="1592648"/>
-            <a:ext cx="7702304" cy="1573213"/>
-          </a:xfrm>
-          <a:prstGeom prst="rect">
-            <a:avLst/>
-          </a:prstGeom>
-        </p:spPr>
-      </p:pic>
-      <p:sp>
-        <p:nvSpPr>
-          <p:cNvPr id="2" name="Title 1"/>
-          <p:cNvSpPr>
-            <a:spLocks noGrp="1"/>
-          </p:cNvSpPr>
-          <p:nvPr>
-            <p:ph type="title"/>
-          </p:nvPr>
-        </p:nvSpPr>
-        <p:spPr>
-          <a:xfrm>
-            <a:off x="4089399" y="4562856"/>
-            <a:ext cx="7413623" cy="898149"/>
-          </a:xfrm>
-        </p:spPr>
-        <p:txBody>
-          <a:bodyPr vert="horz" lIns="91440" tIns="45720" rIns="91440" bIns="45720" rtlCol="0" anchor="b">
-            <a:normAutofit/>
-          </a:bodyPr>
-          <a:lstStyle/>
-          <a:p>
-            <a:pPr algn="r">
-              <a:lnSpc>
-                <a:spcPct val="90000"/>
-              </a:lnSpc>
-            </a:pPr>
-            <a:r>
-              <a:rPr lang="en-US" sz="4100" b="1"/>
-              <a:t> Calling a built in stored function</a:t>
-            </a:r>
-            <a:endParaRPr lang="en-US" sz="4100"/>
-          </a:p>
-        </p:txBody>
-      </p:sp>
-      <p:sp>
-        <p:nvSpPr>
-          <p:cNvPr id="3" name="Rectangle 2"/>
-          <p:cNvSpPr/>
-          <p:nvPr/>
-        </p:nvSpPr>
-        <p:spPr>
-          <a:xfrm>
-            <a:off x="3750045" y="786568"/>
-            <a:ext cx="7548069" cy="369332"/>
-          </a:xfrm>
-          <a:prstGeom prst="rect">
-            <a:avLst/>
-          </a:prstGeom>
-        </p:spPr>
-        <p:txBody>
-          <a:bodyPr wrap="square">
-            <a:spAutoFit/>
-          </a:bodyPr>
-          <a:lstStyle/>
-          <a:p>
-            <a:r>
-              <a:rPr lang="en-US" dirty="0"/>
-              <a:t>Upper() function is simply converts the supplied string argument to uppercase</a:t>
-            </a:r>
-          </a:p>
-        </p:txBody>
-      </p:sp>
-    </p:spTree>
-    <p:extLst>
-      <p:ext uri="{BB962C8B-B14F-4D97-AF65-F5344CB8AC3E}">
-        <p14:creationId xmlns:p14="http://schemas.microsoft.com/office/powerpoint/2010/main" val="2063030630"/>
-      </p:ext>
-    </p:extLst>
-  </p:cSld>
-  <p:clrMapOvr>
-    <a:masterClrMapping/>
-  </p:clrMapOvr>
-</p:sld>
-</file>
-
-<file path=ppt/slides/slide4.xml><?xml version="1.0" encoding="utf-8"?>
-<p:sld xmlns:a="http://schemas.openxmlformats.org/drawingml/2006/main" xmlns:r="http://schemas.openxmlformats.org/officeDocument/2006/relationships" xmlns:p="http://schemas.openxmlformats.org/presentationml/2006/main">
-  <p:cSld>
-    <p:spTree>
-      <p:nvGrpSpPr>
-        <p:cNvPr id="1" name=""/>
-        <p:cNvGrpSpPr/>
-        <p:nvPr/>
-      </p:nvGrpSpPr>
-      <p:grpSpPr>
-        <a:xfrm>
-          <a:off x="0" y="0"/>
-          <a:ext cx="0" cy="0"/>
-          <a:chOff x="0" y="0"/>
-          <a:chExt cx="0" cy="0"/>
-        </a:xfrm>
-      </p:grpSpPr>
-      <p:sp useBgFill="1">
-        <p:nvSpPr>
-          <p:cNvPr id="27" name="Rectangle 26">
-            <a:extLst/>
-          </p:cNvPr>
-          <p:cNvSpPr>
-            <a:spLocks noGrp="1" noRot="1" noChangeAspect="1" noMove="1" noResize="1" noEditPoints="1" noAdjustHandles="1" noChangeArrowheads="1" noChangeShapeType="1" noTextEdit="1"/>
-          </p:cNvSpPr>
-          <p:nvPr>
-            <p:extLst>
-              <p:ext uri="{386F3935-93C4-4BCD-93E2-E3B085C9AB24}">
-                <p16:designElem xmlns:p16="http://schemas.microsoft.com/office/powerpoint/2015/main" val="1"/>
-              </p:ext>
-            </p:extLst>
-          </p:nvPr>
-        </p:nvSpPr>
-        <p:spPr>
-          <a:xfrm>
-            <a:off x="0" y="0"/>
-            <a:ext cx="12188824" cy="6858000"/>
-          </a:xfrm>
-          <a:prstGeom prst="rect">
-            <a:avLst/>
-          </a:prstGeom>
-          <a:ln>
-            <a:noFill/>
-          </a:ln>
-        </p:spPr>
-        <p:style>
-          <a:lnRef idx="2">
-            <a:schemeClr val="accent1">
-              <a:shade val="50000"/>
-            </a:schemeClr>
-          </a:lnRef>
-          <a:fillRef idx="1">
-            <a:schemeClr val="accent1"/>
-          </a:fillRef>
-          <a:effectRef idx="0">
-            <a:schemeClr val="accent1"/>
-          </a:effectRef>
-          <a:fontRef idx="minor">
-            <a:schemeClr val="lt1"/>
-          </a:fontRef>
-        </p:style>
-        <p:txBody>
-          <a:bodyPr rtlCol="0" anchor="ctr"/>
-          <a:lstStyle/>
-          <a:p>
-            <a:pPr algn="ctr"/>
-            <a:endParaRPr lang="en-US"/>
-          </a:p>
-        </p:txBody>
-      </p:sp>
-      <p:sp>
-        <p:nvSpPr>
-          <p:cNvPr id="29" name="Freeform 47"/>
-          <p:cNvSpPr>
-            <a:spLocks noGrp="1" noRot="1" noChangeAspect="1" noMove="1" noResize="1" noEditPoints="1" noAdjustHandles="1" noChangeArrowheads="1" noChangeShapeType="1" noTextEdit="1"/>
-          </p:cNvSpPr>
-          <p:nvPr>
-            <p:extLst>
-              <p:ext uri="{386F3935-93C4-4BCD-93E2-E3B085C9AB24}">
-                <p16:designElem xmlns:p16="http://schemas.microsoft.com/office/powerpoint/2015/main" val="1"/>
-              </p:ext>
-            </p:extLst>
-          </p:nvPr>
-        </p:nvSpPr>
-        <p:spPr bwMode="white">
-          <a:xfrm flipH="1">
-            <a:off x="4062127" y="-15832"/>
-            <a:ext cx="8129873" cy="6889518"/>
-          </a:xfrm>
-          <a:custGeom>
-            <a:avLst/>
-            <a:gdLst>
-              <a:gd name="connsiteX0" fmla="*/ 0 w 8129873"/>
-              <a:gd name="connsiteY0" fmla="*/ 0 h 6889518"/>
-              <a:gd name="connsiteX1" fmla="*/ 0 w 8129873"/>
-              <a:gd name="connsiteY1" fmla="*/ 6889518 h 6889518"/>
-              <a:gd name="connsiteX2" fmla="*/ 6207942 w 8129873"/>
-              <a:gd name="connsiteY2" fmla="*/ 6882299 h 6889518"/>
-              <a:gd name="connsiteX3" fmla="*/ 8129873 w 8129873"/>
-              <a:gd name="connsiteY3" fmla="*/ 5349831 h 6889518"/>
-              <a:gd name="connsiteX4" fmla="*/ 7291674 w 8129873"/>
-              <a:gd name="connsiteY4" fmla="*/ 7365 h 6889518"/>
-            </a:gdLst>
-            <a:ahLst/>
-            <a:cxnLst>
-              <a:cxn ang="0">
-                <a:pos x="connsiteX0" y="connsiteY0"/>
-              </a:cxn>
-              <a:cxn ang="0">
-                <a:pos x="connsiteX1" y="connsiteY1"/>
-              </a:cxn>
-              <a:cxn ang="0">
-                <a:pos x="connsiteX2" y="connsiteY2"/>
-              </a:cxn>
-              <a:cxn ang="0">
-                <a:pos x="connsiteX3" y="connsiteY3"/>
-              </a:cxn>
-              <a:cxn ang="0">
-                <a:pos x="connsiteX4" y="connsiteY4"/>
-              </a:cxn>
-            </a:cxnLst>
-            <a:rect l="l" t="t" r="r" b="b"/>
-            <a:pathLst>
-              <a:path w="8129873" h="6889518">
-                <a:moveTo>
-                  <a:pt x="0" y="0"/>
-                </a:moveTo>
-                <a:lnTo>
-                  <a:pt x="0" y="6889518"/>
-                </a:lnTo>
-                <a:lnTo>
-                  <a:pt x="6207942" y="6882299"/>
-                </a:lnTo>
-                <a:lnTo>
-                  <a:pt x="8129873" y="5349831"/>
-                </a:lnTo>
-                <a:lnTo>
-                  <a:pt x="7291674" y="7365"/>
-                </a:lnTo>
-                <a:close/>
-              </a:path>
-            </a:pathLst>
-          </a:custGeom>
-          <a:solidFill>
-            <a:schemeClr val="tx1">
-              <a:lumMod val="95000"/>
-              <a:lumOff val="5000"/>
-              <a:alpha val="80000"/>
-            </a:schemeClr>
-          </a:solidFill>
-          <a:ln>
-            <a:noFill/>
-          </a:ln>
-          <a:effectLst/>
-        </p:spPr>
-        <p:style>
-          <a:lnRef idx="1">
-            <a:schemeClr val="accent1"/>
-          </a:lnRef>
-          <a:fillRef idx="3">
-            <a:schemeClr val="accent1"/>
-          </a:fillRef>
-          <a:effectRef idx="2">
-            <a:schemeClr val="accent1"/>
-          </a:effectRef>
-          <a:fontRef idx="minor">
-            <a:schemeClr val="lt1"/>
-          </a:fontRef>
-        </p:style>
-        <p:txBody>
-          <a:bodyPr wrap="square" rtlCol="0" anchor="ctr">
-            <a:noAutofit/>
-          </a:bodyPr>
-          <a:lstStyle/>
-          <a:p>
-            <a:pPr algn="ctr"/>
-            <a:endParaRPr lang="en-US"/>
-          </a:p>
-        </p:txBody>
-      </p:sp>
-      <p:grpSp>
-        <p:nvGrpSpPr>
-          <p:cNvPr id="31" name="Group 30"/>
-          <p:cNvGrpSpPr>
-            <a:grpSpLocks noGrp="1" noUngrp="1" noRot="1" noChangeAspect="1" noMove="1" noResize="1"/>
-          </p:cNvGrpSpPr>
-          <p:nvPr>
-            <p:extLst>
-              <p:ext uri="{386F3935-93C4-4BCD-93E2-E3B085C9AB24}">
-                <p16:designElem xmlns:p16="http://schemas.microsoft.com/office/powerpoint/2015/main" val="1"/>
-              </p:ext>
-            </p:extLst>
-          </p:nvPr>
-        </p:nvGrpSpPr>
-        <p:grpSpPr>
-          <a:xfrm>
-            <a:off x="3413893" y="0"/>
-            <a:ext cx="2436813" cy="6858001"/>
-            <a:chOff x="1320800" y="0"/>
-            <a:chExt cx="2436813" cy="6858001"/>
-          </a:xfrm>
-        </p:grpSpPr>
-        <p:sp>
-          <p:nvSpPr>
-            <p:cNvPr id="32" name="Freeform 6"/>
-            <p:cNvSpPr/>
-            <p:nvPr>
-              <p:extLst>
-                <p:ext uri="{386F3935-93C4-4BCD-93E2-E3B085C9AB24}">
-                  <p16:designElem xmlns:p16="http://schemas.microsoft.com/office/powerpoint/2015/main" val="1"/>
-                </p:ext>
-              </p:extLst>
-            </p:nvPr>
-          </p:nvSpPr>
-          <p:spPr bwMode="auto">
-            <a:xfrm>
-              <a:off x="1627188" y="0"/>
-              <a:ext cx="1122363" cy="5329238"/>
-            </a:xfrm>
-            <a:custGeom>
-              <a:avLst/>
-              <a:gdLst/>
-              <a:ahLst/>
-              <a:cxnLst/>
-              <a:rect l="0" t="0" r="r" b="b"/>
-              <a:pathLst>
-                <a:path w="707" h="3357">
-                  <a:moveTo>
-                    <a:pt x="0" y="3330"/>
-                  </a:moveTo>
-                  <a:lnTo>
-                    <a:pt x="156" y="3357"/>
-                  </a:lnTo>
-                  <a:lnTo>
-                    <a:pt x="707" y="0"/>
-                  </a:lnTo>
-                  <a:lnTo>
-                    <a:pt x="547" y="0"/>
-                  </a:lnTo>
-                  <a:lnTo>
-                    <a:pt x="0" y="3330"/>
-                  </a:lnTo>
-                  <a:close/>
-                </a:path>
-              </a:pathLst>
-            </a:custGeom>
-            <a:solidFill>
-              <a:schemeClr val="accent1"/>
-            </a:solidFill>
-            <a:ln>
-              <a:noFill/>
-            </a:ln>
-          </p:spPr>
-        </p:sp>
-        <p:sp>
-          <p:nvSpPr>
-            <p:cNvPr id="33" name="Freeform 7"/>
-            <p:cNvSpPr/>
-            <p:nvPr>
-              <p:extLst>
-                <p:ext uri="{386F3935-93C4-4BCD-93E2-E3B085C9AB24}">
-                  <p16:designElem xmlns:p16="http://schemas.microsoft.com/office/powerpoint/2015/main" val="1"/>
-                </p:ext>
-              </p:extLst>
-            </p:nvPr>
-          </p:nvSpPr>
-          <p:spPr bwMode="auto">
-            <a:xfrm>
-              <a:off x="1320800" y="0"/>
-              <a:ext cx="1117600" cy="5276850"/>
-            </a:xfrm>
-            <a:custGeom>
-              <a:avLst/>
-              <a:gdLst/>
-              <a:ahLst/>
-              <a:cxnLst/>
-              <a:rect l="0" t="0" r="r" b="b"/>
-              <a:pathLst>
-                <a:path w="704" h="3324">
-                  <a:moveTo>
-                    <a:pt x="704" y="0"/>
-                  </a:moveTo>
-                  <a:lnTo>
-                    <a:pt x="545" y="0"/>
-                  </a:lnTo>
-                  <a:lnTo>
-                    <a:pt x="0" y="3300"/>
-                  </a:lnTo>
-                  <a:lnTo>
-                    <a:pt x="157" y="3324"/>
-                  </a:lnTo>
-                  <a:lnTo>
-                    <a:pt x="704" y="0"/>
-                  </a:lnTo>
-                  <a:close/>
-                </a:path>
-              </a:pathLst>
-            </a:custGeom>
-            <a:solidFill>
-              <a:schemeClr val="tx1">
-                <a:lumMod val="65000"/>
-                <a:lumOff val="35000"/>
-              </a:schemeClr>
-            </a:solidFill>
-            <a:ln>
-              <a:noFill/>
-            </a:ln>
-          </p:spPr>
-        </p:sp>
-        <p:sp>
-          <p:nvSpPr>
-            <p:cNvPr id="34" name="Freeform 8"/>
-            <p:cNvSpPr/>
-            <p:nvPr>
-              <p:extLst>
-                <p:ext uri="{386F3935-93C4-4BCD-93E2-E3B085C9AB24}">
-                  <p16:designElem xmlns:p16="http://schemas.microsoft.com/office/powerpoint/2015/main" val="1"/>
-                </p:ext>
-              </p:extLst>
-            </p:nvPr>
-          </p:nvSpPr>
-          <p:spPr bwMode="auto">
-            <a:xfrm>
-              <a:off x="1320800" y="5238750"/>
-              <a:ext cx="1228725" cy="1619250"/>
-            </a:xfrm>
-            <a:custGeom>
-              <a:avLst/>
-              <a:gdLst/>
-              <a:ahLst/>
-              <a:cxnLst/>
-              <a:rect l="0" t="0" r="r" b="b"/>
-              <a:pathLst>
-                <a:path w="774" h="1020">
-                  <a:moveTo>
-                    <a:pt x="0" y="0"/>
-                  </a:moveTo>
-                  <a:lnTo>
-                    <a:pt x="740" y="1020"/>
-                  </a:lnTo>
-                  <a:lnTo>
-                    <a:pt x="774" y="1020"/>
-                  </a:lnTo>
-                  <a:lnTo>
-                    <a:pt x="0" y="0"/>
-                  </a:lnTo>
-                  <a:close/>
-                </a:path>
-              </a:pathLst>
-            </a:custGeom>
-            <a:solidFill>
-              <a:schemeClr val="tx1">
-                <a:lumMod val="85000"/>
-                <a:lumOff val="15000"/>
-              </a:schemeClr>
-            </a:solidFill>
-            <a:ln>
-              <a:noFill/>
-            </a:ln>
-          </p:spPr>
-        </p:sp>
-        <p:sp>
-          <p:nvSpPr>
-            <p:cNvPr id="35" name="Freeform 9"/>
-            <p:cNvSpPr/>
-            <p:nvPr>
-              <p:extLst>
-                <p:ext uri="{386F3935-93C4-4BCD-93E2-E3B085C9AB24}">
-                  <p16:designElem xmlns:p16="http://schemas.microsoft.com/office/powerpoint/2015/main" val="1"/>
-                </p:ext>
-              </p:extLst>
-            </p:nvPr>
-          </p:nvSpPr>
-          <p:spPr bwMode="auto">
-            <a:xfrm>
-              <a:off x="1627188" y="5291138"/>
-              <a:ext cx="1495425" cy="1566863"/>
-            </a:xfrm>
-            <a:custGeom>
-              <a:avLst/>
-              <a:gdLst/>
-              <a:ahLst/>
-              <a:cxnLst/>
-              <a:rect l="0" t="0" r="r" b="b"/>
-              <a:pathLst>
-                <a:path w="942" h="987">
-                  <a:moveTo>
-                    <a:pt x="0" y="0"/>
-                  </a:moveTo>
-                  <a:lnTo>
-                    <a:pt x="909" y="987"/>
-                  </a:lnTo>
-                  <a:lnTo>
-                    <a:pt x="942" y="987"/>
-                  </a:lnTo>
-                  <a:lnTo>
-                    <a:pt x="0" y="0"/>
-                  </a:lnTo>
-                  <a:close/>
-                </a:path>
-              </a:pathLst>
-            </a:custGeom>
-            <a:solidFill>
-              <a:schemeClr val="accent1">
-                <a:lumMod val="50000"/>
-              </a:schemeClr>
-            </a:solidFill>
-            <a:ln>
-              <a:noFill/>
-            </a:ln>
-          </p:spPr>
-        </p:sp>
-        <p:sp>
-          <p:nvSpPr>
-            <p:cNvPr id="36" name="Freeform 10"/>
-            <p:cNvSpPr/>
-            <p:nvPr>
-              <p:extLst>
-                <p:ext uri="{386F3935-93C4-4BCD-93E2-E3B085C9AB24}">
-                  <p16:designElem xmlns:p16="http://schemas.microsoft.com/office/powerpoint/2015/main" val="1"/>
-                </p:ext>
-              </p:extLst>
-            </p:nvPr>
-          </p:nvSpPr>
-          <p:spPr bwMode="auto">
-            <a:xfrm>
-              <a:off x="1627188" y="5286375"/>
-              <a:ext cx="2130425" cy="1571625"/>
-            </a:xfrm>
-            <a:custGeom>
-              <a:avLst/>
-              <a:gdLst/>
-              <a:ahLst/>
-              <a:cxnLst/>
-              <a:rect l="0" t="0" r="r" b="b"/>
-              <a:pathLst>
-                <a:path w="1342" h="990">
-                  <a:moveTo>
-                    <a:pt x="0" y="3"/>
-                  </a:moveTo>
-                  <a:lnTo>
-                    <a:pt x="942" y="990"/>
-                  </a:lnTo>
-                  <a:lnTo>
-                    <a:pt x="1342" y="990"/>
-                  </a:lnTo>
-                  <a:lnTo>
-                    <a:pt x="156" y="27"/>
-                  </a:lnTo>
-                  <a:lnTo>
-                    <a:pt x="0" y="0"/>
-                  </a:lnTo>
-                  <a:lnTo>
-                    <a:pt x="0" y="3"/>
-                  </a:lnTo>
-                  <a:close/>
-                </a:path>
-              </a:pathLst>
-            </a:custGeom>
-            <a:solidFill>
-              <a:schemeClr val="accent1">
-                <a:lumMod val="75000"/>
-              </a:schemeClr>
-            </a:solidFill>
-            <a:ln>
-              <a:noFill/>
-            </a:ln>
-          </p:spPr>
-        </p:sp>
-        <p:sp>
-          <p:nvSpPr>
-            <p:cNvPr id="37" name="Freeform 11"/>
-            <p:cNvSpPr/>
-            <p:nvPr>
-              <p:extLst>
-                <p:ext uri="{386F3935-93C4-4BCD-93E2-E3B085C9AB24}">
-                  <p16:designElem xmlns:p16="http://schemas.microsoft.com/office/powerpoint/2015/main" val="1"/>
-                </p:ext>
-              </p:extLst>
-            </p:nvPr>
-          </p:nvSpPr>
-          <p:spPr bwMode="auto">
-            <a:xfrm>
-              <a:off x="1320800" y="5238750"/>
-              <a:ext cx="1695450" cy="1619250"/>
-            </a:xfrm>
-            <a:custGeom>
-              <a:avLst/>
-              <a:gdLst/>
-              <a:ahLst/>
-              <a:cxnLst/>
-              <a:rect l="0" t="0" r="r" b="b"/>
-              <a:pathLst>
-                <a:path w="1068" h="1020">
-                  <a:moveTo>
-                    <a:pt x="1068" y="1020"/>
-                  </a:moveTo>
-                  <a:lnTo>
-                    <a:pt x="184" y="60"/>
-                  </a:lnTo>
-                  <a:lnTo>
-                    <a:pt x="154" y="27"/>
-                  </a:lnTo>
-                  <a:lnTo>
-                    <a:pt x="157" y="27"/>
-                  </a:lnTo>
-                  <a:lnTo>
-                    <a:pt x="157" y="24"/>
-                  </a:lnTo>
-                  <a:lnTo>
-                    <a:pt x="154" y="24"/>
-                  </a:lnTo>
-                  <a:lnTo>
-                    <a:pt x="0" y="0"/>
-                  </a:lnTo>
-                  <a:lnTo>
-                    <a:pt x="0" y="0"/>
-                  </a:lnTo>
-                  <a:lnTo>
-                    <a:pt x="774" y="1020"/>
-                  </a:lnTo>
-                  <a:lnTo>
-                    <a:pt x="1068" y="1020"/>
-                  </a:lnTo>
-                  <a:close/>
-                </a:path>
-              </a:pathLst>
-            </a:custGeom>
-            <a:solidFill>
-              <a:schemeClr val="tx1">
-                <a:lumMod val="75000"/>
-                <a:lumOff val="25000"/>
-              </a:schemeClr>
-            </a:solidFill>
-            <a:ln>
-              <a:noFill/>
-            </a:ln>
-          </p:spPr>
-        </p:sp>
-      </p:grpSp>
-      <p:sp>
-        <p:nvSpPr>
-          <p:cNvPr id="2" name="Title 1"/>
-          <p:cNvSpPr>
-            <a:spLocks noGrp="1"/>
-          </p:cNvSpPr>
-          <p:nvPr>
-            <p:ph type="title"/>
-          </p:nvPr>
-        </p:nvSpPr>
-        <p:spPr>
-          <a:xfrm>
-            <a:off x="412025" y="1072609"/>
-            <a:ext cx="3041557" cy="4522647"/>
-          </a:xfrm>
-          <a:effectLst/>
-        </p:spPr>
-        <p:txBody>
-          <a:bodyPr anchor="ctr">
-            <a:normAutofit/>
-          </a:bodyPr>
-          <a:lstStyle/>
-          <a:p>
-            <a:pPr algn="l"/>
-            <a:r>
-              <a:rPr lang="en-US" sz="3600" b="1" dirty="0"/>
-              <a:t>Stored Functions Can Return Results in Two Different Ways</a:t>
-            </a:r>
-          </a:p>
-        </p:txBody>
-      </p:sp>
-      <p:sp>
-        <p:nvSpPr>
-          <p:cNvPr id="3" name="Content Placeholder 2"/>
-          <p:cNvSpPr>
-            <a:spLocks noGrp="1"/>
-          </p:cNvSpPr>
-          <p:nvPr>
-            <p:ph idx="1"/>
-          </p:nvPr>
-        </p:nvSpPr>
-        <p:spPr>
-          <a:xfrm>
-            <a:off x="5149032" y="1072609"/>
-            <a:ext cx="6652441" cy="4522647"/>
-          </a:xfrm>
-        </p:spPr>
-        <p:txBody>
-          <a:bodyPr anchor="ctr">
-            <a:normAutofit/>
-          </a:bodyPr>
-          <a:lstStyle/>
-          <a:p>
-            <a:r>
-              <a:rPr lang="en-US" sz="2800" dirty="0">
-                <a:solidFill>
-                  <a:schemeClr val="bg1"/>
-                </a:solidFill>
-              </a:rPr>
-              <a:t>From a Function Returning SETOF Type</a:t>
-            </a:r>
-          </a:p>
-          <a:p>
-            <a:r>
-              <a:rPr lang="en-US" sz="2800" dirty="0">
-                <a:solidFill>
-                  <a:schemeClr val="bg1"/>
-                </a:solidFill>
-              </a:rPr>
-              <a:t>From a Function Returning a </a:t>
-            </a:r>
-            <a:r>
-              <a:rPr lang="en-US" sz="2800" dirty="0" err="1">
-                <a:solidFill>
-                  <a:schemeClr val="bg1"/>
-                </a:solidFill>
-              </a:rPr>
-              <a:t>Refcursor</a:t>
-            </a:r>
-            <a:endParaRPr lang="en-US" sz="2800" dirty="0">
-              <a:solidFill>
-                <a:schemeClr val="bg1"/>
-              </a:solidFill>
-            </a:endParaRPr>
-          </a:p>
-        </p:txBody>
-      </p:sp>
-    </p:spTree>
-    <p:extLst>
-      <p:ext uri="{BB962C8B-B14F-4D97-AF65-F5344CB8AC3E}">
-        <p14:creationId xmlns:p14="http://schemas.microsoft.com/office/powerpoint/2010/main" val="2439670837"/>
-      </p:ext>
-    </p:extLst>
-  </p:cSld>
-  <p:clrMapOvr>
-    <a:masterClrMapping/>
-  </p:clrMapOvr>
-</p:sld>
-</file>
-
-<file path=ppt/slides/slide5.xml><?xml version="1.0" encoding="utf-8"?>
-<p:sld xmlns:a="http://schemas.openxmlformats.org/drawingml/2006/main" xmlns:r="http://schemas.openxmlformats.org/officeDocument/2006/relationships" xmlns:p="http://schemas.openxmlformats.org/presentationml/2006/main">
-  <p:cSld>
-    <p:spTree>
-      <p:nvGrpSpPr>
-        <p:cNvPr id="1" name=""/>
-        <p:cNvGrpSpPr/>
-        <p:nvPr/>
-      </p:nvGrpSpPr>
-      <p:grpSpPr>
-        <a:xfrm>
-          <a:off x="0" y="0"/>
-          <a:ext cx="0" cy="0"/>
-          <a:chOff x="0" y="0"/>
-          <a:chExt cx="0" cy="0"/>
-        </a:xfrm>
-      </p:grpSpPr>
-      <p:sp>
-        <p:nvSpPr>
-          <p:cNvPr id="11" name="Rectangle 10"/>
-          <p:cNvSpPr>
-            <a:spLocks noGrp="1" noRot="1" noChangeAspect="1" noMove="1" noResize="1" noEditPoints="1" noAdjustHandles="1" noChangeArrowheads="1" noChangeShapeType="1" noTextEdit="1"/>
-          </p:cNvSpPr>
-          <p:nvPr>
-            <p:extLst>
-              <p:ext uri="{386F3935-93C4-4BCD-93E2-E3B085C9AB24}">
-                <p16:designElem xmlns:p16="http://schemas.microsoft.com/office/powerpoint/2015/main" val="1"/>
-              </p:ext>
-            </p:extLst>
-          </p:nvPr>
-        </p:nvSpPr>
-        <p:spPr bwMode="white">
-          <a:xfrm>
-            <a:off x="0" y="0"/>
-            <a:ext cx="12192000" cy="6858000"/>
-          </a:xfrm>
-          <a:prstGeom prst="rect">
-            <a:avLst/>
-          </a:prstGeom>
-          <a:blipFill rotWithShape="1">
-            <a:blip r:embed="rId2">
-              <a:duotone>
-                <a:schemeClr val="bg2">
-                  <a:shade val="76000"/>
-                  <a:satMod val="180000"/>
-                </a:schemeClr>
-                <a:schemeClr val="bg2">
-                  <a:tint val="80000"/>
-                  <a:satMod val="120000"/>
-                  <a:lumMod val="180000"/>
-                </a:schemeClr>
-              </a:duotone>
-            </a:blip>
-            <a:stretch/>
-          </a:blipFill>
-          <a:ln>
-            <a:noFill/>
-          </a:ln>
-          <a:effectLst/>
-        </p:spPr>
-      </p:sp>
-      <p:grpSp>
-        <p:nvGrpSpPr>
-          <p:cNvPr id="13" name="Group 12"/>
-          <p:cNvGrpSpPr>
-            <a:grpSpLocks noGrp="1" noUngrp="1" noRot="1" noChangeAspect="1" noMove="1" noResize="1"/>
-          </p:cNvGrpSpPr>
-          <p:nvPr>
-            <p:extLst>
-              <p:ext uri="{386F3935-93C4-4BCD-93E2-E3B085C9AB24}">
-                <p16:designElem xmlns:p16="http://schemas.microsoft.com/office/powerpoint/2015/main" val="1"/>
-              </p:ext>
-            </p:extLst>
-          </p:nvPr>
-        </p:nvGrpSpPr>
-        <p:grpSpPr>
-          <a:xfrm>
-            <a:off x="546100" y="-4763"/>
-            <a:ext cx="5014912" cy="6862763"/>
-            <a:chOff x="2928938" y="-4763"/>
-            <a:chExt cx="5014912" cy="6862763"/>
-          </a:xfrm>
-        </p:grpSpPr>
-        <p:sp>
-          <p:nvSpPr>
-            <p:cNvPr id="14" name="Freeform 6"/>
-            <p:cNvSpPr/>
-            <p:nvPr>
-              <p:extLst>
-                <p:ext uri="{386F3935-93C4-4BCD-93E2-E3B085C9AB24}">
-                  <p16:designElem xmlns:p16="http://schemas.microsoft.com/office/powerpoint/2015/main" val="1"/>
-                </p:ext>
-              </p:extLst>
-            </p:nvPr>
-          </p:nvSpPr>
-          <p:spPr bwMode="auto">
-            <a:xfrm>
-              <a:off x="3367088" y="-4763"/>
-              <a:ext cx="1063625" cy="2782888"/>
-            </a:xfrm>
-            <a:custGeom>
-              <a:avLst/>
-              <a:gdLst/>
-              <a:ahLst/>
-              <a:cxnLst/>
-              <a:rect l="0" t="0" r="r" b="b"/>
-              <a:pathLst>
-                <a:path w="670" h="1753">
-                  <a:moveTo>
-                    <a:pt x="0" y="1696"/>
-                  </a:moveTo>
-                  <a:lnTo>
-                    <a:pt x="225" y="1753"/>
-                  </a:lnTo>
-                  <a:lnTo>
-                    <a:pt x="670" y="0"/>
-                  </a:lnTo>
-                  <a:lnTo>
-                    <a:pt x="430" y="0"/>
-                  </a:lnTo>
-                  <a:lnTo>
-                    <a:pt x="0" y="1696"/>
-                  </a:lnTo>
-                  <a:close/>
-                </a:path>
-              </a:pathLst>
-            </a:custGeom>
-            <a:solidFill>
-              <a:schemeClr val="accent1"/>
-            </a:solidFill>
-            <a:ln>
-              <a:noFill/>
-            </a:ln>
-          </p:spPr>
-        </p:sp>
-        <p:sp>
-          <p:nvSpPr>
-            <p:cNvPr id="15" name="Freeform 7"/>
-            <p:cNvSpPr/>
-            <p:nvPr>
-              <p:extLst>
-                <p:ext uri="{386F3935-93C4-4BCD-93E2-E3B085C9AB24}">
-                  <p16:designElem xmlns:p16="http://schemas.microsoft.com/office/powerpoint/2015/main" val="1"/>
-                </p:ext>
-              </p:extLst>
-            </p:nvPr>
-          </p:nvSpPr>
-          <p:spPr bwMode="auto">
-            <a:xfrm>
-              <a:off x="2928938" y="-4763"/>
-              <a:ext cx="1035050" cy="2673350"/>
-            </a:xfrm>
-            <a:custGeom>
-              <a:avLst/>
-              <a:gdLst/>
-              <a:ahLst/>
-              <a:cxnLst/>
-              <a:rect l="0" t="0" r="r" b="b"/>
-              <a:pathLst>
-                <a:path w="652" h="1684">
-                  <a:moveTo>
-                    <a:pt x="225" y="1684"/>
-                  </a:moveTo>
-                  <a:lnTo>
-                    <a:pt x="652" y="0"/>
-                  </a:lnTo>
-                  <a:lnTo>
-                    <a:pt x="411" y="0"/>
-                  </a:lnTo>
-                  <a:lnTo>
-                    <a:pt x="0" y="1627"/>
-                  </a:lnTo>
-                  <a:lnTo>
-                    <a:pt x="219" y="1681"/>
-                  </a:lnTo>
-                  <a:lnTo>
-                    <a:pt x="225" y="1684"/>
-                  </a:lnTo>
-                  <a:close/>
-                </a:path>
-              </a:pathLst>
-            </a:custGeom>
-            <a:solidFill>
-              <a:schemeClr val="tx1">
-                <a:lumMod val="65000"/>
-                <a:lumOff val="35000"/>
-              </a:schemeClr>
-            </a:solidFill>
-            <a:ln>
-              <a:noFill/>
-            </a:ln>
-          </p:spPr>
-        </p:sp>
-        <p:sp>
-          <p:nvSpPr>
-            <p:cNvPr id="16" name="Freeform 9"/>
-            <p:cNvSpPr/>
-            <p:nvPr>
-              <p:extLst>
-                <p:ext uri="{386F3935-93C4-4BCD-93E2-E3B085C9AB24}">
-                  <p16:designElem xmlns:p16="http://schemas.microsoft.com/office/powerpoint/2015/main" val="1"/>
-                </p:ext>
-              </p:extLst>
-            </p:nvPr>
-          </p:nvSpPr>
-          <p:spPr bwMode="auto">
-            <a:xfrm>
-              <a:off x="2928938" y="2582862"/>
-              <a:ext cx="2693987" cy="4275138"/>
-            </a:xfrm>
-            <a:custGeom>
-              <a:avLst/>
-              <a:gdLst/>
-              <a:ahLst/>
-              <a:cxnLst/>
-              <a:rect l="0" t="0" r="r" b="b"/>
-              <a:pathLst>
-                <a:path w="1697" h="2693">
-                  <a:moveTo>
-                    <a:pt x="0" y="0"/>
-                  </a:moveTo>
-                  <a:lnTo>
-                    <a:pt x="1622" y="2693"/>
-                  </a:lnTo>
-                  <a:lnTo>
-                    <a:pt x="1697" y="2693"/>
-                  </a:lnTo>
-                  <a:lnTo>
-                    <a:pt x="0" y="0"/>
-                  </a:lnTo>
-                  <a:close/>
-                </a:path>
-              </a:pathLst>
-            </a:custGeom>
-            <a:solidFill>
-              <a:schemeClr val="tx1">
-                <a:lumMod val="85000"/>
-                <a:lumOff val="15000"/>
-              </a:schemeClr>
-            </a:solidFill>
-            <a:ln>
-              <a:noFill/>
-            </a:ln>
-          </p:spPr>
-        </p:sp>
-        <p:sp>
-          <p:nvSpPr>
-            <p:cNvPr id="17" name="Freeform 10"/>
-            <p:cNvSpPr/>
-            <p:nvPr>
-              <p:extLst>
-                <p:ext uri="{386F3935-93C4-4BCD-93E2-E3B085C9AB24}">
-                  <p16:designElem xmlns:p16="http://schemas.microsoft.com/office/powerpoint/2015/main" val="1"/>
-                </p:ext>
-              </p:extLst>
-            </p:nvPr>
-          </p:nvSpPr>
-          <p:spPr bwMode="auto">
-            <a:xfrm>
-              <a:off x="3371850" y="2692400"/>
-              <a:ext cx="3332162" cy="4165600"/>
-            </a:xfrm>
-            <a:custGeom>
-              <a:avLst/>
-              <a:gdLst/>
-              <a:ahLst/>
-              <a:cxnLst/>
-              <a:rect l="0" t="0" r="r" b="b"/>
-              <a:pathLst>
-                <a:path w="2099" h="2624">
-                  <a:moveTo>
-                    <a:pt x="2099" y="2624"/>
-                  </a:moveTo>
-                  <a:lnTo>
-                    <a:pt x="0" y="0"/>
-                  </a:lnTo>
-                  <a:lnTo>
-                    <a:pt x="2021" y="2624"/>
-                  </a:lnTo>
-                  <a:lnTo>
-                    <a:pt x="2099" y="2624"/>
-                  </a:lnTo>
-                  <a:close/>
-                </a:path>
-              </a:pathLst>
-            </a:custGeom>
-            <a:solidFill>
-              <a:schemeClr val="accent1">
-                <a:lumMod val="50000"/>
-              </a:schemeClr>
-            </a:solidFill>
-            <a:ln>
-              <a:noFill/>
-            </a:ln>
-          </p:spPr>
-        </p:sp>
-        <p:sp>
-          <p:nvSpPr>
-            <p:cNvPr id="18" name="Freeform 11"/>
-            <p:cNvSpPr/>
-            <p:nvPr>
-              <p:extLst>
-                <p:ext uri="{386F3935-93C4-4BCD-93E2-E3B085C9AB24}">
-                  <p16:designElem xmlns:p16="http://schemas.microsoft.com/office/powerpoint/2015/main" val="1"/>
-                </p:ext>
-              </p:extLst>
-            </p:nvPr>
-          </p:nvSpPr>
-          <p:spPr bwMode="auto">
-            <a:xfrm>
-              <a:off x="3367088" y="2687637"/>
-              <a:ext cx="4576762" cy="4170363"/>
-            </a:xfrm>
-            <a:custGeom>
-              <a:avLst/>
-              <a:gdLst/>
-              <a:ahLst/>
-              <a:cxnLst/>
-              <a:rect l="0" t="0" r="r" b="b"/>
-              <a:pathLst>
-                <a:path w="2883" h="2627">
-                  <a:moveTo>
-                    <a:pt x="0" y="0"/>
-                  </a:moveTo>
-                  <a:lnTo>
-                    <a:pt x="3" y="3"/>
-                  </a:lnTo>
-                  <a:lnTo>
-                    <a:pt x="2102" y="2627"/>
-                  </a:lnTo>
-                  <a:lnTo>
-                    <a:pt x="2883" y="2627"/>
-                  </a:lnTo>
-                  <a:lnTo>
-                    <a:pt x="225" y="57"/>
-                  </a:lnTo>
-                  <a:lnTo>
-                    <a:pt x="0" y="0"/>
-                  </a:lnTo>
-                  <a:close/>
-                </a:path>
-              </a:pathLst>
-            </a:custGeom>
-            <a:solidFill>
-              <a:schemeClr val="accent1">
-                <a:lumMod val="75000"/>
-              </a:schemeClr>
-            </a:solidFill>
-            <a:ln>
-              <a:noFill/>
-            </a:ln>
-          </p:spPr>
-        </p:sp>
-        <p:sp>
-          <p:nvSpPr>
-            <p:cNvPr id="19" name="Freeform 12"/>
-            <p:cNvSpPr/>
-            <p:nvPr>
-              <p:extLst>
-                <p:ext uri="{386F3935-93C4-4BCD-93E2-E3B085C9AB24}">
-                  <p16:designElem xmlns:p16="http://schemas.microsoft.com/office/powerpoint/2015/main" val="1"/>
-                </p:ext>
-              </p:extLst>
-            </p:nvPr>
-          </p:nvSpPr>
-          <p:spPr bwMode="auto">
-            <a:xfrm>
-              <a:off x="2928938" y="2578100"/>
-              <a:ext cx="3584575" cy="4279900"/>
-            </a:xfrm>
-            <a:custGeom>
-              <a:avLst/>
-              <a:gdLst/>
-              <a:ahLst/>
-              <a:cxnLst/>
-              <a:rect l="0" t="0" r="r" b="b"/>
-              <a:pathLst>
-                <a:path w="2258" h="2696">
-                  <a:moveTo>
-                    <a:pt x="2258" y="2696"/>
-                  </a:moveTo>
-                  <a:lnTo>
-                    <a:pt x="264" y="111"/>
-                  </a:lnTo>
-                  <a:lnTo>
-                    <a:pt x="228" y="60"/>
-                  </a:lnTo>
-                  <a:lnTo>
-                    <a:pt x="225" y="57"/>
-                  </a:lnTo>
-                  <a:lnTo>
-                    <a:pt x="0" y="0"/>
-                  </a:lnTo>
-                  <a:lnTo>
-                    <a:pt x="0" y="3"/>
-                  </a:lnTo>
-                  <a:lnTo>
-                    <a:pt x="1697" y="2696"/>
-                  </a:lnTo>
-                  <a:lnTo>
-                    <a:pt x="2258" y="2696"/>
-                  </a:lnTo>
-                  <a:close/>
-                </a:path>
-              </a:pathLst>
-            </a:custGeom>
-            <a:solidFill>
-              <a:schemeClr val="tx1">
-                <a:lumMod val="75000"/>
-                <a:lumOff val="25000"/>
-              </a:schemeClr>
-            </a:solidFill>
-            <a:ln>
-              <a:noFill/>
-            </a:ln>
-          </p:spPr>
-        </p:sp>
-      </p:grpSp>
-      <p:sp>
-        <p:nvSpPr>
-          <p:cNvPr id="21" name="Rounded Rectangle 6"/>
-          <p:cNvSpPr>
-            <a:spLocks noGrp="1" noRot="1" noChangeAspect="1" noMove="1" noResize="1" noEditPoints="1" noAdjustHandles="1" noChangeArrowheads="1" noChangeShapeType="1" noTextEdit="1"/>
-          </p:cNvSpPr>
-          <p:nvPr>
-            <p:extLst>
-              <p:ext uri="{386F3935-93C4-4BCD-93E2-E3B085C9AB24}">
-                <p16:designElem xmlns:p16="http://schemas.microsoft.com/office/powerpoint/2015/main" val="1"/>
-              </p:ext>
-            </p:extLst>
-          </p:nvPr>
-        </p:nvSpPr>
-        <p:spPr>
-          <a:xfrm>
-            <a:off x="3718560" y="609600"/>
-            <a:ext cx="7833360" cy="3139440"/>
-          </a:xfrm>
-          <a:prstGeom prst="roundRect">
-            <a:avLst>
-              <a:gd name="adj" fmla="val 4834"/>
-            </a:avLst>
-          </a:prstGeom>
-          <a:solidFill>
-            <a:schemeClr val="bg1"/>
-          </a:solidFill>
-          <a:ln w="38100">
-            <a:gradFill flip="none" rotWithShape="1">
-              <a:gsLst>
-                <a:gs pos="0">
-                  <a:schemeClr val="bg2"/>
-                </a:gs>
-                <a:gs pos="100000">
-                  <a:schemeClr val="bg2">
-                    <a:lumMod val="75000"/>
-                  </a:schemeClr>
-                </a:gs>
-              </a:gsLst>
-              <a:lin ang="5400000" scaled="0"/>
-              <a:tileRect/>
-            </a:gradFill>
-          </a:ln>
-          <a:effectLst>
-            <a:innerShdw blurRad="57150" dist="38100" dir="14460000">
-              <a:srgbClr val="000000">
-                <a:alpha val="70000"/>
-              </a:srgbClr>
-            </a:innerShdw>
-          </a:effectLst>
-        </p:spPr>
-        <p:style>
-          <a:lnRef idx="2">
-            <a:schemeClr val="accent1">
-              <a:shade val="50000"/>
-            </a:schemeClr>
-          </a:lnRef>
-          <a:fillRef idx="1">
-            <a:schemeClr val="accent1"/>
-          </a:fillRef>
-          <a:effectRef idx="0">
-            <a:schemeClr val="accent1"/>
-          </a:effectRef>
-          <a:fontRef idx="minor">
-            <a:schemeClr val="lt1"/>
-          </a:fontRef>
-        </p:style>
-        <p:txBody>
-          <a:bodyPr rtlCol="0" anchor="ctr"/>
-          <a:lstStyle/>
-          <a:p>
-            <a:pPr algn="ctr"/>
-            <a:endParaRPr lang="en-US"/>
-          </a:p>
-        </p:txBody>
-      </p:sp>
-      <p:pic>
-        <p:nvPicPr>
-          <p:cNvPr id="6" name="Content Placeholder 5" descr="A picture containing screenshot&#10;&#10;Description generated with high confidence"/>
-          <p:cNvPicPr>
-            <a:picLocks noGrp="1" noChangeAspect="1"/>
-          </p:cNvPicPr>
-          <p:nvPr>
-            <p:ph idx="1"/>
-          </p:nvPr>
-        </p:nvPicPr>
-        <p:blipFill>
-          <a:blip r:embed="rId3">
-            <a:extLst>
-              <a:ext uri="{28A0092B-C50C-407E-A947-70E740481C1C}">
-                <a14:useLocalDpi xmlns:a14="http://schemas.microsoft.com/office/drawing/2010/main" val="0"/>
-              </a:ext>
-            </a:extLst>
-          </a:blip>
-          <a:stretch>
-            <a:fillRect/>
-          </a:stretch>
-        </p:blipFill>
-        <p:spPr>
-          <a:xfrm>
-            <a:off x="3760513" y="1686716"/>
-            <a:ext cx="7617961" cy="1963741"/>
-          </a:xfrm>
-          <a:prstGeom prst="rect">
-            <a:avLst/>
-          </a:prstGeom>
-        </p:spPr>
-      </p:pic>
-      <p:sp>
-        <p:nvSpPr>
-          <p:cNvPr id="2" name="Title 1"/>
-          <p:cNvSpPr>
-            <a:spLocks noGrp="1"/>
-          </p:cNvSpPr>
-          <p:nvPr>
-            <p:ph type="title"/>
-          </p:nvPr>
-        </p:nvSpPr>
-        <p:spPr>
-          <a:xfrm>
-            <a:off x="4089399" y="4078424"/>
-            <a:ext cx="7413623" cy="1155427"/>
-          </a:xfrm>
-        </p:spPr>
-        <p:txBody>
-          <a:bodyPr vert="horz" lIns="91440" tIns="45720" rIns="91440" bIns="45720" rtlCol="0" anchor="b">
-            <a:normAutofit/>
-          </a:bodyPr>
-          <a:lstStyle/>
-          <a:p>
-            <a:pPr algn="r">
-              <a:lnSpc>
-                <a:spcPct val="80000"/>
-              </a:lnSpc>
-            </a:pPr>
-            <a:r>
-              <a:rPr lang="en-US" sz="4200" dirty="0"/>
-              <a:t>From a Function Returning SETOF Type</a:t>
-            </a:r>
-          </a:p>
-        </p:txBody>
-      </p:sp>
-      <p:sp>
-        <p:nvSpPr>
-          <p:cNvPr id="4" name="Rectangle 3"/>
-          <p:cNvSpPr/>
-          <p:nvPr/>
-        </p:nvSpPr>
-        <p:spPr>
-          <a:xfrm>
-            <a:off x="3718560" y="692645"/>
-            <a:ext cx="8361119" cy="923330"/>
-          </a:xfrm>
-          <a:prstGeom prst="rect">
-            <a:avLst/>
-          </a:prstGeom>
-        </p:spPr>
-        <p:txBody>
-          <a:bodyPr wrap="square">
-            <a:spAutoFit/>
-          </a:bodyPr>
-          <a:lstStyle/>
-          <a:p>
-            <a:r>
-              <a:rPr lang="en-US" dirty="0"/>
-              <a:t>Functions that return data as a set should not be called via the </a:t>
-            </a:r>
-            <a:r>
-              <a:rPr lang="en-US" dirty="0" err="1"/>
-              <a:t>CallableStatement</a:t>
-            </a:r>
-            <a:r>
-              <a:rPr lang="en-US" dirty="0"/>
-              <a:t> interface, but instead should use the normal Statement or </a:t>
-            </a:r>
-            <a:r>
-              <a:rPr lang="en-US" dirty="0" err="1"/>
-              <a:t>PreparedStatement</a:t>
-            </a:r>
-            <a:r>
-              <a:rPr lang="en-US" dirty="0"/>
-              <a:t> interfaces</a:t>
-            </a:r>
-          </a:p>
-        </p:txBody>
-      </p:sp>
-    </p:spTree>
-    <p:extLst>
-      <p:ext uri="{BB962C8B-B14F-4D97-AF65-F5344CB8AC3E}">
-        <p14:creationId xmlns:p14="http://schemas.microsoft.com/office/powerpoint/2010/main" val="2997710850"/>
-      </p:ext>
-    </p:extLst>
-  </p:cSld>
-  <p:clrMapOvr>
-    <a:masterClrMapping/>
-  </p:clrMapOvr>
-</p:sld>
-</file>
-
-<file path=ppt/slides/slide6.xml><?xml version="1.0" encoding="utf-8"?>
-<p:sld xmlns:a="http://schemas.openxmlformats.org/drawingml/2006/main" xmlns:r="http://schemas.openxmlformats.org/officeDocument/2006/relationships" xmlns:p="http://schemas.openxmlformats.org/presentationml/2006/main">
-  <p:cSld>
-    <p:spTree>
-      <p:nvGrpSpPr>
-        <p:cNvPr id="1" name=""/>
-        <p:cNvGrpSpPr/>
-        <p:nvPr/>
-      </p:nvGrpSpPr>
-      <p:grpSpPr>
-        <a:xfrm>
-          <a:off x="0" y="0"/>
-          <a:ext cx="0" cy="0"/>
-          <a:chOff x="0" y="0"/>
-          <a:chExt cx="0" cy="0"/>
-        </a:xfrm>
-      </p:grpSpPr>
-      <p:sp>
-        <p:nvSpPr>
-          <p:cNvPr id="27" name="Rectangle 26"/>
-          <p:cNvSpPr>
-            <a:spLocks noGrp="1" noRot="1" noChangeAspect="1" noMove="1" noResize="1" noEditPoints="1" noAdjustHandles="1" noChangeArrowheads="1" noChangeShapeType="1" noTextEdit="1"/>
-          </p:cNvSpPr>
-          <p:nvPr>
-            <p:extLst>
-              <p:ext uri="{386F3935-93C4-4BCD-93E2-E3B085C9AB24}">
-                <p16:designElem xmlns:p16="http://schemas.microsoft.com/office/powerpoint/2015/main" val="1"/>
-              </p:ext>
-            </p:extLst>
-          </p:nvPr>
-        </p:nvSpPr>
-        <p:spPr bwMode="white">
-          <a:xfrm>
-            <a:off x="0" y="0"/>
-            <a:ext cx="12192000" cy="6858000"/>
-          </a:xfrm>
-          <a:prstGeom prst="rect">
-            <a:avLst/>
-          </a:prstGeom>
-          <a:blipFill rotWithShape="1">
-            <a:blip r:embed="rId2">
-              <a:duotone>
-                <a:schemeClr val="bg2">
-                  <a:shade val="76000"/>
-                  <a:satMod val="180000"/>
-                </a:schemeClr>
-                <a:schemeClr val="bg2">
-                  <a:tint val="80000"/>
-                  <a:satMod val="120000"/>
-                  <a:lumMod val="180000"/>
-                </a:schemeClr>
-              </a:duotone>
-            </a:blip>
-            <a:stretch/>
-          </a:blipFill>
-          <a:ln>
-            <a:noFill/>
-          </a:ln>
-          <a:effectLst/>
-        </p:spPr>
-      </p:sp>
-      <p:grpSp>
-        <p:nvGrpSpPr>
-          <p:cNvPr id="29" name="Group 28"/>
-          <p:cNvGrpSpPr>
-            <a:grpSpLocks noGrp="1" noUngrp="1" noRot="1" noChangeAspect="1" noMove="1" noResize="1"/>
-          </p:cNvGrpSpPr>
-          <p:nvPr>
-            <p:extLst>
-              <p:ext uri="{386F3935-93C4-4BCD-93E2-E3B085C9AB24}">
-                <p16:designElem xmlns:p16="http://schemas.microsoft.com/office/powerpoint/2015/main" val="1"/>
-              </p:ext>
-            </p:extLst>
-          </p:nvPr>
-        </p:nvGrpSpPr>
-        <p:grpSpPr>
-          <a:xfrm>
-            <a:off x="546100" y="-4763"/>
-            <a:ext cx="5014912" cy="6862763"/>
-            <a:chOff x="2928938" y="-4763"/>
-            <a:chExt cx="5014912" cy="6862763"/>
-          </a:xfrm>
-        </p:grpSpPr>
-        <p:sp>
-          <p:nvSpPr>
-            <p:cNvPr id="30" name="Freeform 6"/>
-            <p:cNvSpPr/>
-            <p:nvPr>
-              <p:extLst>
-                <p:ext uri="{386F3935-93C4-4BCD-93E2-E3B085C9AB24}">
-                  <p16:designElem xmlns:p16="http://schemas.microsoft.com/office/powerpoint/2015/main" val="1"/>
-                </p:ext>
-              </p:extLst>
-            </p:nvPr>
-          </p:nvSpPr>
-          <p:spPr bwMode="auto">
-            <a:xfrm>
-              <a:off x="3367088" y="-4763"/>
-              <a:ext cx="1063625" cy="2782888"/>
-            </a:xfrm>
-            <a:custGeom>
-              <a:avLst/>
-              <a:gdLst/>
-              <a:ahLst/>
-              <a:cxnLst/>
-              <a:rect l="0" t="0" r="r" b="b"/>
-              <a:pathLst>
-                <a:path w="670" h="1753">
-                  <a:moveTo>
-                    <a:pt x="0" y="1696"/>
-                  </a:moveTo>
-                  <a:lnTo>
-                    <a:pt x="225" y="1753"/>
-                  </a:lnTo>
-                  <a:lnTo>
-                    <a:pt x="670" y="0"/>
-                  </a:lnTo>
-                  <a:lnTo>
-                    <a:pt x="430" y="0"/>
-                  </a:lnTo>
-                  <a:lnTo>
-                    <a:pt x="0" y="1696"/>
-                  </a:lnTo>
-                  <a:close/>
-                </a:path>
-              </a:pathLst>
-            </a:custGeom>
-            <a:solidFill>
-              <a:schemeClr val="accent1"/>
-            </a:solidFill>
-            <a:ln>
-              <a:noFill/>
-            </a:ln>
-          </p:spPr>
-        </p:sp>
-        <p:sp>
-          <p:nvSpPr>
-            <p:cNvPr id="31" name="Freeform 7"/>
-            <p:cNvSpPr/>
-            <p:nvPr>
-              <p:extLst>
-                <p:ext uri="{386F3935-93C4-4BCD-93E2-E3B085C9AB24}">
-                  <p16:designElem xmlns:p16="http://schemas.microsoft.com/office/powerpoint/2015/main" val="1"/>
-                </p:ext>
-              </p:extLst>
-            </p:nvPr>
-          </p:nvSpPr>
-          <p:spPr bwMode="auto">
-            <a:xfrm>
-              <a:off x="2928938" y="-4763"/>
-              <a:ext cx="1035050" cy="2673350"/>
-            </a:xfrm>
-            <a:custGeom>
-              <a:avLst/>
-              <a:gdLst/>
-              <a:ahLst/>
-              <a:cxnLst/>
-              <a:rect l="0" t="0" r="r" b="b"/>
-              <a:pathLst>
-                <a:path w="652" h="1684">
-                  <a:moveTo>
-                    <a:pt x="225" y="1684"/>
-                  </a:moveTo>
-                  <a:lnTo>
-                    <a:pt x="652" y="0"/>
-                  </a:lnTo>
-                  <a:lnTo>
-                    <a:pt x="411" y="0"/>
-                  </a:lnTo>
-                  <a:lnTo>
-                    <a:pt x="0" y="1627"/>
-                  </a:lnTo>
-                  <a:lnTo>
-                    <a:pt x="219" y="1681"/>
-                  </a:lnTo>
-                  <a:lnTo>
-                    <a:pt x="225" y="1684"/>
-                  </a:lnTo>
-                  <a:close/>
-                </a:path>
-              </a:pathLst>
-            </a:custGeom>
-            <a:solidFill>
-              <a:schemeClr val="tx1">
-                <a:lumMod val="65000"/>
-                <a:lumOff val="35000"/>
-              </a:schemeClr>
-            </a:solidFill>
-            <a:ln>
-              <a:noFill/>
-            </a:ln>
-          </p:spPr>
-        </p:sp>
-        <p:sp>
-          <p:nvSpPr>
-            <p:cNvPr id="32" name="Freeform 9"/>
-            <p:cNvSpPr/>
-            <p:nvPr>
-              <p:extLst>
-                <p:ext uri="{386F3935-93C4-4BCD-93E2-E3B085C9AB24}">
-                  <p16:designElem xmlns:p16="http://schemas.microsoft.com/office/powerpoint/2015/main" val="1"/>
-                </p:ext>
-              </p:extLst>
-            </p:nvPr>
-          </p:nvSpPr>
-          <p:spPr bwMode="auto">
-            <a:xfrm>
-              <a:off x="2928938" y="2582862"/>
-              <a:ext cx="2693987" cy="4275138"/>
-            </a:xfrm>
-            <a:custGeom>
-              <a:avLst/>
-              <a:gdLst/>
-              <a:ahLst/>
-              <a:cxnLst/>
-              <a:rect l="0" t="0" r="r" b="b"/>
-              <a:pathLst>
-                <a:path w="1697" h="2693">
-                  <a:moveTo>
-                    <a:pt x="0" y="0"/>
-                  </a:moveTo>
-                  <a:lnTo>
-                    <a:pt x="1622" y="2693"/>
-                  </a:lnTo>
-                  <a:lnTo>
-                    <a:pt x="1697" y="2693"/>
-                  </a:lnTo>
-                  <a:lnTo>
-                    <a:pt x="0" y="0"/>
-                  </a:lnTo>
-                  <a:close/>
-                </a:path>
-              </a:pathLst>
-            </a:custGeom>
-            <a:solidFill>
-              <a:schemeClr val="tx1">
-                <a:lumMod val="85000"/>
-                <a:lumOff val="15000"/>
-              </a:schemeClr>
-            </a:solidFill>
-            <a:ln>
-              <a:noFill/>
-            </a:ln>
-          </p:spPr>
-        </p:sp>
-        <p:sp>
-          <p:nvSpPr>
-            <p:cNvPr id="33" name="Freeform 10"/>
-            <p:cNvSpPr/>
-            <p:nvPr>
-              <p:extLst>
-                <p:ext uri="{386F3935-93C4-4BCD-93E2-E3B085C9AB24}">
-                  <p16:designElem xmlns:p16="http://schemas.microsoft.com/office/powerpoint/2015/main" val="1"/>
-                </p:ext>
-              </p:extLst>
-            </p:nvPr>
-          </p:nvSpPr>
-          <p:spPr bwMode="auto">
-            <a:xfrm>
-              <a:off x="3371850" y="2692400"/>
-              <a:ext cx="3332162" cy="4165600"/>
-            </a:xfrm>
-            <a:custGeom>
-              <a:avLst/>
-              <a:gdLst/>
-              <a:ahLst/>
-              <a:cxnLst/>
-              <a:rect l="0" t="0" r="r" b="b"/>
-              <a:pathLst>
-                <a:path w="2099" h="2624">
-                  <a:moveTo>
-                    <a:pt x="2099" y="2624"/>
-                  </a:moveTo>
-                  <a:lnTo>
-                    <a:pt x="0" y="0"/>
-                  </a:lnTo>
-                  <a:lnTo>
-                    <a:pt x="2021" y="2624"/>
-                  </a:lnTo>
-                  <a:lnTo>
-                    <a:pt x="2099" y="2624"/>
-                  </a:lnTo>
-                  <a:close/>
-                </a:path>
-              </a:pathLst>
-            </a:custGeom>
-            <a:solidFill>
-              <a:schemeClr val="accent1">
-                <a:lumMod val="50000"/>
-              </a:schemeClr>
-            </a:solidFill>
-            <a:ln>
-              <a:noFill/>
-            </a:ln>
-          </p:spPr>
-        </p:sp>
-        <p:sp>
-          <p:nvSpPr>
-            <p:cNvPr id="34" name="Freeform 11"/>
-            <p:cNvSpPr/>
-            <p:nvPr>
-              <p:extLst>
-                <p:ext uri="{386F3935-93C4-4BCD-93E2-E3B085C9AB24}">
-                  <p16:designElem xmlns:p16="http://schemas.microsoft.com/office/powerpoint/2015/main" val="1"/>
-                </p:ext>
-              </p:extLst>
-            </p:nvPr>
-          </p:nvSpPr>
-          <p:spPr bwMode="auto">
-            <a:xfrm>
-              <a:off x="3367088" y="2687637"/>
-              <a:ext cx="4576762" cy="4170363"/>
-            </a:xfrm>
-            <a:custGeom>
-              <a:avLst/>
-              <a:gdLst/>
-              <a:ahLst/>
-              <a:cxnLst/>
-              <a:rect l="0" t="0" r="r" b="b"/>
-              <a:pathLst>
-                <a:path w="2883" h="2627">
-                  <a:moveTo>
-                    <a:pt x="0" y="0"/>
-                  </a:moveTo>
-                  <a:lnTo>
-                    <a:pt x="3" y="3"/>
-                  </a:lnTo>
-                  <a:lnTo>
-                    <a:pt x="2102" y="2627"/>
-                  </a:lnTo>
-                  <a:lnTo>
-                    <a:pt x="2883" y="2627"/>
-                  </a:lnTo>
-                  <a:lnTo>
-                    <a:pt x="225" y="57"/>
-                  </a:lnTo>
-                  <a:lnTo>
-                    <a:pt x="0" y="0"/>
-                  </a:lnTo>
-                  <a:close/>
-                </a:path>
-              </a:pathLst>
-            </a:custGeom>
-            <a:solidFill>
-              <a:schemeClr val="accent1">
-                <a:lumMod val="75000"/>
-              </a:schemeClr>
-            </a:solidFill>
-            <a:ln>
-              <a:noFill/>
-            </a:ln>
-          </p:spPr>
-        </p:sp>
-        <p:sp>
-          <p:nvSpPr>
-            <p:cNvPr id="35" name="Freeform 12"/>
-            <p:cNvSpPr/>
-            <p:nvPr>
-              <p:extLst>
-                <p:ext uri="{386F3935-93C4-4BCD-93E2-E3B085C9AB24}">
-                  <p16:designElem xmlns:p16="http://schemas.microsoft.com/office/powerpoint/2015/main" val="1"/>
-                </p:ext>
-              </p:extLst>
-            </p:nvPr>
-          </p:nvSpPr>
-          <p:spPr bwMode="auto">
-            <a:xfrm>
-              <a:off x="2928938" y="2578100"/>
-              <a:ext cx="3584575" cy="4279900"/>
-            </a:xfrm>
-            <a:custGeom>
-              <a:avLst/>
-              <a:gdLst/>
-              <a:ahLst/>
-              <a:cxnLst/>
-              <a:rect l="0" t="0" r="r" b="b"/>
-              <a:pathLst>
-                <a:path w="2258" h="2696">
-                  <a:moveTo>
-                    <a:pt x="2258" y="2696"/>
-                  </a:moveTo>
-                  <a:lnTo>
-                    <a:pt x="264" y="111"/>
-                  </a:lnTo>
-                  <a:lnTo>
-                    <a:pt x="228" y="60"/>
-                  </a:lnTo>
-                  <a:lnTo>
-                    <a:pt x="225" y="57"/>
-                  </a:lnTo>
-                  <a:lnTo>
-                    <a:pt x="0" y="0"/>
-                  </a:lnTo>
-                  <a:lnTo>
-                    <a:pt x="0" y="3"/>
-                  </a:lnTo>
-                  <a:lnTo>
-                    <a:pt x="1697" y="2696"/>
-                  </a:lnTo>
-                  <a:lnTo>
-                    <a:pt x="2258" y="2696"/>
-                  </a:lnTo>
-                  <a:close/>
-                </a:path>
-              </a:pathLst>
-            </a:custGeom>
-            <a:solidFill>
-              <a:schemeClr val="tx1">
-                <a:lumMod val="75000"/>
-                <a:lumOff val="25000"/>
-              </a:schemeClr>
-            </a:solidFill>
-            <a:ln>
-              <a:noFill/>
-            </a:ln>
-          </p:spPr>
-        </p:sp>
-      </p:grpSp>
-      <p:sp useBgFill="1">
-        <p:nvSpPr>
-          <p:cNvPr id="37" name="Rectangle 36"/>
-          <p:cNvSpPr>
-            <a:spLocks noGrp="1" noRot="1" noChangeAspect="1" noMove="1" noResize="1" noEditPoints="1" noAdjustHandles="1" noChangeArrowheads="1" noChangeShapeType="1" noTextEdit="1"/>
-          </p:cNvSpPr>
-          <p:nvPr>
-            <p:extLst>
-              <p:ext uri="{386F3935-93C4-4BCD-93E2-E3B085C9AB24}">
-                <p16:designElem xmlns:p16="http://schemas.microsoft.com/office/powerpoint/2015/main" val="1"/>
-              </p:ext>
-            </p:extLst>
-          </p:nvPr>
-        </p:nvSpPr>
-        <p:spPr>
-          <a:xfrm>
-            <a:off x="0" y="0"/>
-            <a:ext cx="12192000" cy="6858000"/>
-          </a:xfrm>
-          <a:prstGeom prst="rect">
-            <a:avLst/>
-          </a:prstGeom>
-          <a:ln>
-            <a:noFill/>
-          </a:ln>
-        </p:spPr>
-        <p:style>
-          <a:lnRef idx="2">
-            <a:schemeClr val="accent1">
-              <a:shade val="50000"/>
-            </a:schemeClr>
-          </a:lnRef>
-          <a:fillRef idx="1">
-            <a:schemeClr val="accent1"/>
-          </a:fillRef>
-          <a:effectRef idx="0">
-            <a:schemeClr val="accent1"/>
-          </a:effectRef>
-          <a:fontRef idx="minor">
-            <a:schemeClr val="lt1"/>
-          </a:fontRef>
-        </p:style>
-        <p:txBody>
-          <a:bodyPr rtlCol="0" anchor="ctr"/>
-          <a:lstStyle/>
-          <a:p>
-            <a:pPr algn="ctr"/>
-            <a:endParaRPr lang="en-US"/>
-          </a:p>
-        </p:txBody>
-      </p:sp>
-      <p:grpSp>
-        <p:nvGrpSpPr>
-          <p:cNvPr id="39" name="Group 38"/>
-          <p:cNvGrpSpPr>
-            <a:grpSpLocks noGrp="1" noUngrp="1" noRot="1" noChangeAspect="1" noMove="1" noResize="1"/>
-          </p:cNvGrpSpPr>
-          <p:nvPr>
-            <p:extLst>
-              <p:ext uri="{386F3935-93C4-4BCD-93E2-E3B085C9AB24}">
-                <p16:designElem xmlns:p16="http://schemas.microsoft.com/office/powerpoint/2015/main" val="1"/>
-              </p:ext>
-            </p:extLst>
-          </p:nvPr>
-        </p:nvGrpSpPr>
-        <p:grpSpPr>
-          <a:xfrm>
-            <a:off x="886714" y="-4763"/>
-            <a:ext cx="5014912" cy="6862763"/>
-            <a:chOff x="2928938" y="-4763"/>
-            <a:chExt cx="5014912" cy="6862763"/>
-          </a:xfrm>
-        </p:grpSpPr>
-        <p:sp>
-          <p:nvSpPr>
-            <p:cNvPr id="40" name="Freeform 6"/>
-            <p:cNvSpPr/>
-            <p:nvPr>
-              <p:extLst>
-                <p:ext uri="{386F3935-93C4-4BCD-93E2-E3B085C9AB24}">
-                  <p16:designElem xmlns:p16="http://schemas.microsoft.com/office/powerpoint/2015/main" val="1"/>
-                </p:ext>
-              </p:extLst>
-            </p:nvPr>
-          </p:nvSpPr>
-          <p:spPr bwMode="auto">
-            <a:xfrm>
-              <a:off x="3367088" y="-4763"/>
-              <a:ext cx="1063625" cy="2782888"/>
-            </a:xfrm>
-            <a:custGeom>
-              <a:avLst/>
-              <a:gdLst/>
-              <a:ahLst/>
-              <a:cxnLst/>
-              <a:rect l="0" t="0" r="r" b="b"/>
-              <a:pathLst>
-                <a:path w="670" h="1753">
-                  <a:moveTo>
-                    <a:pt x="0" y="1696"/>
-                  </a:moveTo>
-                  <a:lnTo>
-                    <a:pt x="225" y="1753"/>
-                  </a:lnTo>
-                  <a:lnTo>
-                    <a:pt x="670" y="0"/>
-                  </a:lnTo>
-                  <a:lnTo>
-                    <a:pt x="430" y="0"/>
-                  </a:lnTo>
-                  <a:lnTo>
-                    <a:pt x="0" y="1696"/>
-                  </a:lnTo>
-                  <a:close/>
-                </a:path>
-              </a:pathLst>
-            </a:custGeom>
-            <a:solidFill>
-              <a:schemeClr val="accent1"/>
-            </a:solidFill>
-            <a:ln>
-              <a:noFill/>
-            </a:ln>
-          </p:spPr>
-        </p:sp>
-        <p:sp>
-          <p:nvSpPr>
-            <p:cNvPr id="41" name="Freeform 7"/>
-            <p:cNvSpPr/>
-            <p:nvPr>
-              <p:extLst>
-                <p:ext uri="{386F3935-93C4-4BCD-93E2-E3B085C9AB24}">
-                  <p16:designElem xmlns:p16="http://schemas.microsoft.com/office/powerpoint/2015/main" val="1"/>
-                </p:ext>
-              </p:extLst>
-            </p:nvPr>
-          </p:nvSpPr>
-          <p:spPr bwMode="auto">
-            <a:xfrm>
-              <a:off x="2928938" y="-4763"/>
-              <a:ext cx="1035050" cy="2673350"/>
-            </a:xfrm>
-            <a:custGeom>
-              <a:avLst/>
-              <a:gdLst/>
-              <a:ahLst/>
-              <a:cxnLst/>
-              <a:rect l="0" t="0" r="r" b="b"/>
-              <a:pathLst>
-                <a:path w="652" h="1684">
-                  <a:moveTo>
-                    <a:pt x="225" y="1684"/>
-                  </a:moveTo>
-                  <a:lnTo>
-                    <a:pt x="652" y="0"/>
-                  </a:lnTo>
-                  <a:lnTo>
-                    <a:pt x="411" y="0"/>
-                  </a:lnTo>
-                  <a:lnTo>
-                    <a:pt x="0" y="1627"/>
-                  </a:lnTo>
-                  <a:lnTo>
-                    <a:pt x="219" y="1681"/>
-                  </a:lnTo>
-                  <a:lnTo>
-                    <a:pt x="225" y="1684"/>
-                  </a:lnTo>
-                  <a:close/>
-                </a:path>
-              </a:pathLst>
-            </a:custGeom>
-            <a:solidFill>
-              <a:schemeClr val="tx1">
-                <a:lumMod val="65000"/>
-                <a:lumOff val="35000"/>
-              </a:schemeClr>
-            </a:solidFill>
-            <a:ln>
-              <a:noFill/>
-            </a:ln>
-          </p:spPr>
-        </p:sp>
-        <p:sp>
-          <p:nvSpPr>
-            <p:cNvPr id="42" name="Freeform 25"/>
-            <p:cNvSpPr/>
-            <p:nvPr>
-              <p:extLst>
-                <p:ext uri="{386F3935-93C4-4BCD-93E2-E3B085C9AB24}">
-                  <p16:designElem xmlns:p16="http://schemas.microsoft.com/office/powerpoint/2015/main" val="1"/>
-                </p:ext>
-              </p:extLst>
-            </p:nvPr>
-          </p:nvSpPr>
-          <p:spPr bwMode="auto">
-            <a:xfrm>
-              <a:off x="2928938" y="2582862"/>
-              <a:ext cx="2693987" cy="4275138"/>
-            </a:xfrm>
-            <a:custGeom>
-              <a:avLst/>
-              <a:gdLst/>
-              <a:ahLst/>
-              <a:cxnLst/>
-              <a:rect l="0" t="0" r="r" b="b"/>
-              <a:pathLst>
-                <a:path w="1697" h="2693">
-                  <a:moveTo>
-                    <a:pt x="0" y="0"/>
-                  </a:moveTo>
-                  <a:lnTo>
-                    <a:pt x="1622" y="2693"/>
-                  </a:lnTo>
-                  <a:lnTo>
-                    <a:pt x="1697" y="2693"/>
-                  </a:lnTo>
-                  <a:lnTo>
-                    <a:pt x="0" y="0"/>
-                  </a:lnTo>
-                  <a:close/>
-                </a:path>
-              </a:pathLst>
-            </a:custGeom>
-            <a:solidFill>
-              <a:schemeClr val="tx1">
-                <a:lumMod val="85000"/>
-                <a:lumOff val="15000"/>
-              </a:schemeClr>
-            </a:solidFill>
-            <a:ln>
-              <a:noFill/>
-            </a:ln>
-          </p:spPr>
-        </p:sp>
-        <p:sp>
-          <p:nvSpPr>
-            <p:cNvPr id="43" name="Freeform 26"/>
-            <p:cNvSpPr/>
-            <p:nvPr>
-              <p:extLst>
-                <p:ext uri="{386F3935-93C4-4BCD-93E2-E3B085C9AB24}">
-                  <p16:designElem xmlns:p16="http://schemas.microsoft.com/office/powerpoint/2015/main" val="1"/>
-                </p:ext>
-              </p:extLst>
-            </p:nvPr>
-          </p:nvSpPr>
-          <p:spPr bwMode="auto">
-            <a:xfrm>
-              <a:off x="3371850" y="2692400"/>
-              <a:ext cx="3332162" cy="4165600"/>
-            </a:xfrm>
-            <a:custGeom>
-              <a:avLst/>
-              <a:gdLst/>
-              <a:ahLst/>
-              <a:cxnLst/>
-              <a:rect l="0" t="0" r="r" b="b"/>
-              <a:pathLst>
-                <a:path w="2099" h="2624">
-                  <a:moveTo>
-                    <a:pt x="2099" y="2624"/>
-                  </a:moveTo>
-                  <a:lnTo>
-                    <a:pt x="0" y="0"/>
-                  </a:lnTo>
-                  <a:lnTo>
-                    <a:pt x="2021" y="2624"/>
-                  </a:lnTo>
-                  <a:lnTo>
-                    <a:pt x="2099" y="2624"/>
-                  </a:lnTo>
-                  <a:close/>
-                </a:path>
-              </a:pathLst>
-            </a:custGeom>
-            <a:solidFill>
-              <a:schemeClr val="accent1">
-                <a:lumMod val="50000"/>
-              </a:schemeClr>
-            </a:solidFill>
-            <a:ln>
-              <a:noFill/>
-            </a:ln>
-          </p:spPr>
-        </p:sp>
-        <p:sp>
-          <p:nvSpPr>
-            <p:cNvPr id="44" name="Freeform 27"/>
-            <p:cNvSpPr/>
-            <p:nvPr>
-              <p:extLst>
-                <p:ext uri="{386F3935-93C4-4BCD-93E2-E3B085C9AB24}">
-                  <p16:designElem xmlns:p16="http://schemas.microsoft.com/office/powerpoint/2015/main" val="1"/>
-                </p:ext>
-              </p:extLst>
-            </p:nvPr>
-          </p:nvSpPr>
-          <p:spPr bwMode="auto">
-            <a:xfrm>
-              <a:off x="3367088" y="2687637"/>
-              <a:ext cx="4576762" cy="4170363"/>
-            </a:xfrm>
-            <a:custGeom>
-              <a:avLst/>
-              <a:gdLst/>
-              <a:ahLst/>
-              <a:cxnLst/>
-              <a:rect l="0" t="0" r="r" b="b"/>
-              <a:pathLst>
-                <a:path w="2883" h="2627">
-                  <a:moveTo>
-                    <a:pt x="0" y="0"/>
-                  </a:moveTo>
-                  <a:lnTo>
-                    <a:pt x="3" y="3"/>
-                  </a:lnTo>
-                  <a:lnTo>
-                    <a:pt x="2102" y="2627"/>
-                  </a:lnTo>
-                  <a:lnTo>
-                    <a:pt x="2883" y="2627"/>
-                  </a:lnTo>
-                  <a:lnTo>
-                    <a:pt x="225" y="57"/>
-                  </a:lnTo>
-                  <a:lnTo>
-                    <a:pt x="0" y="0"/>
-                  </a:lnTo>
-                  <a:close/>
-                </a:path>
-              </a:pathLst>
-            </a:custGeom>
-            <a:solidFill>
-              <a:schemeClr val="accent1">
-                <a:lumMod val="75000"/>
-              </a:schemeClr>
-            </a:solidFill>
-            <a:ln>
-              <a:noFill/>
-            </a:ln>
-          </p:spPr>
-        </p:sp>
-        <p:sp>
-          <p:nvSpPr>
-            <p:cNvPr id="45" name="Freeform 28"/>
-            <p:cNvSpPr/>
-            <p:nvPr>
-              <p:extLst>
-                <p:ext uri="{386F3935-93C4-4BCD-93E2-E3B085C9AB24}">
-                  <p16:designElem xmlns:p16="http://schemas.microsoft.com/office/powerpoint/2015/main" val="1"/>
-                </p:ext>
-              </p:extLst>
-            </p:nvPr>
-          </p:nvSpPr>
-          <p:spPr bwMode="auto">
-            <a:xfrm>
-              <a:off x="2928938" y="2578100"/>
-              <a:ext cx="3584575" cy="4279900"/>
-            </a:xfrm>
-            <a:custGeom>
-              <a:avLst/>
-              <a:gdLst/>
-              <a:ahLst/>
-              <a:cxnLst/>
-              <a:rect l="0" t="0" r="r" b="b"/>
-              <a:pathLst>
-                <a:path w="2258" h="2696">
-                  <a:moveTo>
-                    <a:pt x="2258" y="2696"/>
-                  </a:moveTo>
-                  <a:lnTo>
-                    <a:pt x="264" y="111"/>
-                  </a:lnTo>
-                  <a:lnTo>
-                    <a:pt x="228" y="60"/>
-                  </a:lnTo>
-                  <a:lnTo>
-                    <a:pt x="225" y="57"/>
-                  </a:lnTo>
-                  <a:lnTo>
-                    <a:pt x="0" y="0"/>
-                  </a:lnTo>
-                  <a:lnTo>
-                    <a:pt x="0" y="3"/>
-                  </a:lnTo>
-                  <a:lnTo>
-                    <a:pt x="1697" y="2696"/>
-                  </a:lnTo>
-                  <a:lnTo>
-                    <a:pt x="2258" y="2696"/>
-                  </a:lnTo>
-                  <a:close/>
-                </a:path>
-              </a:pathLst>
-            </a:custGeom>
-            <a:solidFill>
-              <a:schemeClr val="tx1">
-                <a:lumMod val="75000"/>
-                <a:lumOff val="25000"/>
-              </a:schemeClr>
-            </a:solidFill>
-            <a:ln>
-              <a:noFill/>
-            </a:ln>
-          </p:spPr>
-        </p:sp>
-      </p:grpSp>
-      <p:sp>
-        <p:nvSpPr>
-          <p:cNvPr id="47" name="Rounded Rectangle 16"/>
-          <p:cNvSpPr>
-            <a:spLocks noGrp="1" noRot="1" noChangeAspect="1" noMove="1" noResize="1" noEditPoints="1" noAdjustHandles="1" noChangeArrowheads="1" noChangeShapeType="1" noTextEdit="1"/>
-          </p:cNvSpPr>
-          <p:nvPr>
-            <p:extLst>
-              <p:ext uri="{386F3935-93C4-4BCD-93E2-E3B085C9AB24}">
-                <p16:designElem xmlns:p16="http://schemas.microsoft.com/office/powerpoint/2015/main" val="1"/>
-              </p:ext>
-            </p:extLst>
-          </p:nvPr>
-        </p:nvSpPr>
-        <p:spPr>
-          <a:xfrm>
-            <a:off x="656693" y="648931"/>
-            <a:ext cx="6854433" cy="5231964"/>
-          </a:xfrm>
-          <a:prstGeom prst="roundRect">
-            <a:avLst>
-              <a:gd name="adj" fmla="val 4834"/>
-            </a:avLst>
-          </a:prstGeom>
-          <a:solidFill>
-            <a:schemeClr val="bg1"/>
-          </a:solidFill>
-          <a:ln w="38100">
-            <a:gradFill flip="none" rotWithShape="1">
-              <a:gsLst>
-                <a:gs pos="0">
-                  <a:schemeClr val="bg2"/>
-                </a:gs>
-                <a:gs pos="100000">
-                  <a:schemeClr val="bg2">
-                    <a:lumMod val="75000"/>
-                  </a:schemeClr>
-                </a:gs>
-              </a:gsLst>
-              <a:lin ang="5400000" scaled="0"/>
-              <a:tileRect/>
-            </a:gradFill>
-          </a:ln>
-          <a:effectLst>
-            <a:innerShdw blurRad="57150" dist="38100" dir="14460000">
-              <a:srgbClr val="000000">
-                <a:alpha val="70000"/>
-              </a:srgbClr>
-            </a:innerShdw>
-          </a:effectLst>
-        </p:spPr>
-        <p:style>
-          <a:lnRef idx="2">
-            <a:schemeClr val="accent1">
-              <a:shade val="50000"/>
-            </a:schemeClr>
-          </a:lnRef>
-          <a:fillRef idx="1">
-            <a:schemeClr val="accent1"/>
-          </a:fillRef>
-          <a:effectRef idx="0">
-            <a:schemeClr val="accent1"/>
-          </a:effectRef>
-          <a:fontRef idx="minor">
-            <a:schemeClr val="lt1"/>
-          </a:fontRef>
-        </p:style>
-        <p:txBody>
-          <a:bodyPr rtlCol="0" anchor="ctr"/>
-          <a:lstStyle/>
-          <a:p>
-            <a:pPr algn="ctr"/>
-            <a:endParaRPr lang="en-US"/>
-          </a:p>
-        </p:txBody>
-      </p:sp>
-      <p:pic>
-        <p:nvPicPr>
-          <p:cNvPr id="8" name="Content Placeholder 7" descr="A picture containing screenshot&#10;&#10;Description generated with very high confidence"/>
-          <p:cNvPicPr>
-            <a:picLocks noGrp="1" noChangeAspect="1"/>
-          </p:cNvPicPr>
-          <p:nvPr>
-            <p:ph idx="1"/>
-          </p:nvPr>
-        </p:nvPicPr>
-        <p:blipFill>
-          <a:blip r:embed="rId3">
-            <a:extLst>
-              <a:ext uri="{28A0092B-C50C-407E-A947-70E740481C1C}">
-                <a14:useLocalDpi xmlns:a14="http://schemas.microsoft.com/office/drawing/2010/main" val="0"/>
-              </a:ext>
-            </a:extLst>
-          </a:blip>
-          <a:stretch>
-            <a:fillRect/>
-          </a:stretch>
-        </p:blipFill>
-        <p:spPr>
-          <a:xfrm>
-            <a:off x="832685" y="1896682"/>
-            <a:ext cx="5876036" cy="3767527"/>
-          </a:xfrm>
-          <a:prstGeom prst="rect">
-            <a:avLst/>
-          </a:prstGeom>
-        </p:spPr>
-      </p:pic>
-      <p:sp>
-        <p:nvSpPr>
-          <p:cNvPr id="2" name="Title 1"/>
-          <p:cNvSpPr>
-            <a:spLocks noGrp="1"/>
-          </p:cNvSpPr>
-          <p:nvPr>
-            <p:ph type="title"/>
-          </p:nvPr>
-        </p:nvSpPr>
-        <p:spPr>
-          <a:xfrm>
-            <a:off x="8041742" y="648930"/>
-            <a:ext cx="3461281" cy="3347337"/>
-          </a:xfrm>
-        </p:spPr>
-        <p:txBody>
-          <a:bodyPr vert="horz" lIns="91440" tIns="45720" rIns="91440" bIns="45720" rtlCol="0" anchor="b">
-            <a:normAutofit/>
-          </a:bodyPr>
-          <a:lstStyle/>
-          <a:p>
-            <a:pPr algn="r"/>
-            <a:r>
-              <a:rPr lang="en-US" sz="4800"/>
-              <a:t>From a Function Returning a Refcursor</a:t>
-            </a:r>
-          </a:p>
-        </p:txBody>
-      </p:sp>
-      <p:sp>
-        <p:nvSpPr>
-          <p:cNvPr id="11" name="Rectangle 10"/>
-          <p:cNvSpPr/>
-          <p:nvPr/>
-        </p:nvSpPr>
-        <p:spPr>
-          <a:xfrm>
-            <a:off x="722703" y="949641"/>
-            <a:ext cx="6096000" cy="646331"/>
-          </a:xfrm>
-          <a:prstGeom prst="rect">
-            <a:avLst/>
-          </a:prstGeom>
-        </p:spPr>
-        <p:txBody>
-          <a:bodyPr>
-            <a:spAutoFit/>
-          </a:bodyPr>
-          <a:lstStyle/>
-          <a:p>
-            <a:r>
-              <a:rPr lang="en-US" dirty="0"/>
-              <a:t>When calling a function that returns a </a:t>
-            </a:r>
-            <a:r>
-              <a:rPr lang="en-US" dirty="0" err="1"/>
-              <a:t>refcursor</a:t>
-            </a:r>
-            <a:r>
-              <a:rPr lang="en-US" dirty="0"/>
-              <a:t> you must cast the return type of </a:t>
-            </a:r>
-            <a:r>
-              <a:rPr lang="en-US" dirty="0" err="1"/>
-              <a:t>getObject</a:t>
-            </a:r>
-            <a:r>
-              <a:rPr lang="en-US" dirty="0"/>
-              <a:t> to a </a:t>
-            </a:r>
-            <a:r>
-              <a:rPr lang="en-US" dirty="0" err="1"/>
-              <a:t>ResultSet</a:t>
-            </a:r>
-            <a:endParaRPr lang="en-US" dirty="0"/>
-          </a:p>
-        </p:txBody>
-      </p:sp>
-    </p:spTree>
-    <p:extLst>
-      <p:ext uri="{BB962C8B-B14F-4D97-AF65-F5344CB8AC3E}">
-        <p14:creationId xmlns:p14="http://schemas.microsoft.com/office/powerpoint/2010/main" val="4029663752"/>
-      </p:ext>
-    </p:extLst>
-  </p:cSld>
-  <p:clrMapOvr>
-    <a:masterClrMapping/>
-  </p:clrMapOvr>
-</p:sld>
-</file>
-
-<file path=ppt/slides/slide7.xml><?xml version="1.0" encoding="utf-8"?>
-<p:sld xmlns:a="http://schemas.openxmlformats.org/drawingml/2006/main" xmlns:r="http://schemas.openxmlformats.org/officeDocument/2006/relationships" xmlns:p="http://schemas.openxmlformats.org/presentationml/2006/main">
-  <p:cSld>
-    <p:spTree>
-      <p:nvGrpSpPr>
-        <p:cNvPr id="1" name=""/>
-        <p:cNvGrpSpPr/>
-        <p:nvPr/>
-      </p:nvGrpSpPr>
-      <p:grpSpPr>
-        <a:xfrm>
-          <a:off x="0" y="0"/>
-          <a:ext cx="0" cy="0"/>
-          <a:chOff x="0" y="0"/>
-          <a:chExt cx="0" cy="0"/>
-        </a:xfrm>
-      </p:grpSpPr>
-      <p:sp>
-        <p:nvSpPr>
-          <p:cNvPr id="11" name="Rectangle 10"/>
-          <p:cNvSpPr>
-            <a:spLocks noGrp="1" noRot="1" noChangeAspect="1" noMove="1" noResize="1" noEditPoints="1" noAdjustHandles="1" noChangeArrowheads="1" noChangeShapeType="1" noTextEdit="1"/>
-          </p:cNvSpPr>
-          <p:nvPr>
-            <p:extLst>
-              <p:ext uri="{386F3935-93C4-4BCD-93E2-E3B085C9AB24}">
-                <p16:designElem xmlns:p16="http://schemas.microsoft.com/office/powerpoint/2015/main" val="1"/>
-              </p:ext>
-            </p:extLst>
-          </p:nvPr>
-        </p:nvSpPr>
-        <p:spPr bwMode="white">
-          <a:xfrm>
-            <a:off x="0" y="0"/>
-            <a:ext cx="12192000" cy="6858000"/>
-          </a:xfrm>
-          <a:prstGeom prst="rect">
-            <a:avLst/>
-          </a:prstGeom>
-          <a:blipFill rotWithShape="1">
-            <a:blip r:embed="rId2">
-              <a:duotone>
-                <a:schemeClr val="bg2">
-                  <a:shade val="76000"/>
-                  <a:satMod val="180000"/>
-                </a:schemeClr>
-                <a:schemeClr val="bg2">
-                  <a:tint val="80000"/>
-                  <a:satMod val="120000"/>
-                  <a:lumMod val="180000"/>
-                </a:schemeClr>
-              </a:duotone>
-            </a:blip>
-            <a:stretch/>
-          </a:blipFill>
-          <a:ln>
-            <a:noFill/>
-          </a:ln>
-          <a:effectLst/>
-        </p:spPr>
-      </p:sp>
-      <p:grpSp>
-        <p:nvGrpSpPr>
-          <p:cNvPr id="13" name="Group 12"/>
-          <p:cNvGrpSpPr>
-            <a:grpSpLocks noGrp="1" noUngrp="1" noRot="1" noChangeAspect="1" noMove="1" noResize="1"/>
-          </p:cNvGrpSpPr>
-          <p:nvPr>
-            <p:extLst>
-              <p:ext uri="{386F3935-93C4-4BCD-93E2-E3B085C9AB24}">
-                <p16:designElem xmlns:p16="http://schemas.microsoft.com/office/powerpoint/2015/main" val="1"/>
-              </p:ext>
-            </p:extLst>
-          </p:nvPr>
-        </p:nvGrpSpPr>
-        <p:grpSpPr>
-          <a:xfrm>
-            <a:off x="546100" y="-4763"/>
-            <a:ext cx="5014912" cy="6862763"/>
-            <a:chOff x="2928938" y="-4763"/>
-            <a:chExt cx="5014912" cy="6862763"/>
-          </a:xfrm>
-        </p:grpSpPr>
-        <p:sp>
-          <p:nvSpPr>
-            <p:cNvPr id="14" name="Freeform 6"/>
-            <p:cNvSpPr/>
-            <p:nvPr>
-              <p:extLst>
-                <p:ext uri="{386F3935-93C4-4BCD-93E2-E3B085C9AB24}">
-                  <p16:designElem xmlns:p16="http://schemas.microsoft.com/office/powerpoint/2015/main" val="1"/>
-                </p:ext>
-              </p:extLst>
-            </p:nvPr>
-          </p:nvSpPr>
-          <p:spPr bwMode="auto">
-            <a:xfrm>
-              <a:off x="3367088" y="-4763"/>
-              <a:ext cx="1063625" cy="2782888"/>
-            </a:xfrm>
-            <a:custGeom>
-              <a:avLst/>
-              <a:gdLst/>
-              <a:ahLst/>
-              <a:cxnLst/>
-              <a:rect l="0" t="0" r="r" b="b"/>
-              <a:pathLst>
-                <a:path w="670" h="1753">
-                  <a:moveTo>
-                    <a:pt x="0" y="1696"/>
-                  </a:moveTo>
-                  <a:lnTo>
-                    <a:pt x="225" y="1753"/>
-                  </a:lnTo>
-                  <a:lnTo>
-                    <a:pt x="670" y="0"/>
-                  </a:lnTo>
-                  <a:lnTo>
-                    <a:pt x="430" y="0"/>
-                  </a:lnTo>
-                  <a:lnTo>
-                    <a:pt x="0" y="1696"/>
-                  </a:lnTo>
-                  <a:close/>
-                </a:path>
-              </a:pathLst>
-            </a:custGeom>
-            <a:solidFill>
-              <a:schemeClr val="accent1"/>
-            </a:solidFill>
-            <a:ln>
-              <a:noFill/>
-            </a:ln>
-          </p:spPr>
-        </p:sp>
-        <p:sp>
-          <p:nvSpPr>
-            <p:cNvPr id="15" name="Freeform 7"/>
-            <p:cNvSpPr/>
-            <p:nvPr>
-              <p:extLst>
-                <p:ext uri="{386F3935-93C4-4BCD-93E2-E3B085C9AB24}">
-                  <p16:designElem xmlns:p16="http://schemas.microsoft.com/office/powerpoint/2015/main" val="1"/>
-                </p:ext>
-              </p:extLst>
-            </p:nvPr>
-          </p:nvSpPr>
-          <p:spPr bwMode="auto">
-            <a:xfrm>
-              <a:off x="2928938" y="-4763"/>
-              <a:ext cx="1035050" cy="2673350"/>
-            </a:xfrm>
-            <a:custGeom>
-              <a:avLst/>
-              <a:gdLst/>
-              <a:ahLst/>
-              <a:cxnLst/>
-              <a:rect l="0" t="0" r="r" b="b"/>
-              <a:pathLst>
-                <a:path w="652" h="1684">
-                  <a:moveTo>
-                    <a:pt x="225" y="1684"/>
-                  </a:moveTo>
-                  <a:lnTo>
-                    <a:pt x="652" y="0"/>
-                  </a:lnTo>
-                  <a:lnTo>
-                    <a:pt x="411" y="0"/>
-                  </a:lnTo>
-                  <a:lnTo>
-                    <a:pt x="0" y="1627"/>
-                  </a:lnTo>
-                  <a:lnTo>
-                    <a:pt x="219" y="1681"/>
-                  </a:lnTo>
-                  <a:lnTo>
-                    <a:pt x="225" y="1684"/>
-                  </a:lnTo>
-                  <a:close/>
-                </a:path>
-              </a:pathLst>
-            </a:custGeom>
-            <a:solidFill>
-              <a:schemeClr val="tx1">
-                <a:lumMod val="65000"/>
-                <a:lumOff val="35000"/>
-              </a:schemeClr>
-            </a:solidFill>
-            <a:ln>
-              <a:noFill/>
-            </a:ln>
-          </p:spPr>
-        </p:sp>
-        <p:sp>
-          <p:nvSpPr>
-            <p:cNvPr id="16" name="Freeform 9"/>
-            <p:cNvSpPr/>
-            <p:nvPr>
-              <p:extLst>
-                <p:ext uri="{386F3935-93C4-4BCD-93E2-E3B085C9AB24}">
-                  <p16:designElem xmlns:p16="http://schemas.microsoft.com/office/powerpoint/2015/main" val="1"/>
-                </p:ext>
-              </p:extLst>
-            </p:nvPr>
-          </p:nvSpPr>
-          <p:spPr bwMode="auto">
-            <a:xfrm>
-              <a:off x="2928938" y="2582862"/>
-              <a:ext cx="2693987" cy="4275138"/>
-            </a:xfrm>
-            <a:custGeom>
-              <a:avLst/>
-              <a:gdLst/>
-              <a:ahLst/>
-              <a:cxnLst/>
-              <a:rect l="0" t="0" r="r" b="b"/>
-              <a:pathLst>
-                <a:path w="1697" h="2693">
-                  <a:moveTo>
-                    <a:pt x="0" y="0"/>
-                  </a:moveTo>
-                  <a:lnTo>
-                    <a:pt x="1622" y="2693"/>
-                  </a:lnTo>
-                  <a:lnTo>
-                    <a:pt x="1697" y="2693"/>
-                  </a:lnTo>
-                  <a:lnTo>
-                    <a:pt x="0" y="0"/>
-                  </a:lnTo>
-                  <a:close/>
-                </a:path>
-              </a:pathLst>
-            </a:custGeom>
-            <a:solidFill>
-              <a:schemeClr val="tx1">
-                <a:lumMod val="85000"/>
-                <a:lumOff val="15000"/>
-              </a:schemeClr>
-            </a:solidFill>
-            <a:ln>
-              <a:noFill/>
-            </a:ln>
-          </p:spPr>
-        </p:sp>
-        <p:sp>
-          <p:nvSpPr>
-            <p:cNvPr id="17" name="Freeform 10"/>
-            <p:cNvSpPr/>
-            <p:nvPr>
-              <p:extLst>
-                <p:ext uri="{386F3935-93C4-4BCD-93E2-E3B085C9AB24}">
-                  <p16:designElem xmlns:p16="http://schemas.microsoft.com/office/powerpoint/2015/main" val="1"/>
-                </p:ext>
-              </p:extLst>
-            </p:nvPr>
-          </p:nvSpPr>
-          <p:spPr bwMode="auto">
-            <a:xfrm>
-              <a:off x="3371850" y="2692400"/>
-              <a:ext cx="3332162" cy="4165600"/>
-            </a:xfrm>
-            <a:custGeom>
-              <a:avLst/>
-              <a:gdLst/>
-              <a:ahLst/>
-              <a:cxnLst/>
-              <a:rect l="0" t="0" r="r" b="b"/>
-              <a:pathLst>
-                <a:path w="2099" h="2624">
-                  <a:moveTo>
-                    <a:pt x="2099" y="2624"/>
-                  </a:moveTo>
-                  <a:lnTo>
-                    <a:pt x="0" y="0"/>
-                  </a:lnTo>
-                  <a:lnTo>
-                    <a:pt x="2021" y="2624"/>
-                  </a:lnTo>
-                  <a:lnTo>
-                    <a:pt x="2099" y="2624"/>
-                  </a:lnTo>
-                  <a:close/>
-                </a:path>
-              </a:pathLst>
-            </a:custGeom>
-            <a:solidFill>
-              <a:schemeClr val="accent1">
-                <a:lumMod val="50000"/>
-              </a:schemeClr>
-            </a:solidFill>
-            <a:ln>
-              <a:noFill/>
-            </a:ln>
-          </p:spPr>
-        </p:sp>
-        <p:sp>
-          <p:nvSpPr>
-            <p:cNvPr id="18" name="Freeform 11"/>
-            <p:cNvSpPr/>
-            <p:nvPr>
-              <p:extLst>
-                <p:ext uri="{386F3935-93C4-4BCD-93E2-E3B085C9AB24}">
-                  <p16:designElem xmlns:p16="http://schemas.microsoft.com/office/powerpoint/2015/main" val="1"/>
-                </p:ext>
-              </p:extLst>
-            </p:nvPr>
-          </p:nvSpPr>
-          <p:spPr bwMode="auto">
-            <a:xfrm>
-              <a:off x="3367088" y="2687637"/>
-              <a:ext cx="4576762" cy="4170363"/>
-            </a:xfrm>
-            <a:custGeom>
-              <a:avLst/>
-              <a:gdLst/>
-              <a:ahLst/>
-              <a:cxnLst/>
-              <a:rect l="0" t="0" r="r" b="b"/>
-              <a:pathLst>
-                <a:path w="2883" h="2627">
-                  <a:moveTo>
-                    <a:pt x="0" y="0"/>
-                  </a:moveTo>
-                  <a:lnTo>
-                    <a:pt x="3" y="3"/>
-                  </a:lnTo>
-                  <a:lnTo>
-                    <a:pt x="2102" y="2627"/>
-                  </a:lnTo>
-                  <a:lnTo>
-                    <a:pt x="2883" y="2627"/>
-                  </a:lnTo>
-                  <a:lnTo>
-                    <a:pt x="225" y="57"/>
-                  </a:lnTo>
-                  <a:lnTo>
-                    <a:pt x="0" y="0"/>
-                  </a:lnTo>
-                  <a:close/>
-                </a:path>
-              </a:pathLst>
-            </a:custGeom>
-            <a:solidFill>
-              <a:schemeClr val="accent1">
-                <a:lumMod val="75000"/>
-              </a:schemeClr>
-            </a:solidFill>
-            <a:ln>
-              <a:noFill/>
-            </a:ln>
-          </p:spPr>
-        </p:sp>
-        <p:sp>
-          <p:nvSpPr>
-            <p:cNvPr id="19" name="Freeform 12"/>
-            <p:cNvSpPr/>
-            <p:nvPr>
-              <p:extLst>
-                <p:ext uri="{386F3935-93C4-4BCD-93E2-E3B085C9AB24}">
-                  <p16:designElem xmlns:p16="http://schemas.microsoft.com/office/powerpoint/2015/main" val="1"/>
-                </p:ext>
-              </p:extLst>
-            </p:nvPr>
-          </p:nvSpPr>
-          <p:spPr bwMode="auto">
-            <a:xfrm>
-              <a:off x="2928938" y="2578100"/>
-              <a:ext cx="3584575" cy="4279900"/>
-            </a:xfrm>
-            <a:custGeom>
-              <a:avLst/>
-              <a:gdLst/>
-              <a:ahLst/>
-              <a:cxnLst/>
-              <a:rect l="0" t="0" r="r" b="b"/>
-              <a:pathLst>
-                <a:path w="2258" h="2696">
-                  <a:moveTo>
-                    <a:pt x="2258" y="2696"/>
-                  </a:moveTo>
-                  <a:lnTo>
-                    <a:pt x="264" y="111"/>
-                  </a:lnTo>
-                  <a:lnTo>
-                    <a:pt x="228" y="60"/>
-                  </a:lnTo>
-                  <a:lnTo>
-                    <a:pt x="225" y="57"/>
-                  </a:lnTo>
-                  <a:lnTo>
-                    <a:pt x="0" y="0"/>
-                  </a:lnTo>
-                  <a:lnTo>
-                    <a:pt x="0" y="3"/>
-                  </a:lnTo>
-                  <a:lnTo>
-                    <a:pt x="1697" y="2696"/>
-                  </a:lnTo>
-                  <a:lnTo>
-                    <a:pt x="2258" y="2696"/>
-                  </a:lnTo>
-                  <a:close/>
-                </a:path>
-              </a:pathLst>
-            </a:custGeom>
-            <a:solidFill>
-              <a:schemeClr val="tx1">
-                <a:lumMod val="75000"/>
-                <a:lumOff val="25000"/>
-              </a:schemeClr>
-            </a:solidFill>
-            <a:ln>
-              <a:noFill/>
-            </a:ln>
-          </p:spPr>
-        </p:sp>
-      </p:grpSp>
-      <p:sp>
-        <p:nvSpPr>
-          <p:cNvPr id="21" name="Rounded Rectangle 6"/>
-          <p:cNvSpPr>
-            <a:spLocks noGrp="1" noRot="1" noChangeAspect="1" noMove="1" noResize="1" noEditPoints="1" noAdjustHandles="1" noChangeArrowheads="1" noChangeShapeType="1" noTextEdit="1"/>
-          </p:cNvSpPr>
-          <p:nvPr>
-            <p:extLst>
-              <p:ext uri="{386F3935-93C4-4BCD-93E2-E3B085C9AB24}">
-                <p16:designElem xmlns:p16="http://schemas.microsoft.com/office/powerpoint/2015/main" val="1"/>
-              </p:ext>
-            </p:extLst>
-          </p:nvPr>
-        </p:nvSpPr>
-        <p:spPr>
-          <a:xfrm>
-            <a:off x="3718560" y="609600"/>
-            <a:ext cx="7833360" cy="3139440"/>
-          </a:xfrm>
-          <a:prstGeom prst="roundRect">
-            <a:avLst>
-              <a:gd name="adj" fmla="val 4834"/>
-            </a:avLst>
-          </a:prstGeom>
-          <a:solidFill>
-            <a:schemeClr val="bg1"/>
-          </a:solidFill>
-          <a:ln w="38100">
-            <a:gradFill flip="none" rotWithShape="1">
-              <a:gsLst>
-                <a:gs pos="0">
-                  <a:schemeClr val="bg2"/>
-                </a:gs>
-                <a:gs pos="100000">
-                  <a:schemeClr val="bg2">
-                    <a:lumMod val="75000"/>
-                  </a:schemeClr>
-                </a:gs>
-              </a:gsLst>
-              <a:lin ang="5400000" scaled="0"/>
-              <a:tileRect/>
-            </a:gradFill>
-          </a:ln>
-          <a:effectLst>
-            <a:innerShdw blurRad="57150" dist="38100" dir="14460000">
-              <a:srgbClr val="000000">
-                <a:alpha val="70000"/>
-              </a:srgbClr>
-            </a:innerShdw>
-          </a:effectLst>
-        </p:spPr>
-        <p:style>
-          <a:lnRef idx="2">
-            <a:schemeClr val="accent1">
-              <a:shade val="50000"/>
-            </a:schemeClr>
-          </a:lnRef>
-          <a:fillRef idx="1">
-            <a:schemeClr val="accent1"/>
-          </a:fillRef>
-          <a:effectRef idx="0">
-            <a:schemeClr val="accent1"/>
-          </a:effectRef>
-          <a:fontRef idx="minor">
-            <a:schemeClr val="lt1"/>
-          </a:fontRef>
-        </p:style>
-        <p:txBody>
-          <a:bodyPr rtlCol="0" anchor="ctr"/>
-          <a:lstStyle/>
-          <a:p>
-            <a:pPr algn="ctr"/>
-            <a:endParaRPr lang="en-US"/>
-          </a:p>
-        </p:txBody>
-      </p:sp>
-      <p:pic>
-        <p:nvPicPr>
-          <p:cNvPr id="6" name="Content Placeholder 5" descr="A picture containing screenshot, thing&#10;&#10;Description generated with high confidence"/>
-          <p:cNvPicPr>
-            <a:picLocks noGrp="1" noChangeAspect="1"/>
-          </p:cNvPicPr>
-          <p:nvPr>
-            <p:ph idx="1"/>
-          </p:nvPr>
-        </p:nvPicPr>
-        <p:blipFill>
-          <a:blip r:embed="rId3">
-            <a:extLst>
-              <a:ext uri="{28A0092B-C50C-407E-A947-70E740481C1C}">
-                <a14:useLocalDpi xmlns:a14="http://schemas.microsoft.com/office/drawing/2010/main" val="0"/>
-              </a:ext>
-            </a:extLst>
-          </a:blip>
-          <a:stretch>
-            <a:fillRect/>
-          </a:stretch>
-        </p:blipFill>
-        <p:spPr>
-          <a:xfrm>
-            <a:off x="3859189" y="1964443"/>
-            <a:ext cx="7692731" cy="1299526"/>
-          </a:xfrm>
-          <a:prstGeom prst="rect">
-            <a:avLst/>
-          </a:prstGeom>
-        </p:spPr>
-      </p:pic>
-      <p:sp>
-        <p:nvSpPr>
-          <p:cNvPr id="2" name="Title 1"/>
-          <p:cNvSpPr>
-            <a:spLocks noGrp="1"/>
-          </p:cNvSpPr>
-          <p:nvPr>
-            <p:ph type="title"/>
-          </p:nvPr>
-        </p:nvSpPr>
-        <p:spPr>
-          <a:xfrm>
-            <a:off x="4089399" y="4078424"/>
-            <a:ext cx="7413623" cy="1155427"/>
-          </a:xfrm>
-        </p:spPr>
-        <p:txBody>
-          <a:bodyPr vert="horz" lIns="91440" tIns="45720" rIns="91440" bIns="45720" rtlCol="0" anchor="b">
-            <a:normAutofit/>
-          </a:bodyPr>
-          <a:lstStyle/>
-          <a:p>
-            <a:pPr algn="r">
-              <a:lnSpc>
-                <a:spcPct val="80000"/>
-              </a:lnSpc>
-            </a:pPr>
-            <a:r>
-              <a:rPr lang="en-US" sz="4200" b="1" dirty="0"/>
-              <a:t>Treating </a:t>
-            </a:r>
-            <a:r>
-              <a:rPr lang="en-US" sz="4200" b="1" dirty="0" err="1"/>
-              <a:t>refcursor</a:t>
-            </a:r>
-            <a:r>
-              <a:rPr lang="en-US" sz="4200" b="1" dirty="0"/>
-              <a:t> as a cursor name</a:t>
-            </a:r>
-            <a:endParaRPr lang="en-US" sz="4200" dirty="0"/>
-          </a:p>
-        </p:txBody>
-      </p:sp>
-      <p:sp>
-        <p:nvSpPr>
-          <p:cNvPr id="3" name="Rectangle 2"/>
-          <p:cNvSpPr/>
-          <p:nvPr/>
-        </p:nvSpPr>
-        <p:spPr>
-          <a:xfrm>
-            <a:off x="3836790" y="804230"/>
-            <a:ext cx="7536060" cy="923330"/>
-          </a:xfrm>
-          <a:prstGeom prst="rect">
-            <a:avLst/>
-          </a:prstGeom>
-        </p:spPr>
-        <p:txBody>
-          <a:bodyPr wrap="square">
-            <a:spAutoFit/>
-          </a:bodyPr>
-          <a:lstStyle/>
-          <a:p>
-            <a:r>
-              <a:rPr lang="en-US" dirty="0"/>
-              <a:t>It is also possible to treat the </a:t>
-            </a:r>
-            <a:r>
-              <a:rPr lang="en-US" dirty="0" err="1"/>
-              <a:t>refcursor</a:t>
-            </a:r>
-            <a:r>
-              <a:rPr lang="en-US" dirty="0"/>
-              <a:t> return value as a cursor name directly. To do this, use the </a:t>
-            </a:r>
-            <a:r>
-              <a:rPr lang="en-US" dirty="0" err="1"/>
-              <a:t>getString</a:t>
-            </a:r>
-            <a:r>
-              <a:rPr lang="en-US" dirty="0"/>
-              <a:t> of </a:t>
-            </a:r>
-            <a:r>
-              <a:rPr lang="en-US" dirty="0" err="1"/>
-              <a:t>ResultSet</a:t>
-            </a:r>
-            <a:r>
-              <a:rPr lang="en-US" dirty="0"/>
-              <a:t>. With the underlying cursor name, you are free to directly use cursor commands on it, such as FETCH and MOVE.</a:t>
-            </a:r>
-          </a:p>
-        </p:txBody>
-      </p:sp>
-    </p:spTree>
-    <p:extLst>
-      <p:ext uri="{BB962C8B-B14F-4D97-AF65-F5344CB8AC3E}">
-        <p14:creationId xmlns:p14="http://schemas.microsoft.com/office/powerpoint/2010/main" val="3437604945"/>
-      </p:ext>
-    </p:extLst>
-  </p:cSld>
-  <p:clrMapOvr>
-    <a:masterClrMapping/>
-  </p:clrMapOvr>
-</p:sld>
-</file>
-
-<file path=ppt/slides/slide8.xml><?xml version="1.0" encoding="utf-8"?>
+<file path=ppt/slides/slide10.xml><?xml version="1.0" encoding="utf-8"?>
 <p:sld xmlns:a="http://schemas.openxmlformats.org/drawingml/2006/main" xmlns:r="http://schemas.openxmlformats.org/officeDocument/2006/relationships" xmlns:p="http://schemas.openxmlformats.org/presentationml/2006/main">
   <p:cSld>
     <p:spTree>
@@ -14754,6 +10593,4369 @@
   </p:cSld>
   <p:clrMapOvr>
     <a:overrideClrMapping bg1="dk1" tx1="lt1" bg2="dk2" tx2="lt2" accent1="accent1" accent2="accent2" accent3="accent3" accent4="accent4" accent5="accent5" accent6="accent6" hlink="hlink" folHlink="folHlink"/>
+  </p:clrMapOvr>
+</p:sld>
+</file>
+
+<file path=ppt/slides/slide2.xml><?xml version="1.0" encoding="utf-8"?>
+<p:sld xmlns:a="http://schemas.openxmlformats.org/drawingml/2006/main" xmlns:r="http://schemas.openxmlformats.org/officeDocument/2006/relationships" xmlns:p="http://schemas.openxmlformats.org/presentationml/2006/main">
+  <p:cSld>
+    <p:spTree>
+      <p:nvGrpSpPr>
+        <p:cNvPr id="1" name=""/>
+        <p:cNvGrpSpPr/>
+        <p:nvPr/>
+      </p:nvGrpSpPr>
+      <p:grpSpPr>
+        <a:xfrm>
+          <a:off x="0" y="0"/>
+          <a:ext cx="0" cy="0"/>
+          <a:chOff x="0" y="0"/>
+          <a:chExt cx="0" cy="0"/>
+        </a:xfrm>
+      </p:grpSpPr>
+      <p:sp>
+        <p:nvSpPr>
+          <p:cNvPr id="2" name="Title 1"/>
+          <p:cNvSpPr>
+            <a:spLocks noGrp="1"/>
+          </p:cNvSpPr>
+          <p:nvPr>
+            <p:ph type="title"/>
+          </p:nvPr>
+        </p:nvSpPr>
+        <p:spPr/>
+        <p:txBody>
+          <a:bodyPr/>
+          <a:lstStyle/>
+          <a:p>
+            <a:r>
+              <a:rPr lang="en-US" dirty="0"/>
+              <a:t>What is a Stored Function in SQL?</a:t>
+            </a:r>
+          </a:p>
+        </p:txBody>
+      </p:sp>
+      <p:sp>
+        <p:nvSpPr>
+          <p:cNvPr id="3" name="Content Placeholder 2"/>
+          <p:cNvSpPr>
+            <a:spLocks noGrp="1"/>
+          </p:cNvSpPr>
+          <p:nvPr>
+            <p:ph idx="1"/>
+          </p:nvPr>
+        </p:nvSpPr>
+        <p:spPr/>
+        <p:txBody>
+          <a:bodyPr/>
+          <a:lstStyle/>
+          <a:p>
+            <a:r>
+              <a:rPr lang="en-US" dirty="0"/>
+              <a:t>A </a:t>
+            </a:r>
+            <a:r>
+              <a:rPr lang="en-US" b="1" dirty="0"/>
+              <a:t>stored function</a:t>
+            </a:r>
+            <a:r>
+              <a:rPr lang="en-US" dirty="0"/>
+              <a:t> (also called a </a:t>
+            </a:r>
+            <a:r>
+              <a:rPr lang="en-US" b="1" dirty="0"/>
+              <a:t>user function</a:t>
+            </a:r>
+            <a:r>
+              <a:rPr lang="en-US" dirty="0"/>
+              <a:t> or </a:t>
+            </a:r>
+            <a:r>
+              <a:rPr lang="en-US" b="1" dirty="0"/>
+              <a:t>user-defined function</a:t>
+            </a:r>
+            <a:r>
+              <a:rPr lang="en-US" dirty="0"/>
+              <a:t>) is a set of PL/SQL statements you can call by name. Stored functions are very similar to procedures, except that a function returns a value to the environment in which it is called. User functions can be used as part of a SQL expression.</a:t>
+            </a:r>
+          </a:p>
+        </p:txBody>
+      </p:sp>
+    </p:spTree>
+    <p:extLst>
+      <p:ext uri="{BB962C8B-B14F-4D97-AF65-F5344CB8AC3E}">
+        <p14:creationId xmlns:p14="http://schemas.microsoft.com/office/powerpoint/2010/main" val="3787848212"/>
+      </p:ext>
+    </p:extLst>
+  </p:cSld>
+  <p:clrMapOvr>
+    <a:masterClrMapping/>
+  </p:clrMapOvr>
+</p:sld>
+</file>
+
+<file path=ppt/slides/slide3.xml><?xml version="1.0" encoding="utf-8"?>
+<p:sld xmlns:a="http://schemas.openxmlformats.org/drawingml/2006/main" xmlns:r="http://schemas.openxmlformats.org/officeDocument/2006/relationships" xmlns:p="http://schemas.openxmlformats.org/presentationml/2006/main">
+  <p:cSld>
+    <p:spTree>
+      <p:nvGrpSpPr>
+        <p:cNvPr id="1" name=""/>
+        <p:cNvGrpSpPr/>
+        <p:nvPr/>
+      </p:nvGrpSpPr>
+      <p:grpSpPr>
+        <a:xfrm>
+          <a:off x="0" y="0"/>
+          <a:ext cx="0" cy="0"/>
+          <a:chOff x="0" y="0"/>
+          <a:chExt cx="0" cy="0"/>
+        </a:xfrm>
+      </p:grpSpPr>
+      <p:sp>
+        <p:nvSpPr>
+          <p:cNvPr id="2" name="Title 1"/>
+          <p:cNvSpPr>
+            <a:spLocks noGrp="1"/>
+          </p:cNvSpPr>
+          <p:nvPr>
+            <p:ph type="title"/>
+          </p:nvPr>
+        </p:nvSpPr>
+        <p:spPr/>
+        <p:txBody>
+          <a:bodyPr/>
+          <a:lstStyle/>
+          <a:p>
+            <a:r>
+              <a:rPr lang="en-US" dirty="0"/>
+              <a:t>What is a Callable Statement</a:t>
+            </a:r>
+          </a:p>
+        </p:txBody>
+      </p:sp>
+      <p:sp>
+        <p:nvSpPr>
+          <p:cNvPr id="3" name="Content Placeholder 2"/>
+          <p:cNvSpPr>
+            <a:spLocks noGrp="1"/>
+          </p:cNvSpPr>
+          <p:nvPr>
+            <p:ph idx="1"/>
+          </p:nvPr>
+        </p:nvSpPr>
+        <p:spPr/>
+        <p:txBody>
+          <a:bodyPr/>
+          <a:lstStyle/>
+          <a:p>
+            <a:r>
+              <a:rPr lang="en-US" dirty="0"/>
+              <a:t>It is a interface used to execute SQL stored procedures or functions. The JDBC API provides a stored procedure or function SQL escape syntax that allows stored procedures or function to be called in a standard way for all RDBMSs.</a:t>
+            </a:r>
+          </a:p>
+        </p:txBody>
+      </p:sp>
+    </p:spTree>
+    <p:extLst>
+      <p:ext uri="{BB962C8B-B14F-4D97-AF65-F5344CB8AC3E}">
+        <p14:creationId xmlns:p14="http://schemas.microsoft.com/office/powerpoint/2010/main" val="3117991308"/>
+      </p:ext>
+    </p:extLst>
+  </p:cSld>
+  <p:clrMapOvr>
+    <a:masterClrMapping/>
+  </p:clrMapOvr>
+</p:sld>
+</file>
+
+<file path=ppt/slides/slide4.xml><?xml version="1.0" encoding="utf-8"?>
+<p:sld xmlns:a="http://schemas.openxmlformats.org/drawingml/2006/main" xmlns:r="http://schemas.openxmlformats.org/officeDocument/2006/relationships" xmlns:p="http://schemas.openxmlformats.org/presentationml/2006/main">
+  <p:cSld>
+    <p:spTree>
+      <p:nvGrpSpPr>
+        <p:cNvPr id="1" name=""/>
+        <p:cNvGrpSpPr/>
+        <p:nvPr/>
+      </p:nvGrpSpPr>
+      <p:grpSpPr>
+        <a:xfrm>
+          <a:off x="0" y="0"/>
+          <a:ext cx="0" cy="0"/>
+          <a:chOff x="0" y="0"/>
+          <a:chExt cx="0" cy="0"/>
+        </a:xfrm>
+      </p:grpSpPr>
+      <p:sp useBgFill="1">
+        <p:nvSpPr>
+          <p:cNvPr id="10" name="Rectangle 9"/>
+          <p:cNvSpPr>
+            <a:spLocks noGrp="1" noRot="1" noChangeAspect="1" noMove="1" noResize="1" noEditPoints="1" noAdjustHandles="1" noChangeArrowheads="1" noChangeShapeType="1" noTextEdit="1"/>
+          </p:cNvSpPr>
+          <p:nvPr>
+            <p:extLst>
+              <p:ext uri="{386F3935-93C4-4BCD-93E2-E3B085C9AB24}">
+                <p16:designElem xmlns:p16="http://schemas.microsoft.com/office/powerpoint/2015/main" val="1"/>
+              </p:ext>
+            </p:extLst>
+          </p:nvPr>
+        </p:nvSpPr>
+        <p:spPr>
+          <a:xfrm>
+            <a:off x="0" y="0"/>
+            <a:ext cx="12192000" cy="6858000"/>
+          </a:xfrm>
+          <a:prstGeom prst="rect">
+            <a:avLst/>
+          </a:prstGeom>
+          <a:ln>
+            <a:noFill/>
+          </a:ln>
+        </p:spPr>
+        <p:style>
+          <a:lnRef idx="2">
+            <a:schemeClr val="accent1">
+              <a:shade val="50000"/>
+            </a:schemeClr>
+          </a:lnRef>
+          <a:fillRef idx="1">
+            <a:schemeClr val="accent1"/>
+          </a:fillRef>
+          <a:effectRef idx="0">
+            <a:schemeClr val="accent1"/>
+          </a:effectRef>
+          <a:fontRef idx="minor">
+            <a:schemeClr val="lt1"/>
+          </a:fontRef>
+        </p:style>
+        <p:txBody>
+          <a:bodyPr rtlCol="0" anchor="ctr"/>
+          <a:lstStyle/>
+          <a:p>
+            <a:pPr algn="ctr"/>
+            <a:endParaRPr lang="en-US"/>
+          </a:p>
+        </p:txBody>
+      </p:sp>
+      <p:sp>
+        <p:nvSpPr>
+          <p:cNvPr id="12" name="Freeform: Shape 11"/>
+          <p:cNvSpPr>
+            <a:spLocks noGrp="1" noRot="1" noChangeAspect="1" noMove="1" noResize="1" noEditPoints="1" noAdjustHandles="1" noChangeArrowheads="1" noChangeShapeType="1" noTextEdit="1"/>
+          </p:cNvSpPr>
+          <p:nvPr>
+            <p:extLst>
+              <p:ext uri="{386F3935-93C4-4BCD-93E2-E3B085C9AB24}">
+                <p16:designElem xmlns:p16="http://schemas.microsoft.com/office/powerpoint/2015/main" val="1"/>
+              </p:ext>
+            </p:extLst>
+          </p:nvPr>
+        </p:nvSpPr>
+        <p:spPr>
+          <a:xfrm flipV="1">
+            <a:off x="-1" y="-1"/>
+            <a:ext cx="4403709" cy="6858001"/>
+          </a:xfrm>
+          <a:custGeom>
+            <a:avLst/>
+            <a:gdLst>
+              <a:gd name="connsiteX0" fmla="*/ 3223890 w 4403709"/>
+              <a:gd name="connsiteY0" fmla="*/ 6858001 h 6858001"/>
+              <a:gd name="connsiteX1" fmla="*/ 4101908 w 4403709"/>
+              <a:gd name="connsiteY1" fmla="*/ 6858001 h 6858001"/>
+              <a:gd name="connsiteX2" fmla="*/ 3254950 w 4403709"/>
+              <a:gd name="connsiteY2" fmla="*/ 1599356 h 6858001"/>
+              <a:gd name="connsiteX3" fmla="*/ 3254950 w 4403709"/>
+              <a:gd name="connsiteY3" fmla="*/ 1594062 h 6858001"/>
+              <a:gd name="connsiteX4" fmla="*/ 4403709 w 4403709"/>
+              <a:gd name="connsiteY4" fmla="*/ 0 h 6858001"/>
+              <a:gd name="connsiteX5" fmla="*/ 3254950 w 4403709"/>
+              <a:gd name="connsiteY5" fmla="*/ 0 h 6858001"/>
+              <a:gd name="connsiteX6" fmla="*/ 2903520 w 4403709"/>
+              <a:gd name="connsiteY6" fmla="*/ 0 h 6858001"/>
+              <a:gd name="connsiteX7" fmla="*/ 0 w 4403709"/>
+              <a:gd name="connsiteY7" fmla="*/ 0 h 6858001"/>
+              <a:gd name="connsiteX8" fmla="*/ 0 w 4403709"/>
+              <a:gd name="connsiteY8" fmla="*/ 6858000 h 6858001"/>
+              <a:gd name="connsiteX9" fmla="*/ 3223890 w 4403709"/>
+              <a:gd name="connsiteY9" fmla="*/ 6858000 h 6858001"/>
+            </a:gdLst>
+            <a:ahLst/>
+            <a:cxnLst>
+              <a:cxn ang="0">
+                <a:pos x="connsiteX0" y="connsiteY0"/>
+              </a:cxn>
+              <a:cxn ang="0">
+                <a:pos x="connsiteX1" y="connsiteY1"/>
+              </a:cxn>
+              <a:cxn ang="0">
+                <a:pos x="connsiteX2" y="connsiteY2"/>
+              </a:cxn>
+              <a:cxn ang="0">
+                <a:pos x="connsiteX3" y="connsiteY3"/>
+              </a:cxn>
+              <a:cxn ang="0">
+                <a:pos x="connsiteX4" y="connsiteY4"/>
+              </a:cxn>
+              <a:cxn ang="0">
+                <a:pos x="connsiteX5" y="connsiteY5"/>
+              </a:cxn>
+              <a:cxn ang="0">
+                <a:pos x="connsiteX6" y="connsiteY6"/>
+              </a:cxn>
+              <a:cxn ang="0">
+                <a:pos x="connsiteX7" y="connsiteY7"/>
+              </a:cxn>
+              <a:cxn ang="0">
+                <a:pos x="connsiteX8" y="connsiteY8"/>
+              </a:cxn>
+              <a:cxn ang="0">
+                <a:pos x="connsiteX9" y="connsiteY9"/>
+              </a:cxn>
+            </a:cxnLst>
+            <a:rect l="l" t="t" r="r" b="b"/>
+            <a:pathLst>
+              <a:path w="4403709" h="6858001">
+                <a:moveTo>
+                  <a:pt x="3223890" y="6858001"/>
+                </a:moveTo>
+                <a:lnTo>
+                  <a:pt x="4101908" y="6858001"/>
+                </a:lnTo>
+                <a:lnTo>
+                  <a:pt x="3254950" y="1599356"/>
+                </a:lnTo>
+                <a:lnTo>
+                  <a:pt x="3254950" y="1594062"/>
+                </a:lnTo>
+                <a:lnTo>
+                  <a:pt x="4403709" y="0"/>
+                </a:lnTo>
+                <a:lnTo>
+                  <a:pt x="3254950" y="0"/>
+                </a:lnTo>
+                <a:lnTo>
+                  <a:pt x="2903520" y="0"/>
+                </a:lnTo>
+                <a:lnTo>
+                  <a:pt x="0" y="0"/>
+                </a:lnTo>
+                <a:lnTo>
+                  <a:pt x="0" y="6858000"/>
+                </a:lnTo>
+                <a:lnTo>
+                  <a:pt x="3223890" y="6858000"/>
+                </a:lnTo>
+                <a:close/>
+              </a:path>
+            </a:pathLst>
+          </a:custGeom>
+          <a:ln>
+            <a:noFill/>
+          </a:ln>
+        </p:spPr>
+        <p:style>
+          <a:lnRef idx="2">
+            <a:schemeClr val="accent1">
+              <a:shade val="50000"/>
+            </a:schemeClr>
+          </a:lnRef>
+          <a:fillRef idx="1002">
+            <a:schemeClr val="dk1"/>
+          </a:fillRef>
+          <a:effectRef idx="0">
+            <a:schemeClr val="accent1"/>
+          </a:effectRef>
+          <a:fontRef idx="minor">
+            <a:schemeClr val="lt1"/>
+          </a:fontRef>
+        </p:style>
+        <p:txBody>
+          <a:bodyPr rtlCol="0" anchor="ctr"/>
+          <a:lstStyle/>
+          <a:p>
+            <a:pPr algn="ctr"/>
+            <a:endParaRPr lang="en-US">
+              <a:solidFill>
+                <a:schemeClr val="tx1"/>
+              </a:solidFill>
+            </a:endParaRPr>
+          </a:p>
+        </p:txBody>
+      </p:sp>
+      <p:grpSp>
+        <p:nvGrpSpPr>
+          <p:cNvPr id="14" name="Group 13"/>
+          <p:cNvGrpSpPr>
+            <a:grpSpLocks noGrp="1" noUngrp="1" noRot="1" noChangeAspect="1" noMove="1" noResize="1"/>
+          </p:cNvGrpSpPr>
+          <p:nvPr>
+            <p:extLst>
+              <p:ext uri="{386F3935-93C4-4BCD-93E2-E3B085C9AB24}">
+                <p16:designElem xmlns:p16="http://schemas.microsoft.com/office/powerpoint/2015/main" val="1"/>
+              </p:ext>
+            </p:extLst>
+          </p:nvPr>
+        </p:nvGrpSpPr>
+        <p:grpSpPr>
+          <a:xfrm>
+            <a:off x="3315292" y="0"/>
+            <a:ext cx="2436813" cy="6858001"/>
+            <a:chOff x="1320800" y="0"/>
+            <a:chExt cx="2436813" cy="6858001"/>
+          </a:xfrm>
+        </p:grpSpPr>
+        <p:sp>
+          <p:nvSpPr>
+            <p:cNvPr id="15" name="Freeform 6"/>
+            <p:cNvSpPr/>
+            <p:nvPr>
+              <p:extLst>
+                <p:ext uri="{386F3935-93C4-4BCD-93E2-E3B085C9AB24}">
+                  <p16:designElem xmlns:p16="http://schemas.microsoft.com/office/powerpoint/2015/main" val="1"/>
+                </p:ext>
+              </p:extLst>
+            </p:nvPr>
+          </p:nvSpPr>
+          <p:spPr bwMode="auto">
+            <a:xfrm>
+              <a:off x="1627188" y="0"/>
+              <a:ext cx="1122363" cy="5329238"/>
+            </a:xfrm>
+            <a:custGeom>
+              <a:avLst/>
+              <a:gdLst/>
+              <a:ahLst/>
+              <a:cxnLst/>
+              <a:rect l="0" t="0" r="r" b="b"/>
+              <a:pathLst>
+                <a:path w="707" h="3357">
+                  <a:moveTo>
+                    <a:pt x="0" y="3330"/>
+                  </a:moveTo>
+                  <a:lnTo>
+                    <a:pt x="156" y="3357"/>
+                  </a:lnTo>
+                  <a:lnTo>
+                    <a:pt x="707" y="0"/>
+                  </a:lnTo>
+                  <a:lnTo>
+                    <a:pt x="547" y="0"/>
+                  </a:lnTo>
+                  <a:lnTo>
+                    <a:pt x="0" y="3330"/>
+                  </a:lnTo>
+                  <a:close/>
+                </a:path>
+              </a:pathLst>
+            </a:custGeom>
+            <a:solidFill>
+              <a:schemeClr val="accent1"/>
+            </a:solidFill>
+            <a:ln>
+              <a:noFill/>
+            </a:ln>
+          </p:spPr>
+        </p:sp>
+        <p:sp>
+          <p:nvSpPr>
+            <p:cNvPr id="16" name="Freeform 7"/>
+            <p:cNvSpPr/>
+            <p:nvPr>
+              <p:extLst>
+                <p:ext uri="{386F3935-93C4-4BCD-93E2-E3B085C9AB24}">
+                  <p16:designElem xmlns:p16="http://schemas.microsoft.com/office/powerpoint/2015/main" val="1"/>
+                </p:ext>
+              </p:extLst>
+            </p:nvPr>
+          </p:nvSpPr>
+          <p:spPr bwMode="auto">
+            <a:xfrm>
+              <a:off x="1320800" y="0"/>
+              <a:ext cx="1117600" cy="5276850"/>
+            </a:xfrm>
+            <a:custGeom>
+              <a:avLst/>
+              <a:gdLst/>
+              <a:ahLst/>
+              <a:cxnLst/>
+              <a:rect l="0" t="0" r="r" b="b"/>
+              <a:pathLst>
+                <a:path w="704" h="3324">
+                  <a:moveTo>
+                    <a:pt x="704" y="0"/>
+                  </a:moveTo>
+                  <a:lnTo>
+                    <a:pt x="545" y="0"/>
+                  </a:lnTo>
+                  <a:lnTo>
+                    <a:pt x="0" y="3300"/>
+                  </a:lnTo>
+                  <a:lnTo>
+                    <a:pt x="157" y="3324"/>
+                  </a:lnTo>
+                  <a:lnTo>
+                    <a:pt x="704" y="0"/>
+                  </a:lnTo>
+                  <a:close/>
+                </a:path>
+              </a:pathLst>
+            </a:custGeom>
+            <a:solidFill>
+              <a:schemeClr val="tx1">
+                <a:lumMod val="65000"/>
+                <a:lumOff val="35000"/>
+              </a:schemeClr>
+            </a:solidFill>
+            <a:ln>
+              <a:noFill/>
+            </a:ln>
+          </p:spPr>
+        </p:sp>
+        <p:sp>
+          <p:nvSpPr>
+            <p:cNvPr id="17" name="Freeform 8"/>
+            <p:cNvSpPr/>
+            <p:nvPr>
+              <p:extLst>
+                <p:ext uri="{386F3935-93C4-4BCD-93E2-E3B085C9AB24}">
+                  <p16:designElem xmlns:p16="http://schemas.microsoft.com/office/powerpoint/2015/main" val="1"/>
+                </p:ext>
+              </p:extLst>
+            </p:nvPr>
+          </p:nvSpPr>
+          <p:spPr bwMode="auto">
+            <a:xfrm>
+              <a:off x="1320800" y="5238750"/>
+              <a:ext cx="1228725" cy="1619250"/>
+            </a:xfrm>
+            <a:custGeom>
+              <a:avLst/>
+              <a:gdLst/>
+              <a:ahLst/>
+              <a:cxnLst/>
+              <a:rect l="0" t="0" r="r" b="b"/>
+              <a:pathLst>
+                <a:path w="774" h="1020">
+                  <a:moveTo>
+                    <a:pt x="0" y="0"/>
+                  </a:moveTo>
+                  <a:lnTo>
+                    <a:pt x="740" y="1020"/>
+                  </a:lnTo>
+                  <a:lnTo>
+                    <a:pt x="774" y="1020"/>
+                  </a:lnTo>
+                  <a:lnTo>
+                    <a:pt x="0" y="0"/>
+                  </a:lnTo>
+                  <a:close/>
+                </a:path>
+              </a:pathLst>
+            </a:custGeom>
+            <a:solidFill>
+              <a:schemeClr val="tx1">
+                <a:lumMod val="85000"/>
+                <a:lumOff val="15000"/>
+              </a:schemeClr>
+            </a:solidFill>
+            <a:ln>
+              <a:noFill/>
+            </a:ln>
+          </p:spPr>
+        </p:sp>
+        <p:sp>
+          <p:nvSpPr>
+            <p:cNvPr id="18" name="Freeform 9"/>
+            <p:cNvSpPr/>
+            <p:nvPr>
+              <p:extLst>
+                <p:ext uri="{386F3935-93C4-4BCD-93E2-E3B085C9AB24}">
+                  <p16:designElem xmlns:p16="http://schemas.microsoft.com/office/powerpoint/2015/main" val="1"/>
+                </p:ext>
+              </p:extLst>
+            </p:nvPr>
+          </p:nvSpPr>
+          <p:spPr bwMode="auto">
+            <a:xfrm>
+              <a:off x="1627188" y="5291138"/>
+              <a:ext cx="1495425" cy="1566863"/>
+            </a:xfrm>
+            <a:custGeom>
+              <a:avLst/>
+              <a:gdLst/>
+              <a:ahLst/>
+              <a:cxnLst/>
+              <a:rect l="0" t="0" r="r" b="b"/>
+              <a:pathLst>
+                <a:path w="942" h="987">
+                  <a:moveTo>
+                    <a:pt x="0" y="0"/>
+                  </a:moveTo>
+                  <a:lnTo>
+                    <a:pt x="909" y="987"/>
+                  </a:lnTo>
+                  <a:lnTo>
+                    <a:pt x="942" y="987"/>
+                  </a:lnTo>
+                  <a:lnTo>
+                    <a:pt x="0" y="0"/>
+                  </a:lnTo>
+                  <a:close/>
+                </a:path>
+              </a:pathLst>
+            </a:custGeom>
+            <a:solidFill>
+              <a:schemeClr val="accent1">
+                <a:lumMod val="50000"/>
+              </a:schemeClr>
+            </a:solidFill>
+            <a:ln>
+              <a:noFill/>
+            </a:ln>
+          </p:spPr>
+        </p:sp>
+        <p:sp>
+          <p:nvSpPr>
+            <p:cNvPr id="19" name="Freeform 10"/>
+            <p:cNvSpPr/>
+            <p:nvPr>
+              <p:extLst>
+                <p:ext uri="{386F3935-93C4-4BCD-93E2-E3B085C9AB24}">
+                  <p16:designElem xmlns:p16="http://schemas.microsoft.com/office/powerpoint/2015/main" val="1"/>
+                </p:ext>
+              </p:extLst>
+            </p:nvPr>
+          </p:nvSpPr>
+          <p:spPr bwMode="auto">
+            <a:xfrm>
+              <a:off x="1627188" y="5286375"/>
+              <a:ext cx="2130425" cy="1571625"/>
+            </a:xfrm>
+            <a:custGeom>
+              <a:avLst/>
+              <a:gdLst/>
+              <a:ahLst/>
+              <a:cxnLst/>
+              <a:rect l="0" t="0" r="r" b="b"/>
+              <a:pathLst>
+                <a:path w="1342" h="990">
+                  <a:moveTo>
+                    <a:pt x="0" y="3"/>
+                  </a:moveTo>
+                  <a:lnTo>
+                    <a:pt x="942" y="990"/>
+                  </a:lnTo>
+                  <a:lnTo>
+                    <a:pt x="1342" y="990"/>
+                  </a:lnTo>
+                  <a:lnTo>
+                    <a:pt x="156" y="27"/>
+                  </a:lnTo>
+                  <a:lnTo>
+                    <a:pt x="0" y="0"/>
+                  </a:lnTo>
+                  <a:lnTo>
+                    <a:pt x="0" y="3"/>
+                  </a:lnTo>
+                  <a:close/>
+                </a:path>
+              </a:pathLst>
+            </a:custGeom>
+            <a:solidFill>
+              <a:schemeClr val="accent1">
+                <a:lumMod val="75000"/>
+              </a:schemeClr>
+            </a:solidFill>
+            <a:ln>
+              <a:noFill/>
+            </a:ln>
+          </p:spPr>
+        </p:sp>
+        <p:sp>
+          <p:nvSpPr>
+            <p:cNvPr id="20" name="Freeform 11"/>
+            <p:cNvSpPr/>
+            <p:nvPr>
+              <p:extLst>
+                <p:ext uri="{386F3935-93C4-4BCD-93E2-E3B085C9AB24}">
+                  <p16:designElem xmlns:p16="http://schemas.microsoft.com/office/powerpoint/2015/main" val="1"/>
+                </p:ext>
+              </p:extLst>
+            </p:nvPr>
+          </p:nvSpPr>
+          <p:spPr bwMode="auto">
+            <a:xfrm>
+              <a:off x="1320800" y="5238750"/>
+              <a:ext cx="1695450" cy="1619250"/>
+            </a:xfrm>
+            <a:custGeom>
+              <a:avLst/>
+              <a:gdLst/>
+              <a:ahLst/>
+              <a:cxnLst/>
+              <a:rect l="0" t="0" r="r" b="b"/>
+              <a:pathLst>
+                <a:path w="1068" h="1020">
+                  <a:moveTo>
+                    <a:pt x="1068" y="1020"/>
+                  </a:moveTo>
+                  <a:lnTo>
+                    <a:pt x="184" y="60"/>
+                  </a:lnTo>
+                  <a:lnTo>
+                    <a:pt x="154" y="27"/>
+                  </a:lnTo>
+                  <a:lnTo>
+                    <a:pt x="157" y="27"/>
+                  </a:lnTo>
+                  <a:lnTo>
+                    <a:pt x="157" y="24"/>
+                  </a:lnTo>
+                  <a:lnTo>
+                    <a:pt x="154" y="24"/>
+                  </a:lnTo>
+                  <a:lnTo>
+                    <a:pt x="0" y="0"/>
+                  </a:lnTo>
+                  <a:lnTo>
+                    <a:pt x="0" y="0"/>
+                  </a:lnTo>
+                  <a:lnTo>
+                    <a:pt x="774" y="1020"/>
+                  </a:lnTo>
+                  <a:lnTo>
+                    <a:pt x="1068" y="1020"/>
+                  </a:lnTo>
+                  <a:close/>
+                </a:path>
+              </a:pathLst>
+            </a:custGeom>
+            <a:solidFill>
+              <a:schemeClr val="tx1">
+                <a:lumMod val="75000"/>
+                <a:lumOff val="25000"/>
+              </a:schemeClr>
+            </a:solidFill>
+            <a:ln>
+              <a:noFill/>
+            </a:ln>
+          </p:spPr>
+        </p:sp>
+      </p:grpSp>
+      <p:sp>
+        <p:nvSpPr>
+          <p:cNvPr id="2" name="Title 1"/>
+          <p:cNvSpPr>
+            <a:spLocks noGrp="1"/>
+          </p:cNvSpPr>
+          <p:nvPr>
+            <p:ph type="title"/>
+          </p:nvPr>
+        </p:nvSpPr>
+        <p:spPr>
+          <a:xfrm>
+            <a:off x="535021" y="685800"/>
+            <a:ext cx="2639962" cy="5105400"/>
+          </a:xfrm>
+        </p:spPr>
+        <p:txBody>
+          <a:bodyPr>
+            <a:normAutofit/>
+          </a:bodyPr>
+          <a:lstStyle/>
+          <a:p>
+            <a:r>
+              <a:rPr lang="en-US">
+                <a:solidFill>
+                  <a:srgbClr val="FFFFFF"/>
+                </a:solidFill>
+              </a:rPr>
+              <a:t>Five Steps Using Functions with Callable Statement</a:t>
+            </a:r>
+          </a:p>
+        </p:txBody>
+      </p:sp>
+      <p:graphicFrame>
+        <p:nvGraphicFramePr>
+          <p:cNvPr id="5" name="Content Placeholder 2"/>
+          <p:cNvGraphicFramePr>
+            <a:graphicFrameLocks noGrp="1"/>
+          </p:cNvGraphicFramePr>
+          <p:nvPr>
+            <p:ph idx="1"/>
+            <p:extLst>
+              <p:ext uri="{D42A27DB-BD31-4B8C-83A1-F6EECF244321}">
+                <p14:modId xmlns:p14="http://schemas.microsoft.com/office/powerpoint/2010/main" val="98400753"/>
+              </p:ext>
+            </p:extLst>
+          </p:nvPr>
+        </p:nvGraphicFramePr>
+        <p:xfrm>
+          <a:off x="5010150" y="685800"/>
+          <a:ext cx="6492875" cy="5105400"/>
+        </p:xfrm>
+        <a:graphic>
+          <a:graphicData uri="http://schemas.openxmlformats.org/drawingml/2006/diagram">
+            <dgm:relIds xmlns:dgm="http://schemas.openxmlformats.org/drawingml/2006/diagram" xmlns:r="http://schemas.openxmlformats.org/officeDocument/2006/relationships" r:dm="rId2" r:lo="rId3" r:qs="rId4" r:cs="rId5"/>
+          </a:graphicData>
+        </a:graphic>
+      </p:graphicFrame>
+    </p:spTree>
+    <p:extLst>
+      <p:ext uri="{BB962C8B-B14F-4D97-AF65-F5344CB8AC3E}">
+        <p14:creationId xmlns:p14="http://schemas.microsoft.com/office/powerpoint/2010/main" val="1660425921"/>
+      </p:ext>
+    </p:extLst>
+  </p:cSld>
+  <p:clrMapOvr>
+    <a:masterClrMapping/>
+  </p:clrMapOvr>
+</p:sld>
+</file>
+
+<file path=ppt/slides/slide5.xml><?xml version="1.0" encoding="utf-8"?>
+<p:sld xmlns:a="http://schemas.openxmlformats.org/drawingml/2006/main" xmlns:r="http://schemas.openxmlformats.org/officeDocument/2006/relationships" xmlns:p="http://schemas.openxmlformats.org/presentationml/2006/main">
+  <p:cSld>
+    <p:spTree>
+      <p:nvGrpSpPr>
+        <p:cNvPr id="1" name=""/>
+        <p:cNvGrpSpPr/>
+        <p:nvPr/>
+      </p:nvGrpSpPr>
+      <p:grpSpPr>
+        <a:xfrm>
+          <a:off x="0" y="0"/>
+          <a:ext cx="0" cy="0"/>
+          <a:chOff x="0" y="0"/>
+          <a:chExt cx="0" cy="0"/>
+        </a:xfrm>
+      </p:grpSpPr>
+      <p:sp>
+        <p:nvSpPr>
+          <p:cNvPr id="53" name="Rectangle 43"/>
+          <p:cNvSpPr>
+            <a:spLocks noGrp="1" noRot="1" noChangeAspect="1" noMove="1" noResize="1" noEditPoints="1" noAdjustHandles="1" noChangeArrowheads="1" noChangeShapeType="1" noTextEdit="1"/>
+          </p:cNvSpPr>
+          <p:nvPr>
+            <p:extLst>
+              <p:ext uri="{386F3935-93C4-4BCD-93E2-E3B085C9AB24}">
+                <p16:designElem xmlns:p16="http://schemas.microsoft.com/office/powerpoint/2015/main" val="1"/>
+              </p:ext>
+            </p:extLst>
+          </p:nvPr>
+        </p:nvSpPr>
+        <p:spPr bwMode="white">
+          <a:xfrm>
+            <a:off x="0" y="0"/>
+            <a:ext cx="12192000" cy="6858000"/>
+          </a:xfrm>
+          <a:prstGeom prst="rect">
+            <a:avLst/>
+          </a:prstGeom>
+          <a:blipFill rotWithShape="1">
+            <a:blip r:embed="rId2">
+              <a:duotone>
+                <a:schemeClr val="bg2">
+                  <a:shade val="76000"/>
+                  <a:satMod val="180000"/>
+                </a:schemeClr>
+                <a:schemeClr val="bg2">
+                  <a:tint val="80000"/>
+                  <a:satMod val="120000"/>
+                  <a:lumMod val="180000"/>
+                </a:schemeClr>
+              </a:duotone>
+            </a:blip>
+            <a:stretch/>
+          </a:blipFill>
+          <a:ln>
+            <a:noFill/>
+          </a:ln>
+          <a:effectLst/>
+        </p:spPr>
+      </p:sp>
+      <p:grpSp>
+        <p:nvGrpSpPr>
+          <p:cNvPr id="46" name="Group 45"/>
+          <p:cNvGrpSpPr>
+            <a:grpSpLocks noGrp="1" noUngrp="1" noRot="1" noChangeAspect="1" noMove="1" noResize="1"/>
+          </p:cNvGrpSpPr>
+          <p:nvPr>
+            <p:extLst>
+              <p:ext uri="{386F3935-93C4-4BCD-93E2-E3B085C9AB24}">
+                <p16:designElem xmlns:p16="http://schemas.microsoft.com/office/powerpoint/2015/main" val="1"/>
+              </p:ext>
+            </p:extLst>
+          </p:nvPr>
+        </p:nvGrpSpPr>
+        <p:grpSpPr>
+          <a:xfrm>
+            <a:off x="546100" y="-4763"/>
+            <a:ext cx="5014912" cy="6862763"/>
+            <a:chOff x="2928938" y="-4763"/>
+            <a:chExt cx="5014912" cy="6862763"/>
+          </a:xfrm>
+        </p:grpSpPr>
+        <p:sp>
+          <p:nvSpPr>
+            <p:cNvPr id="47" name="Freeform 6"/>
+            <p:cNvSpPr/>
+            <p:nvPr>
+              <p:extLst>
+                <p:ext uri="{386F3935-93C4-4BCD-93E2-E3B085C9AB24}">
+                  <p16:designElem xmlns:p16="http://schemas.microsoft.com/office/powerpoint/2015/main" val="1"/>
+                </p:ext>
+              </p:extLst>
+            </p:nvPr>
+          </p:nvSpPr>
+          <p:spPr bwMode="auto">
+            <a:xfrm>
+              <a:off x="3367088" y="-4763"/>
+              <a:ext cx="1063625" cy="2782888"/>
+            </a:xfrm>
+            <a:custGeom>
+              <a:avLst/>
+              <a:gdLst/>
+              <a:ahLst/>
+              <a:cxnLst/>
+              <a:rect l="0" t="0" r="r" b="b"/>
+              <a:pathLst>
+                <a:path w="670" h="1753">
+                  <a:moveTo>
+                    <a:pt x="0" y="1696"/>
+                  </a:moveTo>
+                  <a:lnTo>
+                    <a:pt x="225" y="1753"/>
+                  </a:lnTo>
+                  <a:lnTo>
+                    <a:pt x="670" y="0"/>
+                  </a:lnTo>
+                  <a:lnTo>
+                    <a:pt x="430" y="0"/>
+                  </a:lnTo>
+                  <a:lnTo>
+                    <a:pt x="0" y="1696"/>
+                  </a:lnTo>
+                  <a:close/>
+                </a:path>
+              </a:pathLst>
+            </a:custGeom>
+            <a:solidFill>
+              <a:schemeClr val="accent1"/>
+            </a:solidFill>
+            <a:ln>
+              <a:noFill/>
+            </a:ln>
+          </p:spPr>
+        </p:sp>
+        <p:sp>
+          <p:nvSpPr>
+            <p:cNvPr id="48" name="Freeform 7"/>
+            <p:cNvSpPr/>
+            <p:nvPr>
+              <p:extLst>
+                <p:ext uri="{386F3935-93C4-4BCD-93E2-E3B085C9AB24}">
+                  <p16:designElem xmlns:p16="http://schemas.microsoft.com/office/powerpoint/2015/main" val="1"/>
+                </p:ext>
+              </p:extLst>
+            </p:nvPr>
+          </p:nvSpPr>
+          <p:spPr bwMode="auto">
+            <a:xfrm>
+              <a:off x="2928938" y="-4763"/>
+              <a:ext cx="1035050" cy="2673350"/>
+            </a:xfrm>
+            <a:custGeom>
+              <a:avLst/>
+              <a:gdLst/>
+              <a:ahLst/>
+              <a:cxnLst/>
+              <a:rect l="0" t="0" r="r" b="b"/>
+              <a:pathLst>
+                <a:path w="652" h="1684">
+                  <a:moveTo>
+                    <a:pt x="225" y="1684"/>
+                  </a:moveTo>
+                  <a:lnTo>
+                    <a:pt x="652" y="0"/>
+                  </a:lnTo>
+                  <a:lnTo>
+                    <a:pt x="411" y="0"/>
+                  </a:lnTo>
+                  <a:lnTo>
+                    <a:pt x="0" y="1627"/>
+                  </a:lnTo>
+                  <a:lnTo>
+                    <a:pt x="219" y="1681"/>
+                  </a:lnTo>
+                  <a:lnTo>
+                    <a:pt x="225" y="1684"/>
+                  </a:lnTo>
+                  <a:close/>
+                </a:path>
+              </a:pathLst>
+            </a:custGeom>
+            <a:solidFill>
+              <a:schemeClr val="tx1">
+                <a:lumMod val="65000"/>
+                <a:lumOff val="35000"/>
+              </a:schemeClr>
+            </a:solidFill>
+            <a:ln>
+              <a:noFill/>
+            </a:ln>
+          </p:spPr>
+        </p:sp>
+        <p:sp>
+          <p:nvSpPr>
+            <p:cNvPr id="55" name="Freeform 9"/>
+            <p:cNvSpPr/>
+            <p:nvPr>
+              <p:extLst>
+                <p:ext uri="{386F3935-93C4-4BCD-93E2-E3B085C9AB24}">
+                  <p16:designElem xmlns:p16="http://schemas.microsoft.com/office/powerpoint/2015/main" val="1"/>
+                </p:ext>
+              </p:extLst>
+            </p:nvPr>
+          </p:nvSpPr>
+          <p:spPr bwMode="auto">
+            <a:xfrm>
+              <a:off x="2928938" y="2582862"/>
+              <a:ext cx="2693987" cy="4275138"/>
+            </a:xfrm>
+            <a:custGeom>
+              <a:avLst/>
+              <a:gdLst/>
+              <a:ahLst/>
+              <a:cxnLst/>
+              <a:rect l="0" t="0" r="r" b="b"/>
+              <a:pathLst>
+                <a:path w="1697" h="2693">
+                  <a:moveTo>
+                    <a:pt x="0" y="0"/>
+                  </a:moveTo>
+                  <a:lnTo>
+                    <a:pt x="1622" y="2693"/>
+                  </a:lnTo>
+                  <a:lnTo>
+                    <a:pt x="1697" y="2693"/>
+                  </a:lnTo>
+                  <a:lnTo>
+                    <a:pt x="0" y="0"/>
+                  </a:lnTo>
+                  <a:close/>
+                </a:path>
+              </a:pathLst>
+            </a:custGeom>
+            <a:solidFill>
+              <a:schemeClr val="tx1">
+                <a:lumMod val="85000"/>
+                <a:lumOff val="15000"/>
+              </a:schemeClr>
+            </a:solidFill>
+            <a:ln>
+              <a:noFill/>
+            </a:ln>
+          </p:spPr>
+        </p:sp>
+        <p:sp>
+          <p:nvSpPr>
+            <p:cNvPr id="50" name="Freeform 10"/>
+            <p:cNvSpPr/>
+            <p:nvPr>
+              <p:extLst>
+                <p:ext uri="{386F3935-93C4-4BCD-93E2-E3B085C9AB24}">
+                  <p16:designElem xmlns:p16="http://schemas.microsoft.com/office/powerpoint/2015/main" val="1"/>
+                </p:ext>
+              </p:extLst>
+            </p:nvPr>
+          </p:nvSpPr>
+          <p:spPr bwMode="auto">
+            <a:xfrm>
+              <a:off x="3371850" y="2692400"/>
+              <a:ext cx="3332162" cy="4165600"/>
+            </a:xfrm>
+            <a:custGeom>
+              <a:avLst/>
+              <a:gdLst/>
+              <a:ahLst/>
+              <a:cxnLst/>
+              <a:rect l="0" t="0" r="r" b="b"/>
+              <a:pathLst>
+                <a:path w="2099" h="2624">
+                  <a:moveTo>
+                    <a:pt x="2099" y="2624"/>
+                  </a:moveTo>
+                  <a:lnTo>
+                    <a:pt x="0" y="0"/>
+                  </a:lnTo>
+                  <a:lnTo>
+                    <a:pt x="2021" y="2624"/>
+                  </a:lnTo>
+                  <a:lnTo>
+                    <a:pt x="2099" y="2624"/>
+                  </a:lnTo>
+                  <a:close/>
+                </a:path>
+              </a:pathLst>
+            </a:custGeom>
+            <a:solidFill>
+              <a:schemeClr val="accent1">
+                <a:lumMod val="50000"/>
+              </a:schemeClr>
+            </a:solidFill>
+            <a:ln>
+              <a:noFill/>
+            </a:ln>
+          </p:spPr>
+        </p:sp>
+        <p:sp>
+          <p:nvSpPr>
+            <p:cNvPr id="51" name="Freeform 11"/>
+            <p:cNvSpPr/>
+            <p:nvPr>
+              <p:extLst>
+                <p:ext uri="{386F3935-93C4-4BCD-93E2-E3B085C9AB24}">
+                  <p16:designElem xmlns:p16="http://schemas.microsoft.com/office/powerpoint/2015/main" val="1"/>
+                </p:ext>
+              </p:extLst>
+            </p:nvPr>
+          </p:nvSpPr>
+          <p:spPr bwMode="auto">
+            <a:xfrm>
+              <a:off x="3367088" y="2687637"/>
+              <a:ext cx="4576762" cy="4170363"/>
+            </a:xfrm>
+            <a:custGeom>
+              <a:avLst/>
+              <a:gdLst/>
+              <a:ahLst/>
+              <a:cxnLst/>
+              <a:rect l="0" t="0" r="r" b="b"/>
+              <a:pathLst>
+                <a:path w="2883" h="2627">
+                  <a:moveTo>
+                    <a:pt x="0" y="0"/>
+                  </a:moveTo>
+                  <a:lnTo>
+                    <a:pt x="3" y="3"/>
+                  </a:lnTo>
+                  <a:lnTo>
+                    <a:pt x="2102" y="2627"/>
+                  </a:lnTo>
+                  <a:lnTo>
+                    <a:pt x="2883" y="2627"/>
+                  </a:lnTo>
+                  <a:lnTo>
+                    <a:pt x="225" y="57"/>
+                  </a:lnTo>
+                  <a:lnTo>
+                    <a:pt x="0" y="0"/>
+                  </a:lnTo>
+                  <a:close/>
+                </a:path>
+              </a:pathLst>
+            </a:custGeom>
+            <a:solidFill>
+              <a:schemeClr val="accent1">
+                <a:lumMod val="75000"/>
+              </a:schemeClr>
+            </a:solidFill>
+            <a:ln>
+              <a:noFill/>
+            </a:ln>
+          </p:spPr>
+        </p:sp>
+        <p:sp>
+          <p:nvSpPr>
+            <p:cNvPr id="52" name="Freeform 12"/>
+            <p:cNvSpPr/>
+            <p:nvPr>
+              <p:extLst>
+                <p:ext uri="{386F3935-93C4-4BCD-93E2-E3B085C9AB24}">
+                  <p16:designElem xmlns:p16="http://schemas.microsoft.com/office/powerpoint/2015/main" val="1"/>
+                </p:ext>
+              </p:extLst>
+            </p:nvPr>
+          </p:nvSpPr>
+          <p:spPr bwMode="auto">
+            <a:xfrm>
+              <a:off x="2928938" y="2578100"/>
+              <a:ext cx="3584575" cy="4279900"/>
+            </a:xfrm>
+            <a:custGeom>
+              <a:avLst/>
+              <a:gdLst/>
+              <a:ahLst/>
+              <a:cxnLst/>
+              <a:rect l="0" t="0" r="r" b="b"/>
+              <a:pathLst>
+                <a:path w="2258" h="2696">
+                  <a:moveTo>
+                    <a:pt x="2258" y="2696"/>
+                  </a:moveTo>
+                  <a:lnTo>
+                    <a:pt x="264" y="111"/>
+                  </a:lnTo>
+                  <a:lnTo>
+                    <a:pt x="228" y="60"/>
+                  </a:lnTo>
+                  <a:lnTo>
+                    <a:pt x="225" y="57"/>
+                  </a:lnTo>
+                  <a:lnTo>
+                    <a:pt x="0" y="0"/>
+                  </a:lnTo>
+                  <a:lnTo>
+                    <a:pt x="0" y="3"/>
+                  </a:lnTo>
+                  <a:lnTo>
+                    <a:pt x="1697" y="2696"/>
+                  </a:lnTo>
+                  <a:lnTo>
+                    <a:pt x="2258" y="2696"/>
+                  </a:lnTo>
+                  <a:close/>
+                </a:path>
+              </a:pathLst>
+            </a:custGeom>
+            <a:solidFill>
+              <a:schemeClr val="tx1">
+                <a:lumMod val="75000"/>
+                <a:lumOff val="25000"/>
+              </a:schemeClr>
+            </a:solidFill>
+            <a:ln>
+              <a:noFill/>
+            </a:ln>
+          </p:spPr>
+        </p:sp>
+      </p:grpSp>
+      <p:sp>
+        <p:nvSpPr>
+          <p:cNvPr id="54" name="Rounded Rectangle 6"/>
+          <p:cNvSpPr>
+            <a:spLocks noGrp="1" noRot="1" noChangeAspect="1" noMove="1" noResize="1" noEditPoints="1" noAdjustHandles="1" noChangeArrowheads="1" noChangeShapeType="1" noTextEdit="1"/>
+          </p:cNvSpPr>
+          <p:nvPr>
+            <p:extLst>
+              <p:ext uri="{386F3935-93C4-4BCD-93E2-E3B085C9AB24}">
+                <p16:designElem xmlns:p16="http://schemas.microsoft.com/office/powerpoint/2015/main" val="1"/>
+              </p:ext>
+            </p:extLst>
+          </p:nvPr>
+        </p:nvSpPr>
+        <p:spPr>
+          <a:xfrm>
+            <a:off x="3718560" y="609600"/>
+            <a:ext cx="7833360" cy="3633216"/>
+          </a:xfrm>
+          <a:prstGeom prst="roundRect">
+            <a:avLst>
+              <a:gd name="adj" fmla="val 4834"/>
+            </a:avLst>
+          </a:prstGeom>
+          <a:solidFill>
+            <a:schemeClr val="bg1"/>
+          </a:solidFill>
+          <a:ln w="38100">
+            <a:gradFill flip="none" rotWithShape="1">
+              <a:gsLst>
+                <a:gs pos="0">
+                  <a:schemeClr val="bg2"/>
+                </a:gs>
+                <a:gs pos="100000">
+                  <a:schemeClr val="bg2">
+                    <a:lumMod val="75000"/>
+                  </a:schemeClr>
+                </a:gs>
+              </a:gsLst>
+              <a:lin ang="5400000" scaled="0"/>
+              <a:tileRect/>
+            </a:gradFill>
+          </a:ln>
+          <a:effectLst>
+            <a:innerShdw blurRad="57150" dist="38100" dir="14460000">
+              <a:srgbClr val="000000">
+                <a:alpha val="70000"/>
+              </a:srgbClr>
+            </a:innerShdw>
+          </a:effectLst>
+        </p:spPr>
+        <p:style>
+          <a:lnRef idx="2">
+            <a:schemeClr val="accent1">
+              <a:shade val="50000"/>
+            </a:schemeClr>
+          </a:lnRef>
+          <a:fillRef idx="1">
+            <a:schemeClr val="accent1"/>
+          </a:fillRef>
+          <a:effectRef idx="0">
+            <a:schemeClr val="accent1"/>
+          </a:effectRef>
+          <a:fontRef idx="minor">
+            <a:schemeClr val="lt1"/>
+          </a:fontRef>
+        </p:style>
+        <p:txBody>
+          <a:bodyPr rtlCol="0" anchor="ctr"/>
+          <a:lstStyle/>
+          <a:p>
+            <a:pPr algn="ctr"/>
+            <a:endParaRPr lang="en-US"/>
+          </a:p>
+        </p:txBody>
+      </p:sp>
+      <p:pic>
+        <p:nvPicPr>
+          <p:cNvPr id="5" name="Content Placeholder 4"/>
+          <p:cNvPicPr>
+            <a:picLocks noGrp="1" noChangeAspect="1"/>
+          </p:cNvPicPr>
+          <p:nvPr>
+            <p:ph idx="1"/>
+          </p:nvPr>
+        </p:nvPicPr>
+        <p:blipFill rotWithShape="1">
+          <a:blip r:embed="rId3">
+            <a:extLst>
+              <a:ext uri="{28A0092B-C50C-407E-A947-70E740481C1C}">
+                <a14:useLocalDpi xmlns:a14="http://schemas.microsoft.com/office/drawing/2010/main" val="0"/>
+              </a:ext>
+            </a:extLst>
+          </a:blip>
+          <a:srcRect l="1" r="7482"/>
+          <a:stretch/>
+        </p:blipFill>
+        <p:spPr>
+          <a:xfrm>
+            <a:off x="3750046" y="1592648"/>
+            <a:ext cx="7702304" cy="1573213"/>
+          </a:xfrm>
+          <a:prstGeom prst="rect">
+            <a:avLst/>
+          </a:prstGeom>
+        </p:spPr>
+      </p:pic>
+      <p:sp>
+        <p:nvSpPr>
+          <p:cNvPr id="2" name="Title 1"/>
+          <p:cNvSpPr>
+            <a:spLocks noGrp="1"/>
+          </p:cNvSpPr>
+          <p:nvPr>
+            <p:ph type="title"/>
+          </p:nvPr>
+        </p:nvSpPr>
+        <p:spPr>
+          <a:xfrm>
+            <a:off x="4089399" y="4562856"/>
+            <a:ext cx="7413623" cy="898149"/>
+          </a:xfrm>
+        </p:spPr>
+        <p:txBody>
+          <a:bodyPr vert="horz" lIns="91440" tIns="45720" rIns="91440" bIns="45720" rtlCol="0" anchor="b">
+            <a:normAutofit/>
+          </a:bodyPr>
+          <a:lstStyle/>
+          <a:p>
+            <a:pPr algn="r">
+              <a:lnSpc>
+                <a:spcPct val="90000"/>
+              </a:lnSpc>
+            </a:pPr>
+            <a:r>
+              <a:rPr lang="en-US" sz="4100" b="1"/>
+              <a:t> Calling a built in stored function</a:t>
+            </a:r>
+            <a:endParaRPr lang="en-US" sz="4100"/>
+          </a:p>
+        </p:txBody>
+      </p:sp>
+      <p:sp>
+        <p:nvSpPr>
+          <p:cNvPr id="3" name="Rectangle 2"/>
+          <p:cNvSpPr/>
+          <p:nvPr/>
+        </p:nvSpPr>
+        <p:spPr>
+          <a:xfrm>
+            <a:off x="3750045" y="786568"/>
+            <a:ext cx="7548069" cy="369332"/>
+          </a:xfrm>
+          <a:prstGeom prst="rect">
+            <a:avLst/>
+          </a:prstGeom>
+        </p:spPr>
+        <p:txBody>
+          <a:bodyPr wrap="square">
+            <a:spAutoFit/>
+          </a:bodyPr>
+          <a:lstStyle/>
+          <a:p>
+            <a:r>
+              <a:rPr lang="en-US" dirty="0"/>
+              <a:t>Upper() function is simply converts the supplied string argument to uppercase</a:t>
+            </a:r>
+          </a:p>
+        </p:txBody>
+      </p:sp>
+    </p:spTree>
+    <p:extLst>
+      <p:ext uri="{BB962C8B-B14F-4D97-AF65-F5344CB8AC3E}">
+        <p14:creationId xmlns:p14="http://schemas.microsoft.com/office/powerpoint/2010/main" val="2063030630"/>
+      </p:ext>
+    </p:extLst>
+  </p:cSld>
+  <p:clrMapOvr>
+    <a:masterClrMapping/>
+  </p:clrMapOvr>
+</p:sld>
+</file>
+
+<file path=ppt/slides/slide6.xml><?xml version="1.0" encoding="utf-8"?>
+<p:sld xmlns:a="http://schemas.openxmlformats.org/drawingml/2006/main" xmlns:r="http://schemas.openxmlformats.org/officeDocument/2006/relationships" xmlns:p="http://schemas.openxmlformats.org/presentationml/2006/main">
+  <p:cSld>
+    <p:spTree>
+      <p:nvGrpSpPr>
+        <p:cNvPr id="1" name=""/>
+        <p:cNvGrpSpPr/>
+        <p:nvPr/>
+      </p:nvGrpSpPr>
+      <p:grpSpPr>
+        <a:xfrm>
+          <a:off x="0" y="0"/>
+          <a:ext cx="0" cy="0"/>
+          <a:chOff x="0" y="0"/>
+          <a:chExt cx="0" cy="0"/>
+        </a:xfrm>
+      </p:grpSpPr>
+      <p:sp useBgFill="1">
+        <p:nvSpPr>
+          <p:cNvPr id="27" name="Rectangle 26">
+            <a:extLst/>
+          </p:cNvPr>
+          <p:cNvSpPr>
+            <a:spLocks noGrp="1" noRot="1" noChangeAspect="1" noMove="1" noResize="1" noEditPoints="1" noAdjustHandles="1" noChangeArrowheads="1" noChangeShapeType="1" noTextEdit="1"/>
+          </p:cNvSpPr>
+          <p:nvPr>
+            <p:extLst>
+              <p:ext uri="{386F3935-93C4-4BCD-93E2-E3B085C9AB24}">
+                <p16:designElem xmlns:p16="http://schemas.microsoft.com/office/powerpoint/2015/main" val="1"/>
+              </p:ext>
+            </p:extLst>
+          </p:nvPr>
+        </p:nvSpPr>
+        <p:spPr>
+          <a:xfrm>
+            <a:off x="0" y="0"/>
+            <a:ext cx="12188824" cy="6858000"/>
+          </a:xfrm>
+          <a:prstGeom prst="rect">
+            <a:avLst/>
+          </a:prstGeom>
+          <a:ln>
+            <a:noFill/>
+          </a:ln>
+        </p:spPr>
+        <p:style>
+          <a:lnRef idx="2">
+            <a:schemeClr val="accent1">
+              <a:shade val="50000"/>
+            </a:schemeClr>
+          </a:lnRef>
+          <a:fillRef idx="1">
+            <a:schemeClr val="accent1"/>
+          </a:fillRef>
+          <a:effectRef idx="0">
+            <a:schemeClr val="accent1"/>
+          </a:effectRef>
+          <a:fontRef idx="minor">
+            <a:schemeClr val="lt1"/>
+          </a:fontRef>
+        </p:style>
+        <p:txBody>
+          <a:bodyPr rtlCol="0" anchor="ctr"/>
+          <a:lstStyle/>
+          <a:p>
+            <a:pPr algn="ctr"/>
+            <a:endParaRPr lang="en-US"/>
+          </a:p>
+        </p:txBody>
+      </p:sp>
+      <p:sp>
+        <p:nvSpPr>
+          <p:cNvPr id="29" name="Freeform 47"/>
+          <p:cNvSpPr>
+            <a:spLocks noGrp="1" noRot="1" noChangeAspect="1" noMove="1" noResize="1" noEditPoints="1" noAdjustHandles="1" noChangeArrowheads="1" noChangeShapeType="1" noTextEdit="1"/>
+          </p:cNvSpPr>
+          <p:nvPr>
+            <p:extLst>
+              <p:ext uri="{386F3935-93C4-4BCD-93E2-E3B085C9AB24}">
+                <p16:designElem xmlns:p16="http://schemas.microsoft.com/office/powerpoint/2015/main" val="1"/>
+              </p:ext>
+            </p:extLst>
+          </p:nvPr>
+        </p:nvSpPr>
+        <p:spPr bwMode="white">
+          <a:xfrm flipH="1">
+            <a:off x="4062127" y="-15832"/>
+            <a:ext cx="8129873" cy="6889518"/>
+          </a:xfrm>
+          <a:custGeom>
+            <a:avLst/>
+            <a:gdLst>
+              <a:gd name="connsiteX0" fmla="*/ 0 w 8129873"/>
+              <a:gd name="connsiteY0" fmla="*/ 0 h 6889518"/>
+              <a:gd name="connsiteX1" fmla="*/ 0 w 8129873"/>
+              <a:gd name="connsiteY1" fmla="*/ 6889518 h 6889518"/>
+              <a:gd name="connsiteX2" fmla="*/ 6207942 w 8129873"/>
+              <a:gd name="connsiteY2" fmla="*/ 6882299 h 6889518"/>
+              <a:gd name="connsiteX3" fmla="*/ 8129873 w 8129873"/>
+              <a:gd name="connsiteY3" fmla="*/ 5349831 h 6889518"/>
+              <a:gd name="connsiteX4" fmla="*/ 7291674 w 8129873"/>
+              <a:gd name="connsiteY4" fmla="*/ 7365 h 6889518"/>
+            </a:gdLst>
+            <a:ahLst/>
+            <a:cxnLst>
+              <a:cxn ang="0">
+                <a:pos x="connsiteX0" y="connsiteY0"/>
+              </a:cxn>
+              <a:cxn ang="0">
+                <a:pos x="connsiteX1" y="connsiteY1"/>
+              </a:cxn>
+              <a:cxn ang="0">
+                <a:pos x="connsiteX2" y="connsiteY2"/>
+              </a:cxn>
+              <a:cxn ang="0">
+                <a:pos x="connsiteX3" y="connsiteY3"/>
+              </a:cxn>
+              <a:cxn ang="0">
+                <a:pos x="connsiteX4" y="connsiteY4"/>
+              </a:cxn>
+            </a:cxnLst>
+            <a:rect l="l" t="t" r="r" b="b"/>
+            <a:pathLst>
+              <a:path w="8129873" h="6889518">
+                <a:moveTo>
+                  <a:pt x="0" y="0"/>
+                </a:moveTo>
+                <a:lnTo>
+                  <a:pt x="0" y="6889518"/>
+                </a:lnTo>
+                <a:lnTo>
+                  <a:pt x="6207942" y="6882299"/>
+                </a:lnTo>
+                <a:lnTo>
+                  <a:pt x="8129873" y="5349831"/>
+                </a:lnTo>
+                <a:lnTo>
+                  <a:pt x="7291674" y="7365"/>
+                </a:lnTo>
+                <a:close/>
+              </a:path>
+            </a:pathLst>
+          </a:custGeom>
+          <a:solidFill>
+            <a:schemeClr val="tx1">
+              <a:lumMod val="95000"/>
+              <a:lumOff val="5000"/>
+              <a:alpha val="80000"/>
+            </a:schemeClr>
+          </a:solidFill>
+          <a:ln>
+            <a:noFill/>
+          </a:ln>
+          <a:effectLst/>
+        </p:spPr>
+        <p:style>
+          <a:lnRef idx="1">
+            <a:schemeClr val="accent1"/>
+          </a:lnRef>
+          <a:fillRef idx="3">
+            <a:schemeClr val="accent1"/>
+          </a:fillRef>
+          <a:effectRef idx="2">
+            <a:schemeClr val="accent1"/>
+          </a:effectRef>
+          <a:fontRef idx="minor">
+            <a:schemeClr val="lt1"/>
+          </a:fontRef>
+        </p:style>
+        <p:txBody>
+          <a:bodyPr wrap="square" rtlCol="0" anchor="ctr">
+            <a:noAutofit/>
+          </a:bodyPr>
+          <a:lstStyle/>
+          <a:p>
+            <a:pPr algn="ctr"/>
+            <a:endParaRPr lang="en-US"/>
+          </a:p>
+        </p:txBody>
+      </p:sp>
+      <p:grpSp>
+        <p:nvGrpSpPr>
+          <p:cNvPr id="31" name="Group 30"/>
+          <p:cNvGrpSpPr>
+            <a:grpSpLocks noGrp="1" noUngrp="1" noRot="1" noChangeAspect="1" noMove="1" noResize="1"/>
+          </p:cNvGrpSpPr>
+          <p:nvPr>
+            <p:extLst>
+              <p:ext uri="{386F3935-93C4-4BCD-93E2-E3B085C9AB24}">
+                <p16:designElem xmlns:p16="http://schemas.microsoft.com/office/powerpoint/2015/main" val="1"/>
+              </p:ext>
+            </p:extLst>
+          </p:nvPr>
+        </p:nvGrpSpPr>
+        <p:grpSpPr>
+          <a:xfrm>
+            <a:off x="3413893" y="0"/>
+            <a:ext cx="2436813" cy="6858001"/>
+            <a:chOff x="1320800" y="0"/>
+            <a:chExt cx="2436813" cy="6858001"/>
+          </a:xfrm>
+        </p:grpSpPr>
+        <p:sp>
+          <p:nvSpPr>
+            <p:cNvPr id="32" name="Freeform 6"/>
+            <p:cNvSpPr/>
+            <p:nvPr>
+              <p:extLst>
+                <p:ext uri="{386F3935-93C4-4BCD-93E2-E3B085C9AB24}">
+                  <p16:designElem xmlns:p16="http://schemas.microsoft.com/office/powerpoint/2015/main" val="1"/>
+                </p:ext>
+              </p:extLst>
+            </p:nvPr>
+          </p:nvSpPr>
+          <p:spPr bwMode="auto">
+            <a:xfrm>
+              <a:off x="1627188" y="0"/>
+              <a:ext cx="1122363" cy="5329238"/>
+            </a:xfrm>
+            <a:custGeom>
+              <a:avLst/>
+              <a:gdLst/>
+              <a:ahLst/>
+              <a:cxnLst/>
+              <a:rect l="0" t="0" r="r" b="b"/>
+              <a:pathLst>
+                <a:path w="707" h="3357">
+                  <a:moveTo>
+                    <a:pt x="0" y="3330"/>
+                  </a:moveTo>
+                  <a:lnTo>
+                    <a:pt x="156" y="3357"/>
+                  </a:lnTo>
+                  <a:lnTo>
+                    <a:pt x="707" y="0"/>
+                  </a:lnTo>
+                  <a:lnTo>
+                    <a:pt x="547" y="0"/>
+                  </a:lnTo>
+                  <a:lnTo>
+                    <a:pt x="0" y="3330"/>
+                  </a:lnTo>
+                  <a:close/>
+                </a:path>
+              </a:pathLst>
+            </a:custGeom>
+            <a:solidFill>
+              <a:schemeClr val="accent1"/>
+            </a:solidFill>
+            <a:ln>
+              <a:noFill/>
+            </a:ln>
+          </p:spPr>
+        </p:sp>
+        <p:sp>
+          <p:nvSpPr>
+            <p:cNvPr id="33" name="Freeform 7"/>
+            <p:cNvSpPr/>
+            <p:nvPr>
+              <p:extLst>
+                <p:ext uri="{386F3935-93C4-4BCD-93E2-E3B085C9AB24}">
+                  <p16:designElem xmlns:p16="http://schemas.microsoft.com/office/powerpoint/2015/main" val="1"/>
+                </p:ext>
+              </p:extLst>
+            </p:nvPr>
+          </p:nvSpPr>
+          <p:spPr bwMode="auto">
+            <a:xfrm>
+              <a:off x="1320800" y="0"/>
+              <a:ext cx="1117600" cy="5276850"/>
+            </a:xfrm>
+            <a:custGeom>
+              <a:avLst/>
+              <a:gdLst/>
+              <a:ahLst/>
+              <a:cxnLst/>
+              <a:rect l="0" t="0" r="r" b="b"/>
+              <a:pathLst>
+                <a:path w="704" h="3324">
+                  <a:moveTo>
+                    <a:pt x="704" y="0"/>
+                  </a:moveTo>
+                  <a:lnTo>
+                    <a:pt x="545" y="0"/>
+                  </a:lnTo>
+                  <a:lnTo>
+                    <a:pt x="0" y="3300"/>
+                  </a:lnTo>
+                  <a:lnTo>
+                    <a:pt x="157" y="3324"/>
+                  </a:lnTo>
+                  <a:lnTo>
+                    <a:pt x="704" y="0"/>
+                  </a:lnTo>
+                  <a:close/>
+                </a:path>
+              </a:pathLst>
+            </a:custGeom>
+            <a:solidFill>
+              <a:schemeClr val="tx1">
+                <a:lumMod val="65000"/>
+                <a:lumOff val="35000"/>
+              </a:schemeClr>
+            </a:solidFill>
+            <a:ln>
+              <a:noFill/>
+            </a:ln>
+          </p:spPr>
+        </p:sp>
+        <p:sp>
+          <p:nvSpPr>
+            <p:cNvPr id="34" name="Freeform 8"/>
+            <p:cNvSpPr/>
+            <p:nvPr>
+              <p:extLst>
+                <p:ext uri="{386F3935-93C4-4BCD-93E2-E3B085C9AB24}">
+                  <p16:designElem xmlns:p16="http://schemas.microsoft.com/office/powerpoint/2015/main" val="1"/>
+                </p:ext>
+              </p:extLst>
+            </p:nvPr>
+          </p:nvSpPr>
+          <p:spPr bwMode="auto">
+            <a:xfrm>
+              <a:off x="1320800" y="5238750"/>
+              <a:ext cx="1228725" cy="1619250"/>
+            </a:xfrm>
+            <a:custGeom>
+              <a:avLst/>
+              <a:gdLst/>
+              <a:ahLst/>
+              <a:cxnLst/>
+              <a:rect l="0" t="0" r="r" b="b"/>
+              <a:pathLst>
+                <a:path w="774" h="1020">
+                  <a:moveTo>
+                    <a:pt x="0" y="0"/>
+                  </a:moveTo>
+                  <a:lnTo>
+                    <a:pt x="740" y="1020"/>
+                  </a:lnTo>
+                  <a:lnTo>
+                    <a:pt x="774" y="1020"/>
+                  </a:lnTo>
+                  <a:lnTo>
+                    <a:pt x="0" y="0"/>
+                  </a:lnTo>
+                  <a:close/>
+                </a:path>
+              </a:pathLst>
+            </a:custGeom>
+            <a:solidFill>
+              <a:schemeClr val="tx1">
+                <a:lumMod val="85000"/>
+                <a:lumOff val="15000"/>
+              </a:schemeClr>
+            </a:solidFill>
+            <a:ln>
+              <a:noFill/>
+            </a:ln>
+          </p:spPr>
+        </p:sp>
+        <p:sp>
+          <p:nvSpPr>
+            <p:cNvPr id="35" name="Freeform 9"/>
+            <p:cNvSpPr/>
+            <p:nvPr>
+              <p:extLst>
+                <p:ext uri="{386F3935-93C4-4BCD-93E2-E3B085C9AB24}">
+                  <p16:designElem xmlns:p16="http://schemas.microsoft.com/office/powerpoint/2015/main" val="1"/>
+                </p:ext>
+              </p:extLst>
+            </p:nvPr>
+          </p:nvSpPr>
+          <p:spPr bwMode="auto">
+            <a:xfrm>
+              <a:off x="1627188" y="5291138"/>
+              <a:ext cx="1495425" cy="1566863"/>
+            </a:xfrm>
+            <a:custGeom>
+              <a:avLst/>
+              <a:gdLst/>
+              <a:ahLst/>
+              <a:cxnLst/>
+              <a:rect l="0" t="0" r="r" b="b"/>
+              <a:pathLst>
+                <a:path w="942" h="987">
+                  <a:moveTo>
+                    <a:pt x="0" y="0"/>
+                  </a:moveTo>
+                  <a:lnTo>
+                    <a:pt x="909" y="987"/>
+                  </a:lnTo>
+                  <a:lnTo>
+                    <a:pt x="942" y="987"/>
+                  </a:lnTo>
+                  <a:lnTo>
+                    <a:pt x="0" y="0"/>
+                  </a:lnTo>
+                  <a:close/>
+                </a:path>
+              </a:pathLst>
+            </a:custGeom>
+            <a:solidFill>
+              <a:schemeClr val="accent1">
+                <a:lumMod val="50000"/>
+              </a:schemeClr>
+            </a:solidFill>
+            <a:ln>
+              <a:noFill/>
+            </a:ln>
+          </p:spPr>
+        </p:sp>
+        <p:sp>
+          <p:nvSpPr>
+            <p:cNvPr id="36" name="Freeform 10"/>
+            <p:cNvSpPr/>
+            <p:nvPr>
+              <p:extLst>
+                <p:ext uri="{386F3935-93C4-4BCD-93E2-E3B085C9AB24}">
+                  <p16:designElem xmlns:p16="http://schemas.microsoft.com/office/powerpoint/2015/main" val="1"/>
+                </p:ext>
+              </p:extLst>
+            </p:nvPr>
+          </p:nvSpPr>
+          <p:spPr bwMode="auto">
+            <a:xfrm>
+              <a:off x="1627188" y="5286375"/>
+              <a:ext cx="2130425" cy="1571625"/>
+            </a:xfrm>
+            <a:custGeom>
+              <a:avLst/>
+              <a:gdLst/>
+              <a:ahLst/>
+              <a:cxnLst/>
+              <a:rect l="0" t="0" r="r" b="b"/>
+              <a:pathLst>
+                <a:path w="1342" h="990">
+                  <a:moveTo>
+                    <a:pt x="0" y="3"/>
+                  </a:moveTo>
+                  <a:lnTo>
+                    <a:pt x="942" y="990"/>
+                  </a:lnTo>
+                  <a:lnTo>
+                    <a:pt x="1342" y="990"/>
+                  </a:lnTo>
+                  <a:lnTo>
+                    <a:pt x="156" y="27"/>
+                  </a:lnTo>
+                  <a:lnTo>
+                    <a:pt x="0" y="0"/>
+                  </a:lnTo>
+                  <a:lnTo>
+                    <a:pt x="0" y="3"/>
+                  </a:lnTo>
+                  <a:close/>
+                </a:path>
+              </a:pathLst>
+            </a:custGeom>
+            <a:solidFill>
+              <a:schemeClr val="accent1">
+                <a:lumMod val="75000"/>
+              </a:schemeClr>
+            </a:solidFill>
+            <a:ln>
+              <a:noFill/>
+            </a:ln>
+          </p:spPr>
+        </p:sp>
+        <p:sp>
+          <p:nvSpPr>
+            <p:cNvPr id="37" name="Freeform 11"/>
+            <p:cNvSpPr/>
+            <p:nvPr>
+              <p:extLst>
+                <p:ext uri="{386F3935-93C4-4BCD-93E2-E3B085C9AB24}">
+                  <p16:designElem xmlns:p16="http://schemas.microsoft.com/office/powerpoint/2015/main" val="1"/>
+                </p:ext>
+              </p:extLst>
+            </p:nvPr>
+          </p:nvSpPr>
+          <p:spPr bwMode="auto">
+            <a:xfrm>
+              <a:off x="1320800" y="5238750"/>
+              <a:ext cx="1695450" cy="1619250"/>
+            </a:xfrm>
+            <a:custGeom>
+              <a:avLst/>
+              <a:gdLst/>
+              <a:ahLst/>
+              <a:cxnLst/>
+              <a:rect l="0" t="0" r="r" b="b"/>
+              <a:pathLst>
+                <a:path w="1068" h="1020">
+                  <a:moveTo>
+                    <a:pt x="1068" y="1020"/>
+                  </a:moveTo>
+                  <a:lnTo>
+                    <a:pt x="184" y="60"/>
+                  </a:lnTo>
+                  <a:lnTo>
+                    <a:pt x="154" y="27"/>
+                  </a:lnTo>
+                  <a:lnTo>
+                    <a:pt x="157" y="27"/>
+                  </a:lnTo>
+                  <a:lnTo>
+                    <a:pt x="157" y="24"/>
+                  </a:lnTo>
+                  <a:lnTo>
+                    <a:pt x="154" y="24"/>
+                  </a:lnTo>
+                  <a:lnTo>
+                    <a:pt x="0" y="0"/>
+                  </a:lnTo>
+                  <a:lnTo>
+                    <a:pt x="0" y="0"/>
+                  </a:lnTo>
+                  <a:lnTo>
+                    <a:pt x="774" y="1020"/>
+                  </a:lnTo>
+                  <a:lnTo>
+                    <a:pt x="1068" y="1020"/>
+                  </a:lnTo>
+                  <a:close/>
+                </a:path>
+              </a:pathLst>
+            </a:custGeom>
+            <a:solidFill>
+              <a:schemeClr val="tx1">
+                <a:lumMod val="75000"/>
+                <a:lumOff val="25000"/>
+              </a:schemeClr>
+            </a:solidFill>
+            <a:ln>
+              <a:noFill/>
+            </a:ln>
+          </p:spPr>
+        </p:sp>
+      </p:grpSp>
+      <p:sp>
+        <p:nvSpPr>
+          <p:cNvPr id="2" name="Title 1"/>
+          <p:cNvSpPr>
+            <a:spLocks noGrp="1"/>
+          </p:cNvSpPr>
+          <p:nvPr>
+            <p:ph type="title"/>
+          </p:nvPr>
+        </p:nvSpPr>
+        <p:spPr>
+          <a:xfrm>
+            <a:off x="412025" y="1072609"/>
+            <a:ext cx="3041557" cy="4522647"/>
+          </a:xfrm>
+          <a:effectLst/>
+        </p:spPr>
+        <p:txBody>
+          <a:bodyPr anchor="ctr">
+            <a:normAutofit/>
+          </a:bodyPr>
+          <a:lstStyle/>
+          <a:p>
+            <a:pPr algn="l"/>
+            <a:r>
+              <a:rPr lang="en-US" sz="3600" b="1" dirty="0"/>
+              <a:t>Stored Functions Can Return Results in Two Different Ways</a:t>
+            </a:r>
+          </a:p>
+        </p:txBody>
+      </p:sp>
+      <p:sp>
+        <p:nvSpPr>
+          <p:cNvPr id="3" name="Content Placeholder 2"/>
+          <p:cNvSpPr>
+            <a:spLocks noGrp="1"/>
+          </p:cNvSpPr>
+          <p:nvPr>
+            <p:ph idx="1"/>
+          </p:nvPr>
+        </p:nvSpPr>
+        <p:spPr>
+          <a:xfrm>
+            <a:off x="5149032" y="1072609"/>
+            <a:ext cx="6652441" cy="4522647"/>
+          </a:xfrm>
+        </p:spPr>
+        <p:txBody>
+          <a:bodyPr anchor="ctr">
+            <a:normAutofit/>
+          </a:bodyPr>
+          <a:lstStyle/>
+          <a:p>
+            <a:r>
+              <a:rPr lang="en-US" sz="2800" dirty="0">
+                <a:solidFill>
+                  <a:schemeClr val="bg1"/>
+                </a:solidFill>
+              </a:rPr>
+              <a:t>From a Function Returning SETOF Type</a:t>
+            </a:r>
+          </a:p>
+          <a:p>
+            <a:r>
+              <a:rPr lang="en-US" sz="2800" dirty="0">
+                <a:solidFill>
+                  <a:schemeClr val="bg1"/>
+                </a:solidFill>
+              </a:rPr>
+              <a:t>From a Function Returning a </a:t>
+            </a:r>
+            <a:r>
+              <a:rPr lang="en-US" sz="2800" dirty="0" err="1">
+                <a:solidFill>
+                  <a:schemeClr val="bg1"/>
+                </a:solidFill>
+              </a:rPr>
+              <a:t>Refcursor</a:t>
+            </a:r>
+            <a:endParaRPr lang="en-US" sz="2800" dirty="0">
+              <a:solidFill>
+                <a:schemeClr val="bg1"/>
+              </a:solidFill>
+            </a:endParaRPr>
+          </a:p>
+        </p:txBody>
+      </p:sp>
+    </p:spTree>
+    <p:extLst>
+      <p:ext uri="{BB962C8B-B14F-4D97-AF65-F5344CB8AC3E}">
+        <p14:creationId xmlns:p14="http://schemas.microsoft.com/office/powerpoint/2010/main" val="2439670837"/>
+      </p:ext>
+    </p:extLst>
+  </p:cSld>
+  <p:clrMapOvr>
+    <a:masterClrMapping/>
+  </p:clrMapOvr>
+</p:sld>
+</file>
+
+<file path=ppt/slides/slide7.xml><?xml version="1.0" encoding="utf-8"?>
+<p:sld xmlns:a="http://schemas.openxmlformats.org/drawingml/2006/main" xmlns:r="http://schemas.openxmlformats.org/officeDocument/2006/relationships" xmlns:p="http://schemas.openxmlformats.org/presentationml/2006/main">
+  <p:cSld>
+    <p:spTree>
+      <p:nvGrpSpPr>
+        <p:cNvPr id="1" name=""/>
+        <p:cNvGrpSpPr/>
+        <p:nvPr/>
+      </p:nvGrpSpPr>
+      <p:grpSpPr>
+        <a:xfrm>
+          <a:off x="0" y="0"/>
+          <a:ext cx="0" cy="0"/>
+          <a:chOff x="0" y="0"/>
+          <a:chExt cx="0" cy="0"/>
+        </a:xfrm>
+      </p:grpSpPr>
+      <p:sp>
+        <p:nvSpPr>
+          <p:cNvPr id="11" name="Rectangle 10"/>
+          <p:cNvSpPr>
+            <a:spLocks noGrp="1" noRot="1" noChangeAspect="1" noMove="1" noResize="1" noEditPoints="1" noAdjustHandles="1" noChangeArrowheads="1" noChangeShapeType="1" noTextEdit="1"/>
+          </p:cNvSpPr>
+          <p:nvPr>
+            <p:extLst>
+              <p:ext uri="{386F3935-93C4-4BCD-93E2-E3B085C9AB24}">
+                <p16:designElem xmlns:p16="http://schemas.microsoft.com/office/powerpoint/2015/main" val="1"/>
+              </p:ext>
+            </p:extLst>
+          </p:nvPr>
+        </p:nvSpPr>
+        <p:spPr bwMode="white">
+          <a:xfrm>
+            <a:off x="0" y="0"/>
+            <a:ext cx="12192000" cy="6858000"/>
+          </a:xfrm>
+          <a:prstGeom prst="rect">
+            <a:avLst/>
+          </a:prstGeom>
+          <a:blipFill rotWithShape="1">
+            <a:blip r:embed="rId2">
+              <a:duotone>
+                <a:schemeClr val="bg2">
+                  <a:shade val="76000"/>
+                  <a:satMod val="180000"/>
+                </a:schemeClr>
+                <a:schemeClr val="bg2">
+                  <a:tint val="80000"/>
+                  <a:satMod val="120000"/>
+                  <a:lumMod val="180000"/>
+                </a:schemeClr>
+              </a:duotone>
+            </a:blip>
+            <a:stretch/>
+          </a:blipFill>
+          <a:ln>
+            <a:noFill/>
+          </a:ln>
+          <a:effectLst/>
+        </p:spPr>
+      </p:sp>
+      <p:grpSp>
+        <p:nvGrpSpPr>
+          <p:cNvPr id="13" name="Group 12"/>
+          <p:cNvGrpSpPr>
+            <a:grpSpLocks noGrp="1" noUngrp="1" noRot="1" noChangeAspect="1" noMove="1" noResize="1"/>
+          </p:cNvGrpSpPr>
+          <p:nvPr>
+            <p:extLst>
+              <p:ext uri="{386F3935-93C4-4BCD-93E2-E3B085C9AB24}">
+                <p16:designElem xmlns:p16="http://schemas.microsoft.com/office/powerpoint/2015/main" val="1"/>
+              </p:ext>
+            </p:extLst>
+          </p:nvPr>
+        </p:nvGrpSpPr>
+        <p:grpSpPr>
+          <a:xfrm>
+            <a:off x="546100" y="-4763"/>
+            <a:ext cx="5014912" cy="6862763"/>
+            <a:chOff x="2928938" y="-4763"/>
+            <a:chExt cx="5014912" cy="6862763"/>
+          </a:xfrm>
+        </p:grpSpPr>
+        <p:sp>
+          <p:nvSpPr>
+            <p:cNvPr id="14" name="Freeform 6"/>
+            <p:cNvSpPr/>
+            <p:nvPr>
+              <p:extLst>
+                <p:ext uri="{386F3935-93C4-4BCD-93E2-E3B085C9AB24}">
+                  <p16:designElem xmlns:p16="http://schemas.microsoft.com/office/powerpoint/2015/main" val="1"/>
+                </p:ext>
+              </p:extLst>
+            </p:nvPr>
+          </p:nvSpPr>
+          <p:spPr bwMode="auto">
+            <a:xfrm>
+              <a:off x="3367088" y="-4763"/>
+              <a:ext cx="1063625" cy="2782888"/>
+            </a:xfrm>
+            <a:custGeom>
+              <a:avLst/>
+              <a:gdLst/>
+              <a:ahLst/>
+              <a:cxnLst/>
+              <a:rect l="0" t="0" r="r" b="b"/>
+              <a:pathLst>
+                <a:path w="670" h="1753">
+                  <a:moveTo>
+                    <a:pt x="0" y="1696"/>
+                  </a:moveTo>
+                  <a:lnTo>
+                    <a:pt x="225" y="1753"/>
+                  </a:lnTo>
+                  <a:lnTo>
+                    <a:pt x="670" y="0"/>
+                  </a:lnTo>
+                  <a:lnTo>
+                    <a:pt x="430" y="0"/>
+                  </a:lnTo>
+                  <a:lnTo>
+                    <a:pt x="0" y="1696"/>
+                  </a:lnTo>
+                  <a:close/>
+                </a:path>
+              </a:pathLst>
+            </a:custGeom>
+            <a:solidFill>
+              <a:schemeClr val="accent1"/>
+            </a:solidFill>
+            <a:ln>
+              <a:noFill/>
+            </a:ln>
+          </p:spPr>
+        </p:sp>
+        <p:sp>
+          <p:nvSpPr>
+            <p:cNvPr id="15" name="Freeform 7"/>
+            <p:cNvSpPr/>
+            <p:nvPr>
+              <p:extLst>
+                <p:ext uri="{386F3935-93C4-4BCD-93E2-E3B085C9AB24}">
+                  <p16:designElem xmlns:p16="http://schemas.microsoft.com/office/powerpoint/2015/main" val="1"/>
+                </p:ext>
+              </p:extLst>
+            </p:nvPr>
+          </p:nvSpPr>
+          <p:spPr bwMode="auto">
+            <a:xfrm>
+              <a:off x="2928938" y="-4763"/>
+              <a:ext cx="1035050" cy="2673350"/>
+            </a:xfrm>
+            <a:custGeom>
+              <a:avLst/>
+              <a:gdLst/>
+              <a:ahLst/>
+              <a:cxnLst/>
+              <a:rect l="0" t="0" r="r" b="b"/>
+              <a:pathLst>
+                <a:path w="652" h="1684">
+                  <a:moveTo>
+                    <a:pt x="225" y="1684"/>
+                  </a:moveTo>
+                  <a:lnTo>
+                    <a:pt x="652" y="0"/>
+                  </a:lnTo>
+                  <a:lnTo>
+                    <a:pt x="411" y="0"/>
+                  </a:lnTo>
+                  <a:lnTo>
+                    <a:pt x="0" y="1627"/>
+                  </a:lnTo>
+                  <a:lnTo>
+                    <a:pt x="219" y="1681"/>
+                  </a:lnTo>
+                  <a:lnTo>
+                    <a:pt x="225" y="1684"/>
+                  </a:lnTo>
+                  <a:close/>
+                </a:path>
+              </a:pathLst>
+            </a:custGeom>
+            <a:solidFill>
+              <a:schemeClr val="tx1">
+                <a:lumMod val="65000"/>
+                <a:lumOff val="35000"/>
+              </a:schemeClr>
+            </a:solidFill>
+            <a:ln>
+              <a:noFill/>
+            </a:ln>
+          </p:spPr>
+        </p:sp>
+        <p:sp>
+          <p:nvSpPr>
+            <p:cNvPr id="16" name="Freeform 9"/>
+            <p:cNvSpPr/>
+            <p:nvPr>
+              <p:extLst>
+                <p:ext uri="{386F3935-93C4-4BCD-93E2-E3B085C9AB24}">
+                  <p16:designElem xmlns:p16="http://schemas.microsoft.com/office/powerpoint/2015/main" val="1"/>
+                </p:ext>
+              </p:extLst>
+            </p:nvPr>
+          </p:nvSpPr>
+          <p:spPr bwMode="auto">
+            <a:xfrm>
+              <a:off x="2928938" y="2582862"/>
+              <a:ext cx="2693987" cy="4275138"/>
+            </a:xfrm>
+            <a:custGeom>
+              <a:avLst/>
+              <a:gdLst/>
+              <a:ahLst/>
+              <a:cxnLst/>
+              <a:rect l="0" t="0" r="r" b="b"/>
+              <a:pathLst>
+                <a:path w="1697" h="2693">
+                  <a:moveTo>
+                    <a:pt x="0" y="0"/>
+                  </a:moveTo>
+                  <a:lnTo>
+                    <a:pt x="1622" y="2693"/>
+                  </a:lnTo>
+                  <a:lnTo>
+                    <a:pt x="1697" y="2693"/>
+                  </a:lnTo>
+                  <a:lnTo>
+                    <a:pt x="0" y="0"/>
+                  </a:lnTo>
+                  <a:close/>
+                </a:path>
+              </a:pathLst>
+            </a:custGeom>
+            <a:solidFill>
+              <a:schemeClr val="tx1">
+                <a:lumMod val="85000"/>
+                <a:lumOff val="15000"/>
+              </a:schemeClr>
+            </a:solidFill>
+            <a:ln>
+              <a:noFill/>
+            </a:ln>
+          </p:spPr>
+        </p:sp>
+        <p:sp>
+          <p:nvSpPr>
+            <p:cNvPr id="17" name="Freeform 10"/>
+            <p:cNvSpPr/>
+            <p:nvPr>
+              <p:extLst>
+                <p:ext uri="{386F3935-93C4-4BCD-93E2-E3B085C9AB24}">
+                  <p16:designElem xmlns:p16="http://schemas.microsoft.com/office/powerpoint/2015/main" val="1"/>
+                </p:ext>
+              </p:extLst>
+            </p:nvPr>
+          </p:nvSpPr>
+          <p:spPr bwMode="auto">
+            <a:xfrm>
+              <a:off x="3371850" y="2692400"/>
+              <a:ext cx="3332162" cy="4165600"/>
+            </a:xfrm>
+            <a:custGeom>
+              <a:avLst/>
+              <a:gdLst/>
+              <a:ahLst/>
+              <a:cxnLst/>
+              <a:rect l="0" t="0" r="r" b="b"/>
+              <a:pathLst>
+                <a:path w="2099" h="2624">
+                  <a:moveTo>
+                    <a:pt x="2099" y="2624"/>
+                  </a:moveTo>
+                  <a:lnTo>
+                    <a:pt x="0" y="0"/>
+                  </a:lnTo>
+                  <a:lnTo>
+                    <a:pt x="2021" y="2624"/>
+                  </a:lnTo>
+                  <a:lnTo>
+                    <a:pt x="2099" y="2624"/>
+                  </a:lnTo>
+                  <a:close/>
+                </a:path>
+              </a:pathLst>
+            </a:custGeom>
+            <a:solidFill>
+              <a:schemeClr val="accent1">
+                <a:lumMod val="50000"/>
+              </a:schemeClr>
+            </a:solidFill>
+            <a:ln>
+              <a:noFill/>
+            </a:ln>
+          </p:spPr>
+        </p:sp>
+        <p:sp>
+          <p:nvSpPr>
+            <p:cNvPr id="18" name="Freeform 11"/>
+            <p:cNvSpPr/>
+            <p:nvPr>
+              <p:extLst>
+                <p:ext uri="{386F3935-93C4-4BCD-93E2-E3B085C9AB24}">
+                  <p16:designElem xmlns:p16="http://schemas.microsoft.com/office/powerpoint/2015/main" val="1"/>
+                </p:ext>
+              </p:extLst>
+            </p:nvPr>
+          </p:nvSpPr>
+          <p:spPr bwMode="auto">
+            <a:xfrm>
+              <a:off x="3367088" y="2687637"/>
+              <a:ext cx="4576762" cy="4170363"/>
+            </a:xfrm>
+            <a:custGeom>
+              <a:avLst/>
+              <a:gdLst/>
+              <a:ahLst/>
+              <a:cxnLst/>
+              <a:rect l="0" t="0" r="r" b="b"/>
+              <a:pathLst>
+                <a:path w="2883" h="2627">
+                  <a:moveTo>
+                    <a:pt x="0" y="0"/>
+                  </a:moveTo>
+                  <a:lnTo>
+                    <a:pt x="3" y="3"/>
+                  </a:lnTo>
+                  <a:lnTo>
+                    <a:pt x="2102" y="2627"/>
+                  </a:lnTo>
+                  <a:lnTo>
+                    <a:pt x="2883" y="2627"/>
+                  </a:lnTo>
+                  <a:lnTo>
+                    <a:pt x="225" y="57"/>
+                  </a:lnTo>
+                  <a:lnTo>
+                    <a:pt x="0" y="0"/>
+                  </a:lnTo>
+                  <a:close/>
+                </a:path>
+              </a:pathLst>
+            </a:custGeom>
+            <a:solidFill>
+              <a:schemeClr val="accent1">
+                <a:lumMod val="75000"/>
+              </a:schemeClr>
+            </a:solidFill>
+            <a:ln>
+              <a:noFill/>
+            </a:ln>
+          </p:spPr>
+        </p:sp>
+        <p:sp>
+          <p:nvSpPr>
+            <p:cNvPr id="19" name="Freeform 12"/>
+            <p:cNvSpPr/>
+            <p:nvPr>
+              <p:extLst>
+                <p:ext uri="{386F3935-93C4-4BCD-93E2-E3B085C9AB24}">
+                  <p16:designElem xmlns:p16="http://schemas.microsoft.com/office/powerpoint/2015/main" val="1"/>
+                </p:ext>
+              </p:extLst>
+            </p:nvPr>
+          </p:nvSpPr>
+          <p:spPr bwMode="auto">
+            <a:xfrm>
+              <a:off x="2928938" y="2578100"/>
+              <a:ext cx="3584575" cy="4279900"/>
+            </a:xfrm>
+            <a:custGeom>
+              <a:avLst/>
+              <a:gdLst/>
+              <a:ahLst/>
+              <a:cxnLst/>
+              <a:rect l="0" t="0" r="r" b="b"/>
+              <a:pathLst>
+                <a:path w="2258" h="2696">
+                  <a:moveTo>
+                    <a:pt x="2258" y="2696"/>
+                  </a:moveTo>
+                  <a:lnTo>
+                    <a:pt x="264" y="111"/>
+                  </a:lnTo>
+                  <a:lnTo>
+                    <a:pt x="228" y="60"/>
+                  </a:lnTo>
+                  <a:lnTo>
+                    <a:pt x="225" y="57"/>
+                  </a:lnTo>
+                  <a:lnTo>
+                    <a:pt x="0" y="0"/>
+                  </a:lnTo>
+                  <a:lnTo>
+                    <a:pt x="0" y="3"/>
+                  </a:lnTo>
+                  <a:lnTo>
+                    <a:pt x="1697" y="2696"/>
+                  </a:lnTo>
+                  <a:lnTo>
+                    <a:pt x="2258" y="2696"/>
+                  </a:lnTo>
+                  <a:close/>
+                </a:path>
+              </a:pathLst>
+            </a:custGeom>
+            <a:solidFill>
+              <a:schemeClr val="tx1">
+                <a:lumMod val="75000"/>
+                <a:lumOff val="25000"/>
+              </a:schemeClr>
+            </a:solidFill>
+            <a:ln>
+              <a:noFill/>
+            </a:ln>
+          </p:spPr>
+        </p:sp>
+      </p:grpSp>
+      <p:sp>
+        <p:nvSpPr>
+          <p:cNvPr id="21" name="Rounded Rectangle 6"/>
+          <p:cNvSpPr>
+            <a:spLocks noGrp="1" noRot="1" noChangeAspect="1" noMove="1" noResize="1" noEditPoints="1" noAdjustHandles="1" noChangeArrowheads="1" noChangeShapeType="1" noTextEdit="1"/>
+          </p:cNvSpPr>
+          <p:nvPr>
+            <p:extLst>
+              <p:ext uri="{386F3935-93C4-4BCD-93E2-E3B085C9AB24}">
+                <p16:designElem xmlns:p16="http://schemas.microsoft.com/office/powerpoint/2015/main" val="1"/>
+              </p:ext>
+            </p:extLst>
+          </p:nvPr>
+        </p:nvSpPr>
+        <p:spPr>
+          <a:xfrm>
+            <a:off x="3718560" y="609600"/>
+            <a:ext cx="7833360" cy="3139440"/>
+          </a:xfrm>
+          <a:prstGeom prst="roundRect">
+            <a:avLst>
+              <a:gd name="adj" fmla="val 4834"/>
+            </a:avLst>
+          </a:prstGeom>
+          <a:solidFill>
+            <a:schemeClr val="bg1"/>
+          </a:solidFill>
+          <a:ln w="38100">
+            <a:gradFill flip="none" rotWithShape="1">
+              <a:gsLst>
+                <a:gs pos="0">
+                  <a:schemeClr val="bg2"/>
+                </a:gs>
+                <a:gs pos="100000">
+                  <a:schemeClr val="bg2">
+                    <a:lumMod val="75000"/>
+                  </a:schemeClr>
+                </a:gs>
+              </a:gsLst>
+              <a:lin ang="5400000" scaled="0"/>
+              <a:tileRect/>
+            </a:gradFill>
+          </a:ln>
+          <a:effectLst>
+            <a:innerShdw blurRad="57150" dist="38100" dir="14460000">
+              <a:srgbClr val="000000">
+                <a:alpha val="70000"/>
+              </a:srgbClr>
+            </a:innerShdw>
+          </a:effectLst>
+        </p:spPr>
+        <p:style>
+          <a:lnRef idx="2">
+            <a:schemeClr val="accent1">
+              <a:shade val="50000"/>
+            </a:schemeClr>
+          </a:lnRef>
+          <a:fillRef idx="1">
+            <a:schemeClr val="accent1"/>
+          </a:fillRef>
+          <a:effectRef idx="0">
+            <a:schemeClr val="accent1"/>
+          </a:effectRef>
+          <a:fontRef idx="minor">
+            <a:schemeClr val="lt1"/>
+          </a:fontRef>
+        </p:style>
+        <p:txBody>
+          <a:bodyPr rtlCol="0" anchor="ctr"/>
+          <a:lstStyle/>
+          <a:p>
+            <a:pPr algn="ctr"/>
+            <a:endParaRPr lang="en-US"/>
+          </a:p>
+        </p:txBody>
+      </p:sp>
+      <p:pic>
+        <p:nvPicPr>
+          <p:cNvPr id="6" name="Content Placeholder 5" descr="A picture containing screenshot&#10;&#10;Description generated with high confidence"/>
+          <p:cNvPicPr>
+            <a:picLocks noGrp="1" noChangeAspect="1"/>
+          </p:cNvPicPr>
+          <p:nvPr>
+            <p:ph idx="1"/>
+          </p:nvPr>
+        </p:nvPicPr>
+        <p:blipFill>
+          <a:blip r:embed="rId3">
+            <a:extLst>
+              <a:ext uri="{28A0092B-C50C-407E-A947-70E740481C1C}">
+                <a14:useLocalDpi xmlns:a14="http://schemas.microsoft.com/office/drawing/2010/main" val="0"/>
+              </a:ext>
+            </a:extLst>
+          </a:blip>
+          <a:stretch>
+            <a:fillRect/>
+          </a:stretch>
+        </p:blipFill>
+        <p:spPr>
+          <a:xfrm>
+            <a:off x="3760513" y="1686716"/>
+            <a:ext cx="7617961" cy="1963741"/>
+          </a:xfrm>
+          <a:prstGeom prst="rect">
+            <a:avLst/>
+          </a:prstGeom>
+        </p:spPr>
+      </p:pic>
+      <p:sp>
+        <p:nvSpPr>
+          <p:cNvPr id="2" name="Title 1"/>
+          <p:cNvSpPr>
+            <a:spLocks noGrp="1"/>
+          </p:cNvSpPr>
+          <p:nvPr>
+            <p:ph type="title"/>
+          </p:nvPr>
+        </p:nvSpPr>
+        <p:spPr>
+          <a:xfrm>
+            <a:off x="4089399" y="4078424"/>
+            <a:ext cx="7413623" cy="1155427"/>
+          </a:xfrm>
+        </p:spPr>
+        <p:txBody>
+          <a:bodyPr vert="horz" lIns="91440" tIns="45720" rIns="91440" bIns="45720" rtlCol="0" anchor="b">
+            <a:normAutofit/>
+          </a:bodyPr>
+          <a:lstStyle/>
+          <a:p>
+            <a:pPr algn="r">
+              <a:lnSpc>
+                <a:spcPct val="80000"/>
+              </a:lnSpc>
+            </a:pPr>
+            <a:r>
+              <a:rPr lang="en-US" sz="4200" dirty="0"/>
+              <a:t>From a Function Returning SETOF Type</a:t>
+            </a:r>
+          </a:p>
+        </p:txBody>
+      </p:sp>
+      <p:sp>
+        <p:nvSpPr>
+          <p:cNvPr id="4" name="Rectangle 3"/>
+          <p:cNvSpPr/>
+          <p:nvPr/>
+        </p:nvSpPr>
+        <p:spPr>
+          <a:xfrm>
+            <a:off x="3718560" y="692645"/>
+            <a:ext cx="8361119" cy="923330"/>
+          </a:xfrm>
+          <a:prstGeom prst="rect">
+            <a:avLst/>
+          </a:prstGeom>
+        </p:spPr>
+        <p:txBody>
+          <a:bodyPr wrap="square">
+            <a:spAutoFit/>
+          </a:bodyPr>
+          <a:lstStyle/>
+          <a:p>
+            <a:r>
+              <a:rPr lang="en-US" dirty="0"/>
+              <a:t>Functions that return data as a set should not be called via the </a:t>
+            </a:r>
+            <a:r>
+              <a:rPr lang="en-US" dirty="0" err="1"/>
+              <a:t>CallableStatement</a:t>
+            </a:r>
+            <a:r>
+              <a:rPr lang="en-US" dirty="0"/>
+              <a:t> interface, but instead should use the normal Statement or </a:t>
+            </a:r>
+            <a:r>
+              <a:rPr lang="en-US" dirty="0" err="1"/>
+              <a:t>PreparedStatement</a:t>
+            </a:r>
+            <a:r>
+              <a:rPr lang="en-US" dirty="0"/>
+              <a:t> interfaces</a:t>
+            </a:r>
+          </a:p>
+        </p:txBody>
+      </p:sp>
+      <p:sp>
+        <p:nvSpPr>
+          <p:cNvPr id="3" name="Rectangle 2"/>
+          <p:cNvSpPr/>
+          <p:nvPr/>
+        </p:nvSpPr>
+        <p:spPr>
+          <a:xfrm>
+            <a:off x="5999162" y="2778125"/>
+            <a:ext cx="5644515" cy="943073"/>
+          </a:xfrm>
+          <a:prstGeom prst="rect">
+            <a:avLst/>
+          </a:prstGeom>
+        </p:spPr>
+        <p:txBody>
+          <a:bodyPr wrap="square">
+            <a:spAutoFit/>
+          </a:bodyPr>
+          <a:lstStyle/>
+          <a:p>
+            <a:r>
+              <a:rPr lang="en-US" dirty="0"/>
+              <a:t>When returning SET OF record the output columns are not typed and not named. Thus this form can't be used directly in a FROM clause as if it was a subquery or a table.</a:t>
+            </a:r>
+          </a:p>
+        </p:txBody>
+      </p:sp>
+    </p:spTree>
+    <p:extLst>
+      <p:ext uri="{BB962C8B-B14F-4D97-AF65-F5344CB8AC3E}">
+        <p14:creationId xmlns:p14="http://schemas.microsoft.com/office/powerpoint/2010/main" val="2997710850"/>
+      </p:ext>
+    </p:extLst>
+  </p:cSld>
+  <p:clrMapOvr>
+    <a:masterClrMapping/>
+  </p:clrMapOvr>
+</p:sld>
+</file>
+
+<file path=ppt/slides/slide8.xml><?xml version="1.0" encoding="utf-8"?>
+<p:sld xmlns:a="http://schemas.openxmlformats.org/drawingml/2006/main" xmlns:r="http://schemas.openxmlformats.org/officeDocument/2006/relationships" xmlns:p="http://schemas.openxmlformats.org/presentationml/2006/main">
+  <p:cSld>
+    <p:spTree>
+      <p:nvGrpSpPr>
+        <p:cNvPr id="1" name=""/>
+        <p:cNvGrpSpPr/>
+        <p:nvPr/>
+      </p:nvGrpSpPr>
+      <p:grpSpPr>
+        <a:xfrm>
+          <a:off x="0" y="0"/>
+          <a:ext cx="0" cy="0"/>
+          <a:chOff x="0" y="0"/>
+          <a:chExt cx="0" cy="0"/>
+        </a:xfrm>
+      </p:grpSpPr>
+      <p:sp>
+        <p:nvSpPr>
+          <p:cNvPr id="27" name="Rectangle 26"/>
+          <p:cNvSpPr>
+            <a:spLocks noGrp="1" noRot="1" noChangeAspect="1" noMove="1" noResize="1" noEditPoints="1" noAdjustHandles="1" noChangeArrowheads="1" noChangeShapeType="1" noTextEdit="1"/>
+          </p:cNvSpPr>
+          <p:nvPr>
+            <p:extLst>
+              <p:ext uri="{386F3935-93C4-4BCD-93E2-E3B085C9AB24}">
+                <p16:designElem xmlns:p16="http://schemas.microsoft.com/office/powerpoint/2015/main" val="1"/>
+              </p:ext>
+            </p:extLst>
+          </p:nvPr>
+        </p:nvSpPr>
+        <p:spPr bwMode="white">
+          <a:xfrm>
+            <a:off x="0" y="0"/>
+            <a:ext cx="12192000" cy="6858000"/>
+          </a:xfrm>
+          <a:prstGeom prst="rect">
+            <a:avLst/>
+          </a:prstGeom>
+          <a:blipFill rotWithShape="1">
+            <a:blip r:embed="rId2">
+              <a:duotone>
+                <a:schemeClr val="bg2">
+                  <a:shade val="76000"/>
+                  <a:satMod val="180000"/>
+                </a:schemeClr>
+                <a:schemeClr val="bg2">
+                  <a:tint val="80000"/>
+                  <a:satMod val="120000"/>
+                  <a:lumMod val="180000"/>
+                </a:schemeClr>
+              </a:duotone>
+            </a:blip>
+            <a:stretch/>
+          </a:blipFill>
+          <a:ln>
+            <a:noFill/>
+          </a:ln>
+          <a:effectLst/>
+        </p:spPr>
+      </p:sp>
+      <p:grpSp>
+        <p:nvGrpSpPr>
+          <p:cNvPr id="29" name="Group 28"/>
+          <p:cNvGrpSpPr>
+            <a:grpSpLocks noGrp="1" noUngrp="1" noRot="1" noChangeAspect="1" noMove="1" noResize="1"/>
+          </p:cNvGrpSpPr>
+          <p:nvPr>
+            <p:extLst>
+              <p:ext uri="{386F3935-93C4-4BCD-93E2-E3B085C9AB24}">
+                <p16:designElem xmlns:p16="http://schemas.microsoft.com/office/powerpoint/2015/main" val="1"/>
+              </p:ext>
+            </p:extLst>
+          </p:nvPr>
+        </p:nvGrpSpPr>
+        <p:grpSpPr>
+          <a:xfrm>
+            <a:off x="546100" y="-4763"/>
+            <a:ext cx="5014912" cy="6862763"/>
+            <a:chOff x="2928938" y="-4763"/>
+            <a:chExt cx="5014912" cy="6862763"/>
+          </a:xfrm>
+        </p:grpSpPr>
+        <p:sp>
+          <p:nvSpPr>
+            <p:cNvPr id="30" name="Freeform 6"/>
+            <p:cNvSpPr/>
+            <p:nvPr>
+              <p:extLst>
+                <p:ext uri="{386F3935-93C4-4BCD-93E2-E3B085C9AB24}">
+                  <p16:designElem xmlns:p16="http://schemas.microsoft.com/office/powerpoint/2015/main" val="1"/>
+                </p:ext>
+              </p:extLst>
+            </p:nvPr>
+          </p:nvSpPr>
+          <p:spPr bwMode="auto">
+            <a:xfrm>
+              <a:off x="3367088" y="-4763"/>
+              <a:ext cx="1063625" cy="2782888"/>
+            </a:xfrm>
+            <a:custGeom>
+              <a:avLst/>
+              <a:gdLst/>
+              <a:ahLst/>
+              <a:cxnLst/>
+              <a:rect l="0" t="0" r="r" b="b"/>
+              <a:pathLst>
+                <a:path w="670" h="1753">
+                  <a:moveTo>
+                    <a:pt x="0" y="1696"/>
+                  </a:moveTo>
+                  <a:lnTo>
+                    <a:pt x="225" y="1753"/>
+                  </a:lnTo>
+                  <a:lnTo>
+                    <a:pt x="670" y="0"/>
+                  </a:lnTo>
+                  <a:lnTo>
+                    <a:pt x="430" y="0"/>
+                  </a:lnTo>
+                  <a:lnTo>
+                    <a:pt x="0" y="1696"/>
+                  </a:lnTo>
+                  <a:close/>
+                </a:path>
+              </a:pathLst>
+            </a:custGeom>
+            <a:solidFill>
+              <a:schemeClr val="accent1"/>
+            </a:solidFill>
+            <a:ln>
+              <a:noFill/>
+            </a:ln>
+          </p:spPr>
+        </p:sp>
+        <p:sp>
+          <p:nvSpPr>
+            <p:cNvPr id="31" name="Freeform 7"/>
+            <p:cNvSpPr/>
+            <p:nvPr>
+              <p:extLst>
+                <p:ext uri="{386F3935-93C4-4BCD-93E2-E3B085C9AB24}">
+                  <p16:designElem xmlns:p16="http://schemas.microsoft.com/office/powerpoint/2015/main" val="1"/>
+                </p:ext>
+              </p:extLst>
+            </p:nvPr>
+          </p:nvSpPr>
+          <p:spPr bwMode="auto">
+            <a:xfrm>
+              <a:off x="2928938" y="-4763"/>
+              <a:ext cx="1035050" cy="2673350"/>
+            </a:xfrm>
+            <a:custGeom>
+              <a:avLst/>
+              <a:gdLst/>
+              <a:ahLst/>
+              <a:cxnLst/>
+              <a:rect l="0" t="0" r="r" b="b"/>
+              <a:pathLst>
+                <a:path w="652" h="1684">
+                  <a:moveTo>
+                    <a:pt x="225" y="1684"/>
+                  </a:moveTo>
+                  <a:lnTo>
+                    <a:pt x="652" y="0"/>
+                  </a:lnTo>
+                  <a:lnTo>
+                    <a:pt x="411" y="0"/>
+                  </a:lnTo>
+                  <a:lnTo>
+                    <a:pt x="0" y="1627"/>
+                  </a:lnTo>
+                  <a:lnTo>
+                    <a:pt x="219" y="1681"/>
+                  </a:lnTo>
+                  <a:lnTo>
+                    <a:pt x="225" y="1684"/>
+                  </a:lnTo>
+                  <a:close/>
+                </a:path>
+              </a:pathLst>
+            </a:custGeom>
+            <a:solidFill>
+              <a:schemeClr val="tx1">
+                <a:lumMod val="65000"/>
+                <a:lumOff val="35000"/>
+              </a:schemeClr>
+            </a:solidFill>
+            <a:ln>
+              <a:noFill/>
+            </a:ln>
+          </p:spPr>
+        </p:sp>
+        <p:sp>
+          <p:nvSpPr>
+            <p:cNvPr id="32" name="Freeform 9"/>
+            <p:cNvSpPr/>
+            <p:nvPr>
+              <p:extLst>
+                <p:ext uri="{386F3935-93C4-4BCD-93E2-E3B085C9AB24}">
+                  <p16:designElem xmlns:p16="http://schemas.microsoft.com/office/powerpoint/2015/main" val="1"/>
+                </p:ext>
+              </p:extLst>
+            </p:nvPr>
+          </p:nvSpPr>
+          <p:spPr bwMode="auto">
+            <a:xfrm>
+              <a:off x="2928938" y="2582862"/>
+              <a:ext cx="2693987" cy="4275138"/>
+            </a:xfrm>
+            <a:custGeom>
+              <a:avLst/>
+              <a:gdLst/>
+              <a:ahLst/>
+              <a:cxnLst/>
+              <a:rect l="0" t="0" r="r" b="b"/>
+              <a:pathLst>
+                <a:path w="1697" h="2693">
+                  <a:moveTo>
+                    <a:pt x="0" y="0"/>
+                  </a:moveTo>
+                  <a:lnTo>
+                    <a:pt x="1622" y="2693"/>
+                  </a:lnTo>
+                  <a:lnTo>
+                    <a:pt x="1697" y="2693"/>
+                  </a:lnTo>
+                  <a:lnTo>
+                    <a:pt x="0" y="0"/>
+                  </a:lnTo>
+                  <a:close/>
+                </a:path>
+              </a:pathLst>
+            </a:custGeom>
+            <a:solidFill>
+              <a:schemeClr val="tx1">
+                <a:lumMod val="85000"/>
+                <a:lumOff val="15000"/>
+              </a:schemeClr>
+            </a:solidFill>
+            <a:ln>
+              <a:noFill/>
+            </a:ln>
+          </p:spPr>
+        </p:sp>
+        <p:sp>
+          <p:nvSpPr>
+            <p:cNvPr id="33" name="Freeform 10"/>
+            <p:cNvSpPr/>
+            <p:nvPr>
+              <p:extLst>
+                <p:ext uri="{386F3935-93C4-4BCD-93E2-E3B085C9AB24}">
+                  <p16:designElem xmlns:p16="http://schemas.microsoft.com/office/powerpoint/2015/main" val="1"/>
+                </p:ext>
+              </p:extLst>
+            </p:nvPr>
+          </p:nvSpPr>
+          <p:spPr bwMode="auto">
+            <a:xfrm>
+              <a:off x="3371850" y="2692400"/>
+              <a:ext cx="3332162" cy="4165600"/>
+            </a:xfrm>
+            <a:custGeom>
+              <a:avLst/>
+              <a:gdLst/>
+              <a:ahLst/>
+              <a:cxnLst/>
+              <a:rect l="0" t="0" r="r" b="b"/>
+              <a:pathLst>
+                <a:path w="2099" h="2624">
+                  <a:moveTo>
+                    <a:pt x="2099" y="2624"/>
+                  </a:moveTo>
+                  <a:lnTo>
+                    <a:pt x="0" y="0"/>
+                  </a:lnTo>
+                  <a:lnTo>
+                    <a:pt x="2021" y="2624"/>
+                  </a:lnTo>
+                  <a:lnTo>
+                    <a:pt x="2099" y="2624"/>
+                  </a:lnTo>
+                  <a:close/>
+                </a:path>
+              </a:pathLst>
+            </a:custGeom>
+            <a:solidFill>
+              <a:schemeClr val="accent1">
+                <a:lumMod val="50000"/>
+              </a:schemeClr>
+            </a:solidFill>
+            <a:ln>
+              <a:noFill/>
+            </a:ln>
+          </p:spPr>
+        </p:sp>
+        <p:sp>
+          <p:nvSpPr>
+            <p:cNvPr id="34" name="Freeform 11"/>
+            <p:cNvSpPr/>
+            <p:nvPr>
+              <p:extLst>
+                <p:ext uri="{386F3935-93C4-4BCD-93E2-E3B085C9AB24}">
+                  <p16:designElem xmlns:p16="http://schemas.microsoft.com/office/powerpoint/2015/main" val="1"/>
+                </p:ext>
+              </p:extLst>
+            </p:nvPr>
+          </p:nvSpPr>
+          <p:spPr bwMode="auto">
+            <a:xfrm>
+              <a:off x="3367088" y="2687637"/>
+              <a:ext cx="4576762" cy="4170363"/>
+            </a:xfrm>
+            <a:custGeom>
+              <a:avLst/>
+              <a:gdLst/>
+              <a:ahLst/>
+              <a:cxnLst/>
+              <a:rect l="0" t="0" r="r" b="b"/>
+              <a:pathLst>
+                <a:path w="2883" h="2627">
+                  <a:moveTo>
+                    <a:pt x="0" y="0"/>
+                  </a:moveTo>
+                  <a:lnTo>
+                    <a:pt x="3" y="3"/>
+                  </a:lnTo>
+                  <a:lnTo>
+                    <a:pt x="2102" y="2627"/>
+                  </a:lnTo>
+                  <a:lnTo>
+                    <a:pt x="2883" y="2627"/>
+                  </a:lnTo>
+                  <a:lnTo>
+                    <a:pt x="225" y="57"/>
+                  </a:lnTo>
+                  <a:lnTo>
+                    <a:pt x="0" y="0"/>
+                  </a:lnTo>
+                  <a:close/>
+                </a:path>
+              </a:pathLst>
+            </a:custGeom>
+            <a:solidFill>
+              <a:schemeClr val="accent1">
+                <a:lumMod val="75000"/>
+              </a:schemeClr>
+            </a:solidFill>
+            <a:ln>
+              <a:noFill/>
+            </a:ln>
+          </p:spPr>
+        </p:sp>
+        <p:sp>
+          <p:nvSpPr>
+            <p:cNvPr id="35" name="Freeform 12"/>
+            <p:cNvSpPr/>
+            <p:nvPr>
+              <p:extLst>
+                <p:ext uri="{386F3935-93C4-4BCD-93E2-E3B085C9AB24}">
+                  <p16:designElem xmlns:p16="http://schemas.microsoft.com/office/powerpoint/2015/main" val="1"/>
+                </p:ext>
+              </p:extLst>
+            </p:nvPr>
+          </p:nvSpPr>
+          <p:spPr bwMode="auto">
+            <a:xfrm>
+              <a:off x="2928938" y="2578100"/>
+              <a:ext cx="3584575" cy="4279900"/>
+            </a:xfrm>
+            <a:custGeom>
+              <a:avLst/>
+              <a:gdLst/>
+              <a:ahLst/>
+              <a:cxnLst/>
+              <a:rect l="0" t="0" r="r" b="b"/>
+              <a:pathLst>
+                <a:path w="2258" h="2696">
+                  <a:moveTo>
+                    <a:pt x="2258" y="2696"/>
+                  </a:moveTo>
+                  <a:lnTo>
+                    <a:pt x="264" y="111"/>
+                  </a:lnTo>
+                  <a:lnTo>
+                    <a:pt x="228" y="60"/>
+                  </a:lnTo>
+                  <a:lnTo>
+                    <a:pt x="225" y="57"/>
+                  </a:lnTo>
+                  <a:lnTo>
+                    <a:pt x="0" y="0"/>
+                  </a:lnTo>
+                  <a:lnTo>
+                    <a:pt x="0" y="3"/>
+                  </a:lnTo>
+                  <a:lnTo>
+                    <a:pt x="1697" y="2696"/>
+                  </a:lnTo>
+                  <a:lnTo>
+                    <a:pt x="2258" y="2696"/>
+                  </a:lnTo>
+                  <a:close/>
+                </a:path>
+              </a:pathLst>
+            </a:custGeom>
+            <a:solidFill>
+              <a:schemeClr val="tx1">
+                <a:lumMod val="75000"/>
+                <a:lumOff val="25000"/>
+              </a:schemeClr>
+            </a:solidFill>
+            <a:ln>
+              <a:noFill/>
+            </a:ln>
+          </p:spPr>
+        </p:sp>
+      </p:grpSp>
+      <p:sp useBgFill="1">
+        <p:nvSpPr>
+          <p:cNvPr id="37" name="Rectangle 36"/>
+          <p:cNvSpPr>
+            <a:spLocks noGrp="1" noRot="1" noChangeAspect="1" noMove="1" noResize="1" noEditPoints="1" noAdjustHandles="1" noChangeArrowheads="1" noChangeShapeType="1" noTextEdit="1"/>
+          </p:cNvSpPr>
+          <p:nvPr>
+            <p:extLst>
+              <p:ext uri="{386F3935-93C4-4BCD-93E2-E3B085C9AB24}">
+                <p16:designElem xmlns:p16="http://schemas.microsoft.com/office/powerpoint/2015/main" val="1"/>
+              </p:ext>
+            </p:extLst>
+          </p:nvPr>
+        </p:nvSpPr>
+        <p:spPr>
+          <a:xfrm>
+            <a:off x="0" y="0"/>
+            <a:ext cx="12192000" cy="6858000"/>
+          </a:xfrm>
+          <a:prstGeom prst="rect">
+            <a:avLst/>
+          </a:prstGeom>
+          <a:ln>
+            <a:noFill/>
+          </a:ln>
+        </p:spPr>
+        <p:style>
+          <a:lnRef idx="2">
+            <a:schemeClr val="accent1">
+              <a:shade val="50000"/>
+            </a:schemeClr>
+          </a:lnRef>
+          <a:fillRef idx="1">
+            <a:schemeClr val="accent1"/>
+          </a:fillRef>
+          <a:effectRef idx="0">
+            <a:schemeClr val="accent1"/>
+          </a:effectRef>
+          <a:fontRef idx="minor">
+            <a:schemeClr val="lt1"/>
+          </a:fontRef>
+        </p:style>
+        <p:txBody>
+          <a:bodyPr rtlCol="0" anchor="ctr"/>
+          <a:lstStyle/>
+          <a:p>
+            <a:pPr algn="ctr"/>
+            <a:endParaRPr lang="en-US"/>
+          </a:p>
+        </p:txBody>
+      </p:sp>
+      <p:grpSp>
+        <p:nvGrpSpPr>
+          <p:cNvPr id="39" name="Group 38"/>
+          <p:cNvGrpSpPr>
+            <a:grpSpLocks noGrp="1" noUngrp="1" noRot="1" noChangeAspect="1" noMove="1" noResize="1"/>
+          </p:cNvGrpSpPr>
+          <p:nvPr>
+            <p:extLst>
+              <p:ext uri="{386F3935-93C4-4BCD-93E2-E3B085C9AB24}">
+                <p16:designElem xmlns:p16="http://schemas.microsoft.com/office/powerpoint/2015/main" val="1"/>
+              </p:ext>
+            </p:extLst>
+          </p:nvPr>
+        </p:nvGrpSpPr>
+        <p:grpSpPr>
+          <a:xfrm>
+            <a:off x="886714" y="-4763"/>
+            <a:ext cx="5014912" cy="6862763"/>
+            <a:chOff x="2928938" y="-4763"/>
+            <a:chExt cx="5014912" cy="6862763"/>
+          </a:xfrm>
+        </p:grpSpPr>
+        <p:sp>
+          <p:nvSpPr>
+            <p:cNvPr id="40" name="Freeform 6"/>
+            <p:cNvSpPr/>
+            <p:nvPr>
+              <p:extLst>
+                <p:ext uri="{386F3935-93C4-4BCD-93E2-E3B085C9AB24}">
+                  <p16:designElem xmlns:p16="http://schemas.microsoft.com/office/powerpoint/2015/main" val="1"/>
+                </p:ext>
+              </p:extLst>
+            </p:nvPr>
+          </p:nvSpPr>
+          <p:spPr bwMode="auto">
+            <a:xfrm>
+              <a:off x="3367088" y="-4763"/>
+              <a:ext cx="1063625" cy="2782888"/>
+            </a:xfrm>
+            <a:custGeom>
+              <a:avLst/>
+              <a:gdLst/>
+              <a:ahLst/>
+              <a:cxnLst/>
+              <a:rect l="0" t="0" r="r" b="b"/>
+              <a:pathLst>
+                <a:path w="670" h="1753">
+                  <a:moveTo>
+                    <a:pt x="0" y="1696"/>
+                  </a:moveTo>
+                  <a:lnTo>
+                    <a:pt x="225" y="1753"/>
+                  </a:lnTo>
+                  <a:lnTo>
+                    <a:pt x="670" y="0"/>
+                  </a:lnTo>
+                  <a:lnTo>
+                    <a:pt x="430" y="0"/>
+                  </a:lnTo>
+                  <a:lnTo>
+                    <a:pt x="0" y="1696"/>
+                  </a:lnTo>
+                  <a:close/>
+                </a:path>
+              </a:pathLst>
+            </a:custGeom>
+            <a:solidFill>
+              <a:schemeClr val="accent1"/>
+            </a:solidFill>
+            <a:ln>
+              <a:noFill/>
+            </a:ln>
+          </p:spPr>
+        </p:sp>
+        <p:sp>
+          <p:nvSpPr>
+            <p:cNvPr id="41" name="Freeform 7"/>
+            <p:cNvSpPr/>
+            <p:nvPr>
+              <p:extLst>
+                <p:ext uri="{386F3935-93C4-4BCD-93E2-E3B085C9AB24}">
+                  <p16:designElem xmlns:p16="http://schemas.microsoft.com/office/powerpoint/2015/main" val="1"/>
+                </p:ext>
+              </p:extLst>
+            </p:nvPr>
+          </p:nvSpPr>
+          <p:spPr bwMode="auto">
+            <a:xfrm>
+              <a:off x="2928938" y="-4763"/>
+              <a:ext cx="1035050" cy="2673350"/>
+            </a:xfrm>
+            <a:custGeom>
+              <a:avLst/>
+              <a:gdLst/>
+              <a:ahLst/>
+              <a:cxnLst/>
+              <a:rect l="0" t="0" r="r" b="b"/>
+              <a:pathLst>
+                <a:path w="652" h="1684">
+                  <a:moveTo>
+                    <a:pt x="225" y="1684"/>
+                  </a:moveTo>
+                  <a:lnTo>
+                    <a:pt x="652" y="0"/>
+                  </a:lnTo>
+                  <a:lnTo>
+                    <a:pt x="411" y="0"/>
+                  </a:lnTo>
+                  <a:lnTo>
+                    <a:pt x="0" y="1627"/>
+                  </a:lnTo>
+                  <a:lnTo>
+                    <a:pt x="219" y="1681"/>
+                  </a:lnTo>
+                  <a:lnTo>
+                    <a:pt x="225" y="1684"/>
+                  </a:lnTo>
+                  <a:close/>
+                </a:path>
+              </a:pathLst>
+            </a:custGeom>
+            <a:solidFill>
+              <a:schemeClr val="tx1">
+                <a:lumMod val="65000"/>
+                <a:lumOff val="35000"/>
+              </a:schemeClr>
+            </a:solidFill>
+            <a:ln>
+              <a:noFill/>
+            </a:ln>
+          </p:spPr>
+        </p:sp>
+        <p:sp>
+          <p:nvSpPr>
+            <p:cNvPr id="42" name="Freeform 25"/>
+            <p:cNvSpPr/>
+            <p:nvPr>
+              <p:extLst>
+                <p:ext uri="{386F3935-93C4-4BCD-93E2-E3B085C9AB24}">
+                  <p16:designElem xmlns:p16="http://schemas.microsoft.com/office/powerpoint/2015/main" val="1"/>
+                </p:ext>
+              </p:extLst>
+            </p:nvPr>
+          </p:nvSpPr>
+          <p:spPr bwMode="auto">
+            <a:xfrm>
+              <a:off x="2928938" y="2582862"/>
+              <a:ext cx="2693987" cy="4275138"/>
+            </a:xfrm>
+            <a:custGeom>
+              <a:avLst/>
+              <a:gdLst/>
+              <a:ahLst/>
+              <a:cxnLst/>
+              <a:rect l="0" t="0" r="r" b="b"/>
+              <a:pathLst>
+                <a:path w="1697" h="2693">
+                  <a:moveTo>
+                    <a:pt x="0" y="0"/>
+                  </a:moveTo>
+                  <a:lnTo>
+                    <a:pt x="1622" y="2693"/>
+                  </a:lnTo>
+                  <a:lnTo>
+                    <a:pt x="1697" y="2693"/>
+                  </a:lnTo>
+                  <a:lnTo>
+                    <a:pt x="0" y="0"/>
+                  </a:lnTo>
+                  <a:close/>
+                </a:path>
+              </a:pathLst>
+            </a:custGeom>
+            <a:solidFill>
+              <a:schemeClr val="tx1">
+                <a:lumMod val="85000"/>
+                <a:lumOff val="15000"/>
+              </a:schemeClr>
+            </a:solidFill>
+            <a:ln>
+              <a:noFill/>
+            </a:ln>
+          </p:spPr>
+        </p:sp>
+        <p:sp>
+          <p:nvSpPr>
+            <p:cNvPr id="43" name="Freeform 26"/>
+            <p:cNvSpPr/>
+            <p:nvPr>
+              <p:extLst>
+                <p:ext uri="{386F3935-93C4-4BCD-93E2-E3B085C9AB24}">
+                  <p16:designElem xmlns:p16="http://schemas.microsoft.com/office/powerpoint/2015/main" val="1"/>
+                </p:ext>
+              </p:extLst>
+            </p:nvPr>
+          </p:nvSpPr>
+          <p:spPr bwMode="auto">
+            <a:xfrm>
+              <a:off x="3371850" y="2692400"/>
+              <a:ext cx="3332162" cy="4165600"/>
+            </a:xfrm>
+            <a:custGeom>
+              <a:avLst/>
+              <a:gdLst/>
+              <a:ahLst/>
+              <a:cxnLst/>
+              <a:rect l="0" t="0" r="r" b="b"/>
+              <a:pathLst>
+                <a:path w="2099" h="2624">
+                  <a:moveTo>
+                    <a:pt x="2099" y="2624"/>
+                  </a:moveTo>
+                  <a:lnTo>
+                    <a:pt x="0" y="0"/>
+                  </a:lnTo>
+                  <a:lnTo>
+                    <a:pt x="2021" y="2624"/>
+                  </a:lnTo>
+                  <a:lnTo>
+                    <a:pt x="2099" y="2624"/>
+                  </a:lnTo>
+                  <a:close/>
+                </a:path>
+              </a:pathLst>
+            </a:custGeom>
+            <a:solidFill>
+              <a:schemeClr val="accent1">
+                <a:lumMod val="50000"/>
+              </a:schemeClr>
+            </a:solidFill>
+            <a:ln>
+              <a:noFill/>
+            </a:ln>
+          </p:spPr>
+        </p:sp>
+        <p:sp>
+          <p:nvSpPr>
+            <p:cNvPr id="44" name="Freeform 27"/>
+            <p:cNvSpPr/>
+            <p:nvPr>
+              <p:extLst>
+                <p:ext uri="{386F3935-93C4-4BCD-93E2-E3B085C9AB24}">
+                  <p16:designElem xmlns:p16="http://schemas.microsoft.com/office/powerpoint/2015/main" val="1"/>
+                </p:ext>
+              </p:extLst>
+            </p:nvPr>
+          </p:nvSpPr>
+          <p:spPr bwMode="auto">
+            <a:xfrm>
+              <a:off x="3367088" y="2687637"/>
+              <a:ext cx="4576762" cy="4170363"/>
+            </a:xfrm>
+            <a:custGeom>
+              <a:avLst/>
+              <a:gdLst/>
+              <a:ahLst/>
+              <a:cxnLst/>
+              <a:rect l="0" t="0" r="r" b="b"/>
+              <a:pathLst>
+                <a:path w="2883" h="2627">
+                  <a:moveTo>
+                    <a:pt x="0" y="0"/>
+                  </a:moveTo>
+                  <a:lnTo>
+                    <a:pt x="3" y="3"/>
+                  </a:lnTo>
+                  <a:lnTo>
+                    <a:pt x="2102" y="2627"/>
+                  </a:lnTo>
+                  <a:lnTo>
+                    <a:pt x="2883" y="2627"/>
+                  </a:lnTo>
+                  <a:lnTo>
+                    <a:pt x="225" y="57"/>
+                  </a:lnTo>
+                  <a:lnTo>
+                    <a:pt x="0" y="0"/>
+                  </a:lnTo>
+                  <a:close/>
+                </a:path>
+              </a:pathLst>
+            </a:custGeom>
+            <a:solidFill>
+              <a:schemeClr val="accent1">
+                <a:lumMod val="75000"/>
+              </a:schemeClr>
+            </a:solidFill>
+            <a:ln>
+              <a:noFill/>
+            </a:ln>
+          </p:spPr>
+        </p:sp>
+        <p:sp>
+          <p:nvSpPr>
+            <p:cNvPr id="45" name="Freeform 28"/>
+            <p:cNvSpPr/>
+            <p:nvPr>
+              <p:extLst>
+                <p:ext uri="{386F3935-93C4-4BCD-93E2-E3B085C9AB24}">
+                  <p16:designElem xmlns:p16="http://schemas.microsoft.com/office/powerpoint/2015/main" val="1"/>
+                </p:ext>
+              </p:extLst>
+            </p:nvPr>
+          </p:nvSpPr>
+          <p:spPr bwMode="auto">
+            <a:xfrm>
+              <a:off x="2928938" y="2578100"/>
+              <a:ext cx="3584575" cy="4279900"/>
+            </a:xfrm>
+            <a:custGeom>
+              <a:avLst/>
+              <a:gdLst/>
+              <a:ahLst/>
+              <a:cxnLst/>
+              <a:rect l="0" t="0" r="r" b="b"/>
+              <a:pathLst>
+                <a:path w="2258" h="2696">
+                  <a:moveTo>
+                    <a:pt x="2258" y="2696"/>
+                  </a:moveTo>
+                  <a:lnTo>
+                    <a:pt x="264" y="111"/>
+                  </a:lnTo>
+                  <a:lnTo>
+                    <a:pt x="228" y="60"/>
+                  </a:lnTo>
+                  <a:lnTo>
+                    <a:pt x="225" y="57"/>
+                  </a:lnTo>
+                  <a:lnTo>
+                    <a:pt x="0" y="0"/>
+                  </a:lnTo>
+                  <a:lnTo>
+                    <a:pt x="0" y="3"/>
+                  </a:lnTo>
+                  <a:lnTo>
+                    <a:pt x="1697" y="2696"/>
+                  </a:lnTo>
+                  <a:lnTo>
+                    <a:pt x="2258" y="2696"/>
+                  </a:lnTo>
+                  <a:close/>
+                </a:path>
+              </a:pathLst>
+            </a:custGeom>
+            <a:solidFill>
+              <a:schemeClr val="tx1">
+                <a:lumMod val="75000"/>
+                <a:lumOff val="25000"/>
+              </a:schemeClr>
+            </a:solidFill>
+            <a:ln>
+              <a:noFill/>
+            </a:ln>
+          </p:spPr>
+        </p:sp>
+      </p:grpSp>
+      <p:sp>
+        <p:nvSpPr>
+          <p:cNvPr id="47" name="Rounded Rectangle 16"/>
+          <p:cNvSpPr>
+            <a:spLocks noGrp="1" noRot="1" noChangeAspect="1" noMove="1" noResize="1" noEditPoints="1" noAdjustHandles="1" noChangeArrowheads="1" noChangeShapeType="1" noTextEdit="1"/>
+          </p:cNvSpPr>
+          <p:nvPr>
+            <p:extLst>
+              <p:ext uri="{386F3935-93C4-4BCD-93E2-E3B085C9AB24}">
+                <p16:designElem xmlns:p16="http://schemas.microsoft.com/office/powerpoint/2015/main" val="1"/>
+              </p:ext>
+            </p:extLst>
+          </p:nvPr>
+        </p:nvSpPr>
+        <p:spPr>
+          <a:xfrm>
+            <a:off x="656693" y="648931"/>
+            <a:ext cx="6854433" cy="5231964"/>
+          </a:xfrm>
+          <a:prstGeom prst="roundRect">
+            <a:avLst>
+              <a:gd name="adj" fmla="val 4834"/>
+            </a:avLst>
+          </a:prstGeom>
+          <a:solidFill>
+            <a:schemeClr val="bg1"/>
+          </a:solidFill>
+          <a:ln w="38100">
+            <a:gradFill flip="none" rotWithShape="1">
+              <a:gsLst>
+                <a:gs pos="0">
+                  <a:schemeClr val="bg2"/>
+                </a:gs>
+                <a:gs pos="100000">
+                  <a:schemeClr val="bg2">
+                    <a:lumMod val="75000"/>
+                  </a:schemeClr>
+                </a:gs>
+              </a:gsLst>
+              <a:lin ang="5400000" scaled="0"/>
+              <a:tileRect/>
+            </a:gradFill>
+          </a:ln>
+          <a:effectLst>
+            <a:innerShdw blurRad="57150" dist="38100" dir="14460000">
+              <a:srgbClr val="000000">
+                <a:alpha val="70000"/>
+              </a:srgbClr>
+            </a:innerShdw>
+          </a:effectLst>
+        </p:spPr>
+        <p:style>
+          <a:lnRef idx="2">
+            <a:schemeClr val="accent1">
+              <a:shade val="50000"/>
+            </a:schemeClr>
+          </a:lnRef>
+          <a:fillRef idx="1">
+            <a:schemeClr val="accent1"/>
+          </a:fillRef>
+          <a:effectRef idx="0">
+            <a:schemeClr val="accent1"/>
+          </a:effectRef>
+          <a:fontRef idx="minor">
+            <a:schemeClr val="lt1"/>
+          </a:fontRef>
+        </p:style>
+        <p:txBody>
+          <a:bodyPr rtlCol="0" anchor="ctr"/>
+          <a:lstStyle/>
+          <a:p>
+            <a:pPr algn="ctr"/>
+            <a:endParaRPr lang="en-US"/>
+          </a:p>
+        </p:txBody>
+      </p:sp>
+      <p:pic>
+        <p:nvPicPr>
+          <p:cNvPr id="8" name="Content Placeholder 7" descr="A picture containing screenshot&#10;&#10;Description generated with very high confidence"/>
+          <p:cNvPicPr>
+            <a:picLocks noGrp="1" noChangeAspect="1"/>
+          </p:cNvPicPr>
+          <p:nvPr>
+            <p:ph idx="1"/>
+          </p:nvPr>
+        </p:nvPicPr>
+        <p:blipFill>
+          <a:blip r:embed="rId3">
+            <a:extLst>
+              <a:ext uri="{28A0092B-C50C-407E-A947-70E740481C1C}">
+                <a14:useLocalDpi xmlns:a14="http://schemas.microsoft.com/office/drawing/2010/main" val="0"/>
+              </a:ext>
+            </a:extLst>
+          </a:blip>
+          <a:stretch>
+            <a:fillRect/>
+          </a:stretch>
+        </p:blipFill>
+        <p:spPr>
+          <a:xfrm>
+            <a:off x="832685" y="1896682"/>
+            <a:ext cx="5876036" cy="3767527"/>
+          </a:xfrm>
+          <a:prstGeom prst="rect">
+            <a:avLst/>
+          </a:prstGeom>
+        </p:spPr>
+      </p:pic>
+      <p:sp>
+        <p:nvSpPr>
+          <p:cNvPr id="2" name="Title 1"/>
+          <p:cNvSpPr>
+            <a:spLocks noGrp="1"/>
+          </p:cNvSpPr>
+          <p:nvPr>
+            <p:ph type="title"/>
+          </p:nvPr>
+        </p:nvSpPr>
+        <p:spPr>
+          <a:xfrm>
+            <a:off x="8041742" y="648930"/>
+            <a:ext cx="3461281" cy="3347337"/>
+          </a:xfrm>
+        </p:spPr>
+        <p:txBody>
+          <a:bodyPr vert="horz" lIns="91440" tIns="45720" rIns="91440" bIns="45720" rtlCol="0" anchor="b">
+            <a:normAutofit/>
+          </a:bodyPr>
+          <a:lstStyle/>
+          <a:p>
+            <a:pPr algn="r"/>
+            <a:r>
+              <a:rPr lang="en-US" sz="4800"/>
+              <a:t>From a Function Returning a Refcursor</a:t>
+            </a:r>
+          </a:p>
+        </p:txBody>
+      </p:sp>
+      <p:sp>
+        <p:nvSpPr>
+          <p:cNvPr id="11" name="Rectangle 10"/>
+          <p:cNvSpPr/>
+          <p:nvPr/>
+        </p:nvSpPr>
+        <p:spPr>
+          <a:xfrm>
+            <a:off x="722703" y="949641"/>
+            <a:ext cx="6096000" cy="646331"/>
+          </a:xfrm>
+          <a:prstGeom prst="rect">
+            <a:avLst/>
+          </a:prstGeom>
+        </p:spPr>
+        <p:txBody>
+          <a:bodyPr>
+            <a:spAutoFit/>
+          </a:bodyPr>
+          <a:lstStyle/>
+          <a:p>
+            <a:r>
+              <a:rPr lang="en-US" dirty="0"/>
+              <a:t>When calling a function that returns a </a:t>
+            </a:r>
+            <a:r>
+              <a:rPr lang="en-US" dirty="0" err="1"/>
+              <a:t>refcursor</a:t>
+            </a:r>
+            <a:r>
+              <a:rPr lang="en-US" dirty="0"/>
+              <a:t> you must cast the return type of </a:t>
+            </a:r>
+            <a:r>
+              <a:rPr lang="en-US" dirty="0" err="1"/>
+              <a:t>getObject</a:t>
+            </a:r>
+            <a:r>
+              <a:rPr lang="en-US" dirty="0"/>
+              <a:t> to a </a:t>
+            </a:r>
+            <a:r>
+              <a:rPr lang="en-US" dirty="0" err="1"/>
+              <a:t>ResultSet</a:t>
+            </a:r>
+            <a:endParaRPr lang="en-US" dirty="0"/>
+          </a:p>
+        </p:txBody>
+      </p:sp>
+    </p:spTree>
+    <p:extLst>
+      <p:ext uri="{BB962C8B-B14F-4D97-AF65-F5344CB8AC3E}">
+        <p14:creationId xmlns:p14="http://schemas.microsoft.com/office/powerpoint/2010/main" val="4029663752"/>
+      </p:ext>
+    </p:extLst>
+  </p:cSld>
+  <p:clrMapOvr>
+    <a:masterClrMapping/>
+  </p:clrMapOvr>
+</p:sld>
+</file>
+
+<file path=ppt/slides/slide9.xml><?xml version="1.0" encoding="utf-8"?>
+<p:sld xmlns:a="http://schemas.openxmlformats.org/drawingml/2006/main" xmlns:r="http://schemas.openxmlformats.org/officeDocument/2006/relationships" xmlns:p="http://schemas.openxmlformats.org/presentationml/2006/main">
+  <p:cSld>
+    <p:spTree>
+      <p:nvGrpSpPr>
+        <p:cNvPr id="1" name=""/>
+        <p:cNvGrpSpPr/>
+        <p:nvPr/>
+      </p:nvGrpSpPr>
+      <p:grpSpPr>
+        <a:xfrm>
+          <a:off x="0" y="0"/>
+          <a:ext cx="0" cy="0"/>
+          <a:chOff x="0" y="0"/>
+          <a:chExt cx="0" cy="0"/>
+        </a:xfrm>
+      </p:grpSpPr>
+      <p:sp>
+        <p:nvSpPr>
+          <p:cNvPr id="11" name="Rectangle 10"/>
+          <p:cNvSpPr>
+            <a:spLocks noGrp="1" noRot="1" noChangeAspect="1" noMove="1" noResize="1" noEditPoints="1" noAdjustHandles="1" noChangeArrowheads="1" noChangeShapeType="1" noTextEdit="1"/>
+          </p:cNvSpPr>
+          <p:nvPr>
+            <p:extLst>
+              <p:ext uri="{386F3935-93C4-4BCD-93E2-E3B085C9AB24}">
+                <p16:designElem xmlns:p16="http://schemas.microsoft.com/office/powerpoint/2015/main" val="1"/>
+              </p:ext>
+            </p:extLst>
+          </p:nvPr>
+        </p:nvSpPr>
+        <p:spPr bwMode="white">
+          <a:xfrm>
+            <a:off x="0" y="0"/>
+            <a:ext cx="12192000" cy="6858000"/>
+          </a:xfrm>
+          <a:prstGeom prst="rect">
+            <a:avLst/>
+          </a:prstGeom>
+          <a:blipFill rotWithShape="1">
+            <a:blip r:embed="rId2">
+              <a:duotone>
+                <a:schemeClr val="bg2">
+                  <a:shade val="76000"/>
+                  <a:satMod val="180000"/>
+                </a:schemeClr>
+                <a:schemeClr val="bg2">
+                  <a:tint val="80000"/>
+                  <a:satMod val="120000"/>
+                  <a:lumMod val="180000"/>
+                </a:schemeClr>
+              </a:duotone>
+            </a:blip>
+            <a:stretch/>
+          </a:blipFill>
+          <a:ln>
+            <a:noFill/>
+          </a:ln>
+          <a:effectLst/>
+        </p:spPr>
+      </p:sp>
+      <p:grpSp>
+        <p:nvGrpSpPr>
+          <p:cNvPr id="13" name="Group 12"/>
+          <p:cNvGrpSpPr>
+            <a:grpSpLocks noGrp="1" noUngrp="1" noRot="1" noChangeAspect="1" noMove="1" noResize="1"/>
+          </p:cNvGrpSpPr>
+          <p:nvPr>
+            <p:extLst>
+              <p:ext uri="{386F3935-93C4-4BCD-93E2-E3B085C9AB24}">
+                <p16:designElem xmlns:p16="http://schemas.microsoft.com/office/powerpoint/2015/main" val="1"/>
+              </p:ext>
+            </p:extLst>
+          </p:nvPr>
+        </p:nvGrpSpPr>
+        <p:grpSpPr>
+          <a:xfrm>
+            <a:off x="546100" y="-4763"/>
+            <a:ext cx="5014912" cy="6862763"/>
+            <a:chOff x="2928938" y="-4763"/>
+            <a:chExt cx="5014912" cy="6862763"/>
+          </a:xfrm>
+        </p:grpSpPr>
+        <p:sp>
+          <p:nvSpPr>
+            <p:cNvPr id="14" name="Freeform 6"/>
+            <p:cNvSpPr/>
+            <p:nvPr>
+              <p:extLst>
+                <p:ext uri="{386F3935-93C4-4BCD-93E2-E3B085C9AB24}">
+                  <p16:designElem xmlns:p16="http://schemas.microsoft.com/office/powerpoint/2015/main" val="1"/>
+                </p:ext>
+              </p:extLst>
+            </p:nvPr>
+          </p:nvSpPr>
+          <p:spPr bwMode="auto">
+            <a:xfrm>
+              <a:off x="3367088" y="-4763"/>
+              <a:ext cx="1063625" cy="2782888"/>
+            </a:xfrm>
+            <a:custGeom>
+              <a:avLst/>
+              <a:gdLst/>
+              <a:ahLst/>
+              <a:cxnLst/>
+              <a:rect l="0" t="0" r="r" b="b"/>
+              <a:pathLst>
+                <a:path w="670" h="1753">
+                  <a:moveTo>
+                    <a:pt x="0" y="1696"/>
+                  </a:moveTo>
+                  <a:lnTo>
+                    <a:pt x="225" y="1753"/>
+                  </a:lnTo>
+                  <a:lnTo>
+                    <a:pt x="670" y="0"/>
+                  </a:lnTo>
+                  <a:lnTo>
+                    <a:pt x="430" y="0"/>
+                  </a:lnTo>
+                  <a:lnTo>
+                    <a:pt x="0" y="1696"/>
+                  </a:lnTo>
+                  <a:close/>
+                </a:path>
+              </a:pathLst>
+            </a:custGeom>
+            <a:solidFill>
+              <a:schemeClr val="accent1"/>
+            </a:solidFill>
+            <a:ln>
+              <a:noFill/>
+            </a:ln>
+          </p:spPr>
+        </p:sp>
+        <p:sp>
+          <p:nvSpPr>
+            <p:cNvPr id="15" name="Freeform 7"/>
+            <p:cNvSpPr/>
+            <p:nvPr>
+              <p:extLst>
+                <p:ext uri="{386F3935-93C4-4BCD-93E2-E3B085C9AB24}">
+                  <p16:designElem xmlns:p16="http://schemas.microsoft.com/office/powerpoint/2015/main" val="1"/>
+                </p:ext>
+              </p:extLst>
+            </p:nvPr>
+          </p:nvSpPr>
+          <p:spPr bwMode="auto">
+            <a:xfrm>
+              <a:off x="2928938" y="-4763"/>
+              <a:ext cx="1035050" cy="2673350"/>
+            </a:xfrm>
+            <a:custGeom>
+              <a:avLst/>
+              <a:gdLst/>
+              <a:ahLst/>
+              <a:cxnLst/>
+              <a:rect l="0" t="0" r="r" b="b"/>
+              <a:pathLst>
+                <a:path w="652" h="1684">
+                  <a:moveTo>
+                    <a:pt x="225" y="1684"/>
+                  </a:moveTo>
+                  <a:lnTo>
+                    <a:pt x="652" y="0"/>
+                  </a:lnTo>
+                  <a:lnTo>
+                    <a:pt x="411" y="0"/>
+                  </a:lnTo>
+                  <a:lnTo>
+                    <a:pt x="0" y="1627"/>
+                  </a:lnTo>
+                  <a:lnTo>
+                    <a:pt x="219" y="1681"/>
+                  </a:lnTo>
+                  <a:lnTo>
+                    <a:pt x="225" y="1684"/>
+                  </a:lnTo>
+                  <a:close/>
+                </a:path>
+              </a:pathLst>
+            </a:custGeom>
+            <a:solidFill>
+              <a:schemeClr val="tx1">
+                <a:lumMod val="65000"/>
+                <a:lumOff val="35000"/>
+              </a:schemeClr>
+            </a:solidFill>
+            <a:ln>
+              <a:noFill/>
+            </a:ln>
+          </p:spPr>
+        </p:sp>
+        <p:sp>
+          <p:nvSpPr>
+            <p:cNvPr id="16" name="Freeform 9"/>
+            <p:cNvSpPr/>
+            <p:nvPr>
+              <p:extLst>
+                <p:ext uri="{386F3935-93C4-4BCD-93E2-E3B085C9AB24}">
+                  <p16:designElem xmlns:p16="http://schemas.microsoft.com/office/powerpoint/2015/main" val="1"/>
+                </p:ext>
+              </p:extLst>
+            </p:nvPr>
+          </p:nvSpPr>
+          <p:spPr bwMode="auto">
+            <a:xfrm>
+              <a:off x="2928938" y="2582862"/>
+              <a:ext cx="2693987" cy="4275138"/>
+            </a:xfrm>
+            <a:custGeom>
+              <a:avLst/>
+              <a:gdLst/>
+              <a:ahLst/>
+              <a:cxnLst/>
+              <a:rect l="0" t="0" r="r" b="b"/>
+              <a:pathLst>
+                <a:path w="1697" h="2693">
+                  <a:moveTo>
+                    <a:pt x="0" y="0"/>
+                  </a:moveTo>
+                  <a:lnTo>
+                    <a:pt x="1622" y="2693"/>
+                  </a:lnTo>
+                  <a:lnTo>
+                    <a:pt x="1697" y="2693"/>
+                  </a:lnTo>
+                  <a:lnTo>
+                    <a:pt x="0" y="0"/>
+                  </a:lnTo>
+                  <a:close/>
+                </a:path>
+              </a:pathLst>
+            </a:custGeom>
+            <a:solidFill>
+              <a:schemeClr val="tx1">
+                <a:lumMod val="85000"/>
+                <a:lumOff val="15000"/>
+              </a:schemeClr>
+            </a:solidFill>
+            <a:ln>
+              <a:noFill/>
+            </a:ln>
+          </p:spPr>
+        </p:sp>
+        <p:sp>
+          <p:nvSpPr>
+            <p:cNvPr id="17" name="Freeform 10"/>
+            <p:cNvSpPr/>
+            <p:nvPr>
+              <p:extLst>
+                <p:ext uri="{386F3935-93C4-4BCD-93E2-E3B085C9AB24}">
+                  <p16:designElem xmlns:p16="http://schemas.microsoft.com/office/powerpoint/2015/main" val="1"/>
+                </p:ext>
+              </p:extLst>
+            </p:nvPr>
+          </p:nvSpPr>
+          <p:spPr bwMode="auto">
+            <a:xfrm>
+              <a:off x="3371850" y="2692400"/>
+              <a:ext cx="3332162" cy="4165600"/>
+            </a:xfrm>
+            <a:custGeom>
+              <a:avLst/>
+              <a:gdLst/>
+              <a:ahLst/>
+              <a:cxnLst/>
+              <a:rect l="0" t="0" r="r" b="b"/>
+              <a:pathLst>
+                <a:path w="2099" h="2624">
+                  <a:moveTo>
+                    <a:pt x="2099" y="2624"/>
+                  </a:moveTo>
+                  <a:lnTo>
+                    <a:pt x="0" y="0"/>
+                  </a:lnTo>
+                  <a:lnTo>
+                    <a:pt x="2021" y="2624"/>
+                  </a:lnTo>
+                  <a:lnTo>
+                    <a:pt x="2099" y="2624"/>
+                  </a:lnTo>
+                  <a:close/>
+                </a:path>
+              </a:pathLst>
+            </a:custGeom>
+            <a:solidFill>
+              <a:schemeClr val="accent1">
+                <a:lumMod val="50000"/>
+              </a:schemeClr>
+            </a:solidFill>
+            <a:ln>
+              <a:noFill/>
+            </a:ln>
+          </p:spPr>
+        </p:sp>
+        <p:sp>
+          <p:nvSpPr>
+            <p:cNvPr id="18" name="Freeform 11"/>
+            <p:cNvSpPr/>
+            <p:nvPr>
+              <p:extLst>
+                <p:ext uri="{386F3935-93C4-4BCD-93E2-E3B085C9AB24}">
+                  <p16:designElem xmlns:p16="http://schemas.microsoft.com/office/powerpoint/2015/main" val="1"/>
+                </p:ext>
+              </p:extLst>
+            </p:nvPr>
+          </p:nvSpPr>
+          <p:spPr bwMode="auto">
+            <a:xfrm>
+              <a:off x="3367088" y="2687637"/>
+              <a:ext cx="4576762" cy="4170363"/>
+            </a:xfrm>
+            <a:custGeom>
+              <a:avLst/>
+              <a:gdLst/>
+              <a:ahLst/>
+              <a:cxnLst/>
+              <a:rect l="0" t="0" r="r" b="b"/>
+              <a:pathLst>
+                <a:path w="2883" h="2627">
+                  <a:moveTo>
+                    <a:pt x="0" y="0"/>
+                  </a:moveTo>
+                  <a:lnTo>
+                    <a:pt x="3" y="3"/>
+                  </a:lnTo>
+                  <a:lnTo>
+                    <a:pt x="2102" y="2627"/>
+                  </a:lnTo>
+                  <a:lnTo>
+                    <a:pt x="2883" y="2627"/>
+                  </a:lnTo>
+                  <a:lnTo>
+                    <a:pt x="225" y="57"/>
+                  </a:lnTo>
+                  <a:lnTo>
+                    <a:pt x="0" y="0"/>
+                  </a:lnTo>
+                  <a:close/>
+                </a:path>
+              </a:pathLst>
+            </a:custGeom>
+            <a:solidFill>
+              <a:schemeClr val="accent1">
+                <a:lumMod val="75000"/>
+              </a:schemeClr>
+            </a:solidFill>
+            <a:ln>
+              <a:noFill/>
+            </a:ln>
+          </p:spPr>
+        </p:sp>
+        <p:sp>
+          <p:nvSpPr>
+            <p:cNvPr id="19" name="Freeform 12"/>
+            <p:cNvSpPr/>
+            <p:nvPr>
+              <p:extLst>
+                <p:ext uri="{386F3935-93C4-4BCD-93E2-E3B085C9AB24}">
+                  <p16:designElem xmlns:p16="http://schemas.microsoft.com/office/powerpoint/2015/main" val="1"/>
+                </p:ext>
+              </p:extLst>
+            </p:nvPr>
+          </p:nvSpPr>
+          <p:spPr bwMode="auto">
+            <a:xfrm>
+              <a:off x="2928938" y="2578100"/>
+              <a:ext cx="3584575" cy="4279900"/>
+            </a:xfrm>
+            <a:custGeom>
+              <a:avLst/>
+              <a:gdLst/>
+              <a:ahLst/>
+              <a:cxnLst/>
+              <a:rect l="0" t="0" r="r" b="b"/>
+              <a:pathLst>
+                <a:path w="2258" h="2696">
+                  <a:moveTo>
+                    <a:pt x="2258" y="2696"/>
+                  </a:moveTo>
+                  <a:lnTo>
+                    <a:pt x="264" y="111"/>
+                  </a:lnTo>
+                  <a:lnTo>
+                    <a:pt x="228" y="60"/>
+                  </a:lnTo>
+                  <a:lnTo>
+                    <a:pt x="225" y="57"/>
+                  </a:lnTo>
+                  <a:lnTo>
+                    <a:pt x="0" y="0"/>
+                  </a:lnTo>
+                  <a:lnTo>
+                    <a:pt x="0" y="3"/>
+                  </a:lnTo>
+                  <a:lnTo>
+                    <a:pt x="1697" y="2696"/>
+                  </a:lnTo>
+                  <a:lnTo>
+                    <a:pt x="2258" y="2696"/>
+                  </a:lnTo>
+                  <a:close/>
+                </a:path>
+              </a:pathLst>
+            </a:custGeom>
+            <a:solidFill>
+              <a:schemeClr val="tx1">
+                <a:lumMod val="75000"/>
+                <a:lumOff val="25000"/>
+              </a:schemeClr>
+            </a:solidFill>
+            <a:ln>
+              <a:noFill/>
+            </a:ln>
+          </p:spPr>
+        </p:sp>
+      </p:grpSp>
+      <p:sp>
+        <p:nvSpPr>
+          <p:cNvPr id="21" name="Rounded Rectangle 6"/>
+          <p:cNvSpPr>
+            <a:spLocks noGrp="1" noRot="1" noChangeAspect="1" noMove="1" noResize="1" noEditPoints="1" noAdjustHandles="1" noChangeArrowheads="1" noChangeShapeType="1" noTextEdit="1"/>
+          </p:cNvSpPr>
+          <p:nvPr>
+            <p:extLst>
+              <p:ext uri="{386F3935-93C4-4BCD-93E2-E3B085C9AB24}">
+                <p16:designElem xmlns:p16="http://schemas.microsoft.com/office/powerpoint/2015/main" val="1"/>
+              </p:ext>
+            </p:extLst>
+          </p:nvPr>
+        </p:nvSpPr>
+        <p:spPr>
+          <a:xfrm>
+            <a:off x="3718560" y="609600"/>
+            <a:ext cx="7833360" cy="3139440"/>
+          </a:xfrm>
+          <a:prstGeom prst="roundRect">
+            <a:avLst>
+              <a:gd name="adj" fmla="val 4834"/>
+            </a:avLst>
+          </a:prstGeom>
+          <a:solidFill>
+            <a:schemeClr val="bg1"/>
+          </a:solidFill>
+          <a:ln w="38100">
+            <a:gradFill flip="none" rotWithShape="1">
+              <a:gsLst>
+                <a:gs pos="0">
+                  <a:schemeClr val="bg2"/>
+                </a:gs>
+                <a:gs pos="100000">
+                  <a:schemeClr val="bg2">
+                    <a:lumMod val="75000"/>
+                  </a:schemeClr>
+                </a:gs>
+              </a:gsLst>
+              <a:lin ang="5400000" scaled="0"/>
+              <a:tileRect/>
+            </a:gradFill>
+          </a:ln>
+          <a:effectLst>
+            <a:innerShdw blurRad="57150" dist="38100" dir="14460000">
+              <a:srgbClr val="000000">
+                <a:alpha val="70000"/>
+              </a:srgbClr>
+            </a:innerShdw>
+          </a:effectLst>
+        </p:spPr>
+        <p:style>
+          <a:lnRef idx="2">
+            <a:schemeClr val="accent1">
+              <a:shade val="50000"/>
+            </a:schemeClr>
+          </a:lnRef>
+          <a:fillRef idx="1">
+            <a:schemeClr val="accent1"/>
+          </a:fillRef>
+          <a:effectRef idx="0">
+            <a:schemeClr val="accent1"/>
+          </a:effectRef>
+          <a:fontRef idx="minor">
+            <a:schemeClr val="lt1"/>
+          </a:fontRef>
+        </p:style>
+        <p:txBody>
+          <a:bodyPr rtlCol="0" anchor="ctr"/>
+          <a:lstStyle/>
+          <a:p>
+            <a:pPr algn="ctr"/>
+            <a:endParaRPr lang="en-US"/>
+          </a:p>
+        </p:txBody>
+      </p:sp>
+      <p:pic>
+        <p:nvPicPr>
+          <p:cNvPr id="6" name="Content Placeholder 5" descr="A picture containing screenshot, thing&#10;&#10;Description generated with high confidence"/>
+          <p:cNvPicPr>
+            <a:picLocks noGrp="1" noChangeAspect="1"/>
+          </p:cNvPicPr>
+          <p:nvPr>
+            <p:ph idx="1"/>
+          </p:nvPr>
+        </p:nvPicPr>
+        <p:blipFill>
+          <a:blip r:embed="rId3">
+            <a:extLst>
+              <a:ext uri="{28A0092B-C50C-407E-A947-70E740481C1C}">
+                <a14:useLocalDpi xmlns:a14="http://schemas.microsoft.com/office/drawing/2010/main" val="0"/>
+              </a:ext>
+            </a:extLst>
+          </a:blip>
+          <a:stretch>
+            <a:fillRect/>
+          </a:stretch>
+        </p:blipFill>
+        <p:spPr>
+          <a:xfrm>
+            <a:off x="3859189" y="1964443"/>
+            <a:ext cx="7692731" cy="1299526"/>
+          </a:xfrm>
+          <a:prstGeom prst="rect">
+            <a:avLst/>
+          </a:prstGeom>
+        </p:spPr>
+      </p:pic>
+      <p:sp>
+        <p:nvSpPr>
+          <p:cNvPr id="2" name="Title 1"/>
+          <p:cNvSpPr>
+            <a:spLocks noGrp="1"/>
+          </p:cNvSpPr>
+          <p:nvPr>
+            <p:ph type="title"/>
+          </p:nvPr>
+        </p:nvSpPr>
+        <p:spPr>
+          <a:xfrm>
+            <a:off x="4089399" y="4078424"/>
+            <a:ext cx="7413623" cy="1155427"/>
+          </a:xfrm>
+        </p:spPr>
+        <p:txBody>
+          <a:bodyPr vert="horz" lIns="91440" tIns="45720" rIns="91440" bIns="45720" rtlCol="0" anchor="b">
+            <a:normAutofit/>
+          </a:bodyPr>
+          <a:lstStyle/>
+          <a:p>
+            <a:pPr algn="r">
+              <a:lnSpc>
+                <a:spcPct val="80000"/>
+              </a:lnSpc>
+            </a:pPr>
+            <a:r>
+              <a:rPr lang="en-US" sz="4200" b="1" dirty="0"/>
+              <a:t>Treating </a:t>
+            </a:r>
+            <a:r>
+              <a:rPr lang="en-US" sz="4200" b="1" dirty="0" err="1"/>
+              <a:t>refcursor</a:t>
+            </a:r>
+            <a:r>
+              <a:rPr lang="en-US" sz="4200" b="1" dirty="0"/>
+              <a:t> as a cursor name</a:t>
+            </a:r>
+            <a:endParaRPr lang="en-US" sz="4200" dirty="0"/>
+          </a:p>
+        </p:txBody>
+      </p:sp>
+      <p:sp>
+        <p:nvSpPr>
+          <p:cNvPr id="3" name="Rectangle 2"/>
+          <p:cNvSpPr/>
+          <p:nvPr/>
+        </p:nvSpPr>
+        <p:spPr>
+          <a:xfrm>
+            <a:off x="3836790" y="804230"/>
+            <a:ext cx="7536060" cy="923330"/>
+          </a:xfrm>
+          <a:prstGeom prst="rect">
+            <a:avLst/>
+          </a:prstGeom>
+        </p:spPr>
+        <p:txBody>
+          <a:bodyPr wrap="square">
+            <a:spAutoFit/>
+          </a:bodyPr>
+          <a:lstStyle/>
+          <a:p>
+            <a:r>
+              <a:rPr lang="en-US" dirty="0"/>
+              <a:t>It is also possible to treat the </a:t>
+            </a:r>
+            <a:r>
+              <a:rPr lang="en-US" dirty="0" err="1"/>
+              <a:t>refcursor</a:t>
+            </a:r>
+            <a:r>
+              <a:rPr lang="en-US" dirty="0"/>
+              <a:t> return value as a cursor name directly. To do this, use the </a:t>
+            </a:r>
+            <a:r>
+              <a:rPr lang="en-US" dirty="0" err="1"/>
+              <a:t>getString</a:t>
+            </a:r>
+            <a:r>
+              <a:rPr lang="en-US" dirty="0"/>
+              <a:t> of </a:t>
+            </a:r>
+            <a:r>
+              <a:rPr lang="en-US" dirty="0" err="1"/>
+              <a:t>ResultSet</a:t>
+            </a:r>
+            <a:r>
+              <a:rPr lang="en-US" dirty="0"/>
+              <a:t>. With the underlying cursor name, you are free to directly use cursor commands on it, such as FETCH and MOVE.</a:t>
+            </a:r>
+          </a:p>
+        </p:txBody>
+      </p:sp>
+    </p:spTree>
+    <p:extLst>
+      <p:ext uri="{BB962C8B-B14F-4D97-AF65-F5344CB8AC3E}">
+        <p14:creationId xmlns:p14="http://schemas.microsoft.com/office/powerpoint/2010/main" val="3437604945"/>
+      </p:ext>
+    </p:extLst>
+  </p:cSld>
+  <p:clrMapOvr>
+    <a:masterClrMapping/>
   </p:clrMapOvr>
 </p:sld>
 </file>

--- a/Liqun_Zheng_Code/week4/Functions With Callable Statement.pptx
+++ b/Liqun_Zheng_Code/week4/Functions With Callable Statement.pptx
@@ -4,6 +4,9 @@
   <p:sldMasterIdLst>
     <p:sldMasterId id="2147483738" r:id="rId1"/>
   </p:sldMasterIdLst>
+  <p:notesMasterIdLst>
+    <p:notesMasterId r:id="rId12"/>
+  </p:notesMasterIdLst>
   <p:sldIdLst>
     <p:sldId id="256" r:id="rId2"/>
     <p:sldId id="264" r:id="rId3"/>
@@ -3529,6 +3532,442 @@
 </dgm:styleDef>
 </file>
 
+<file path=ppt/notesMasters/notesMaster1.xml><?xml version="1.0" encoding="utf-8"?>
+<p:notesMaster xmlns:a="http://schemas.openxmlformats.org/drawingml/2006/main" xmlns:r="http://schemas.openxmlformats.org/officeDocument/2006/relationships" xmlns:p="http://schemas.openxmlformats.org/presentationml/2006/main">
+  <p:cSld>
+    <p:bg>
+      <p:bgRef idx="1001">
+        <a:schemeClr val="bg1"/>
+      </p:bgRef>
+    </p:bg>
+    <p:spTree>
+      <p:nvGrpSpPr>
+        <p:cNvPr id="1" name=""/>
+        <p:cNvGrpSpPr/>
+        <p:nvPr/>
+      </p:nvGrpSpPr>
+      <p:grpSpPr>
+        <a:xfrm>
+          <a:off x="0" y="0"/>
+          <a:ext cx="0" cy="0"/>
+          <a:chOff x="0" y="0"/>
+          <a:chExt cx="0" cy="0"/>
+        </a:xfrm>
+      </p:grpSpPr>
+      <p:sp>
+        <p:nvSpPr>
+          <p:cNvPr id="2" name="Header Placeholder 1"/>
+          <p:cNvSpPr>
+            <a:spLocks noGrp="1"/>
+          </p:cNvSpPr>
+          <p:nvPr>
+            <p:ph type="hdr" sz="quarter"/>
+          </p:nvPr>
+        </p:nvSpPr>
+        <p:spPr>
+          <a:xfrm>
+            <a:off x="0" y="0"/>
+            <a:ext cx="2971800" cy="458788"/>
+          </a:xfrm>
+          <a:prstGeom prst="rect">
+            <a:avLst/>
+          </a:prstGeom>
+        </p:spPr>
+        <p:txBody>
+          <a:bodyPr vert="horz" lIns="91440" tIns="45720" rIns="91440" bIns="45720" rtlCol="0"/>
+          <a:lstStyle>
+            <a:lvl1pPr algn="l">
+              <a:defRPr sz="1200"/>
+            </a:lvl1pPr>
+          </a:lstStyle>
+          <a:p>
+            <a:endParaRPr lang="en-US"/>
+          </a:p>
+        </p:txBody>
+      </p:sp>
+      <p:sp>
+        <p:nvSpPr>
+          <p:cNvPr id="3" name="Date Placeholder 2"/>
+          <p:cNvSpPr>
+            <a:spLocks noGrp="1"/>
+          </p:cNvSpPr>
+          <p:nvPr>
+            <p:ph type="dt" idx="1"/>
+          </p:nvPr>
+        </p:nvSpPr>
+        <p:spPr>
+          <a:xfrm>
+            <a:off x="3884613" y="0"/>
+            <a:ext cx="2971800" cy="458788"/>
+          </a:xfrm>
+          <a:prstGeom prst="rect">
+            <a:avLst/>
+          </a:prstGeom>
+        </p:spPr>
+        <p:txBody>
+          <a:bodyPr vert="horz" lIns="91440" tIns="45720" rIns="91440" bIns="45720" rtlCol="0"/>
+          <a:lstStyle>
+            <a:lvl1pPr algn="r">
+              <a:defRPr sz="1200"/>
+            </a:lvl1pPr>
+          </a:lstStyle>
+          <a:p>
+            <a:fld id="{98CC0955-8AC6-4F28-A0E4-13513F6AB62C}" type="datetimeFigureOut">
+              <a:rPr lang="en-US" smtClean="0"/>
+              <a:t>6/8/2017</a:t>
+            </a:fld>
+            <a:endParaRPr lang="en-US"/>
+          </a:p>
+        </p:txBody>
+      </p:sp>
+      <p:sp>
+        <p:nvSpPr>
+          <p:cNvPr id="4" name="Slide Image Placeholder 3"/>
+          <p:cNvSpPr>
+            <a:spLocks noGrp="1" noRot="1" noChangeAspect="1"/>
+          </p:cNvSpPr>
+          <p:nvPr>
+            <p:ph type="sldImg" idx="2"/>
+          </p:nvPr>
+        </p:nvSpPr>
+        <p:spPr>
+          <a:xfrm>
+            <a:off x="685800" y="1143000"/>
+            <a:ext cx="5486400" cy="3086100"/>
+          </a:xfrm>
+          <a:prstGeom prst="rect">
+            <a:avLst/>
+          </a:prstGeom>
+          <a:noFill/>
+          <a:ln w="12700">
+            <a:solidFill>
+              <a:prstClr val="black"/>
+            </a:solidFill>
+          </a:ln>
+        </p:spPr>
+        <p:txBody>
+          <a:bodyPr vert="horz" lIns="91440" tIns="45720" rIns="91440" bIns="45720" rtlCol="0" anchor="ctr"/>
+          <a:lstStyle/>
+          <a:p>
+            <a:endParaRPr lang="en-US"/>
+          </a:p>
+        </p:txBody>
+      </p:sp>
+      <p:sp>
+        <p:nvSpPr>
+          <p:cNvPr id="5" name="Notes Placeholder 4"/>
+          <p:cNvSpPr>
+            <a:spLocks noGrp="1"/>
+          </p:cNvSpPr>
+          <p:nvPr>
+            <p:ph type="body" sz="quarter" idx="3"/>
+          </p:nvPr>
+        </p:nvSpPr>
+        <p:spPr>
+          <a:xfrm>
+            <a:off x="685800" y="4400550"/>
+            <a:ext cx="5486400" cy="3600450"/>
+          </a:xfrm>
+          <a:prstGeom prst="rect">
+            <a:avLst/>
+          </a:prstGeom>
+        </p:spPr>
+        <p:txBody>
+          <a:bodyPr vert="horz" lIns="91440" tIns="45720" rIns="91440" bIns="45720" rtlCol="0"/>
+          <a:lstStyle/>
+          <a:p>
+            <a:pPr lvl="0"/>
+            <a:r>
+              <a:rPr lang="en-US"/>
+              <a:t>Edit Master text styles</a:t>
+            </a:r>
+          </a:p>
+          <a:p>
+            <a:pPr lvl="1"/>
+            <a:r>
+              <a:rPr lang="en-US"/>
+              <a:t>Second level</a:t>
+            </a:r>
+          </a:p>
+          <a:p>
+            <a:pPr lvl="2"/>
+            <a:r>
+              <a:rPr lang="en-US"/>
+              <a:t>Third level</a:t>
+            </a:r>
+          </a:p>
+          <a:p>
+            <a:pPr lvl="3"/>
+            <a:r>
+              <a:rPr lang="en-US"/>
+              <a:t>Fourth level</a:t>
+            </a:r>
+          </a:p>
+          <a:p>
+            <a:pPr lvl="4"/>
+            <a:r>
+              <a:rPr lang="en-US"/>
+              <a:t>Fifth level</a:t>
+            </a:r>
+          </a:p>
+        </p:txBody>
+      </p:sp>
+      <p:sp>
+        <p:nvSpPr>
+          <p:cNvPr id="6" name="Footer Placeholder 5"/>
+          <p:cNvSpPr>
+            <a:spLocks noGrp="1"/>
+          </p:cNvSpPr>
+          <p:nvPr>
+            <p:ph type="ftr" sz="quarter" idx="4"/>
+          </p:nvPr>
+        </p:nvSpPr>
+        <p:spPr>
+          <a:xfrm>
+            <a:off x="0" y="8685213"/>
+            <a:ext cx="2971800" cy="458787"/>
+          </a:xfrm>
+          <a:prstGeom prst="rect">
+            <a:avLst/>
+          </a:prstGeom>
+        </p:spPr>
+        <p:txBody>
+          <a:bodyPr vert="horz" lIns="91440" tIns="45720" rIns="91440" bIns="45720" rtlCol="0" anchor="b"/>
+          <a:lstStyle>
+            <a:lvl1pPr algn="l">
+              <a:defRPr sz="1200"/>
+            </a:lvl1pPr>
+          </a:lstStyle>
+          <a:p>
+            <a:endParaRPr lang="en-US"/>
+          </a:p>
+        </p:txBody>
+      </p:sp>
+      <p:sp>
+        <p:nvSpPr>
+          <p:cNvPr id="7" name="Slide Number Placeholder 6"/>
+          <p:cNvSpPr>
+            <a:spLocks noGrp="1"/>
+          </p:cNvSpPr>
+          <p:nvPr>
+            <p:ph type="sldNum" sz="quarter" idx="5"/>
+          </p:nvPr>
+        </p:nvSpPr>
+        <p:spPr>
+          <a:xfrm>
+            <a:off x="3884613" y="8685213"/>
+            <a:ext cx="2971800" cy="458787"/>
+          </a:xfrm>
+          <a:prstGeom prst="rect">
+            <a:avLst/>
+          </a:prstGeom>
+        </p:spPr>
+        <p:txBody>
+          <a:bodyPr vert="horz" lIns="91440" tIns="45720" rIns="91440" bIns="45720" rtlCol="0" anchor="b"/>
+          <a:lstStyle>
+            <a:lvl1pPr algn="r">
+              <a:defRPr sz="1200"/>
+            </a:lvl1pPr>
+          </a:lstStyle>
+          <a:p>
+            <a:fld id="{05121FE6-3F27-4542-B0DC-80DEF35FEB5A}" type="slidenum">
+              <a:rPr lang="en-US" smtClean="0"/>
+              <a:t>‹#›</a:t>
+            </a:fld>
+            <a:endParaRPr lang="en-US"/>
+          </a:p>
+        </p:txBody>
+      </p:sp>
+    </p:spTree>
+    <p:extLst>
+      <p:ext uri="{BB962C8B-B14F-4D97-AF65-F5344CB8AC3E}">
+        <p14:creationId xmlns:p14="http://schemas.microsoft.com/office/powerpoint/2010/main" val="444870740"/>
+      </p:ext>
+    </p:extLst>
+  </p:cSld>
+  <p:clrMap bg1="lt1" tx1="dk1" bg2="lt2" tx2="dk2" accent1="accent1" accent2="accent2" accent3="accent3" accent4="accent4" accent5="accent5" accent6="accent6" hlink="hlink" folHlink="folHlink"/>
+  <p:notesStyle>
+    <a:lvl1pPr marL="0" algn="l" defTabSz="914400" rtl="0" eaLnBrk="1" latinLnBrk="0" hangingPunct="1">
+      <a:defRPr sz="1200" kern="1200">
+        <a:solidFill>
+          <a:schemeClr val="tx1"/>
+        </a:solidFill>
+        <a:latin typeface="+mn-lt"/>
+        <a:ea typeface="+mn-ea"/>
+        <a:cs typeface="+mn-cs"/>
+      </a:defRPr>
+    </a:lvl1pPr>
+    <a:lvl2pPr marL="457200" algn="l" defTabSz="914400" rtl="0" eaLnBrk="1" latinLnBrk="0" hangingPunct="1">
+      <a:defRPr sz="1200" kern="1200">
+        <a:solidFill>
+          <a:schemeClr val="tx1"/>
+        </a:solidFill>
+        <a:latin typeface="+mn-lt"/>
+        <a:ea typeface="+mn-ea"/>
+        <a:cs typeface="+mn-cs"/>
+      </a:defRPr>
+    </a:lvl2pPr>
+    <a:lvl3pPr marL="914400" algn="l" defTabSz="914400" rtl="0" eaLnBrk="1" latinLnBrk="0" hangingPunct="1">
+      <a:defRPr sz="1200" kern="1200">
+        <a:solidFill>
+          <a:schemeClr val="tx1"/>
+        </a:solidFill>
+        <a:latin typeface="+mn-lt"/>
+        <a:ea typeface="+mn-ea"/>
+        <a:cs typeface="+mn-cs"/>
+      </a:defRPr>
+    </a:lvl3pPr>
+    <a:lvl4pPr marL="1371600" algn="l" defTabSz="914400" rtl="0" eaLnBrk="1" latinLnBrk="0" hangingPunct="1">
+      <a:defRPr sz="1200" kern="1200">
+        <a:solidFill>
+          <a:schemeClr val="tx1"/>
+        </a:solidFill>
+        <a:latin typeface="+mn-lt"/>
+        <a:ea typeface="+mn-ea"/>
+        <a:cs typeface="+mn-cs"/>
+      </a:defRPr>
+    </a:lvl4pPr>
+    <a:lvl5pPr marL="1828800" algn="l" defTabSz="914400" rtl="0" eaLnBrk="1" latinLnBrk="0" hangingPunct="1">
+      <a:defRPr sz="1200" kern="1200">
+        <a:solidFill>
+          <a:schemeClr val="tx1"/>
+        </a:solidFill>
+        <a:latin typeface="+mn-lt"/>
+        <a:ea typeface="+mn-ea"/>
+        <a:cs typeface="+mn-cs"/>
+      </a:defRPr>
+    </a:lvl5pPr>
+    <a:lvl6pPr marL="2286000" algn="l" defTabSz="914400" rtl="0" eaLnBrk="1" latinLnBrk="0" hangingPunct="1">
+      <a:defRPr sz="1200" kern="1200">
+        <a:solidFill>
+          <a:schemeClr val="tx1"/>
+        </a:solidFill>
+        <a:latin typeface="+mn-lt"/>
+        <a:ea typeface="+mn-ea"/>
+        <a:cs typeface="+mn-cs"/>
+      </a:defRPr>
+    </a:lvl6pPr>
+    <a:lvl7pPr marL="2743200" algn="l" defTabSz="914400" rtl="0" eaLnBrk="1" latinLnBrk="0" hangingPunct="1">
+      <a:defRPr sz="1200" kern="1200">
+        <a:solidFill>
+          <a:schemeClr val="tx1"/>
+        </a:solidFill>
+        <a:latin typeface="+mn-lt"/>
+        <a:ea typeface="+mn-ea"/>
+        <a:cs typeface="+mn-cs"/>
+      </a:defRPr>
+    </a:lvl7pPr>
+    <a:lvl8pPr marL="3200400" algn="l" defTabSz="914400" rtl="0" eaLnBrk="1" latinLnBrk="0" hangingPunct="1">
+      <a:defRPr sz="1200" kern="1200">
+        <a:solidFill>
+          <a:schemeClr val="tx1"/>
+        </a:solidFill>
+        <a:latin typeface="+mn-lt"/>
+        <a:ea typeface="+mn-ea"/>
+        <a:cs typeface="+mn-cs"/>
+      </a:defRPr>
+    </a:lvl8pPr>
+    <a:lvl9pPr marL="3657600" algn="l" defTabSz="914400" rtl="0" eaLnBrk="1" latinLnBrk="0" hangingPunct="1">
+      <a:defRPr sz="1200" kern="1200">
+        <a:solidFill>
+          <a:schemeClr val="tx1"/>
+        </a:solidFill>
+        <a:latin typeface="+mn-lt"/>
+        <a:ea typeface="+mn-ea"/>
+        <a:cs typeface="+mn-cs"/>
+      </a:defRPr>
+    </a:lvl9pPr>
+  </p:notesStyle>
+</p:notesMaster>
+</file>
+
+<file path=ppt/notesSlides/notesSlide1.xml><?xml version="1.0" encoding="utf-8"?>
+<p:notes xmlns:a="http://schemas.openxmlformats.org/drawingml/2006/main" xmlns:r="http://schemas.openxmlformats.org/officeDocument/2006/relationships" xmlns:p="http://schemas.openxmlformats.org/presentationml/2006/main">
+  <p:cSld>
+    <p:spTree>
+      <p:nvGrpSpPr>
+        <p:cNvPr id="1" name=""/>
+        <p:cNvGrpSpPr/>
+        <p:nvPr/>
+      </p:nvGrpSpPr>
+      <p:grpSpPr>
+        <a:xfrm>
+          <a:off x="0" y="0"/>
+          <a:ext cx="0" cy="0"/>
+          <a:chOff x="0" y="0"/>
+          <a:chExt cx="0" cy="0"/>
+        </a:xfrm>
+      </p:grpSpPr>
+      <p:sp>
+        <p:nvSpPr>
+          <p:cNvPr id="2" name="Slide Image Placeholder 1"/>
+          <p:cNvSpPr>
+            <a:spLocks noGrp="1" noRot="1" noChangeAspect="1"/>
+          </p:cNvSpPr>
+          <p:nvPr>
+            <p:ph type="sldImg"/>
+          </p:nvPr>
+        </p:nvSpPr>
+        <p:spPr/>
+      </p:sp>
+      <p:sp>
+        <p:nvSpPr>
+          <p:cNvPr id="3" name="Notes Placeholder 2"/>
+          <p:cNvSpPr>
+            <a:spLocks noGrp="1"/>
+          </p:cNvSpPr>
+          <p:nvPr>
+            <p:ph type="body" idx="1"/>
+          </p:nvPr>
+        </p:nvSpPr>
+        <p:spPr/>
+        <p:txBody>
+          <a:bodyPr/>
+          <a:lstStyle/>
+          <a:p>
+            <a:r>
+              <a:rPr lang="en-US" dirty="0"/>
+              <a:t>Create and prepare-&gt; register-&gt;Provide-&gt;Call -&gt; Read</a:t>
+            </a:r>
+          </a:p>
+        </p:txBody>
+      </p:sp>
+      <p:sp>
+        <p:nvSpPr>
+          <p:cNvPr id="4" name="Slide Number Placeholder 3"/>
+          <p:cNvSpPr>
+            <a:spLocks noGrp="1"/>
+          </p:cNvSpPr>
+          <p:nvPr>
+            <p:ph type="sldNum" sz="quarter" idx="10"/>
+          </p:nvPr>
+        </p:nvSpPr>
+        <p:spPr/>
+        <p:txBody>
+          <a:bodyPr/>
+          <a:lstStyle/>
+          <a:p>
+            <a:fld id="{05121FE6-3F27-4542-B0DC-80DEF35FEB5A}" type="slidenum">
+              <a:rPr lang="en-US" smtClean="0"/>
+              <a:t>5</a:t>
+            </a:fld>
+            <a:endParaRPr lang="en-US"/>
+          </a:p>
+        </p:txBody>
+      </p:sp>
+    </p:spTree>
+    <p:extLst>
+      <p:ext uri="{BB962C8B-B14F-4D97-AF65-F5344CB8AC3E}">
+        <p14:creationId xmlns:p14="http://schemas.microsoft.com/office/powerpoint/2010/main" val="1041816220"/>
+      </p:ext>
+    </p:extLst>
+  </p:cSld>
+  <p:clrMapOvr>
+    <a:masterClrMapping/>
+  </p:clrMapOvr>
+</p:notes>
+</file>
+
 <file path=ppt/slideLayouts/slideLayout1.xml><?xml version="1.0" encoding="utf-8"?>
 <p:sldLayout xmlns:a="http://schemas.openxmlformats.org/drawingml/2006/main" xmlns:r="http://schemas.openxmlformats.org/officeDocument/2006/relationships" xmlns:p="http://schemas.openxmlformats.org/presentationml/2006/main" showMasterSp="0" type="title" preserve="1">
   <p:cSld name="Title Slide">
@@ -4031,7 +4470,7 @@
           <a:p>
             <a:fld id="{933D2583-310C-4647-8414-5CC4925272BA}" type="datetimeFigureOut">
               <a:rPr lang="en-US" smtClean="0"/>
-              <a:t>6/7/2017</a:t>
+              <a:t>6/8/2017</a:t>
             </a:fld>
             <a:endParaRPr lang="en-US"/>
           </a:p>
@@ -4327,7 +4766,7 @@
           <a:p>
             <a:fld id="{933D2583-310C-4647-8414-5CC4925272BA}" type="datetimeFigureOut">
               <a:rPr lang="en-US" smtClean="0"/>
-              <a:t>6/7/2017</a:t>
+              <a:t>6/8/2017</a:t>
             </a:fld>
             <a:endParaRPr lang="en-US"/>
           </a:p>
@@ -4575,7 +5014,7 @@
           <a:p>
             <a:fld id="{933D2583-310C-4647-8414-5CC4925272BA}" type="datetimeFigureOut">
               <a:rPr lang="en-US" smtClean="0"/>
-              <a:t>6/7/2017</a:t>
+              <a:t>6/8/2017</a:t>
             </a:fld>
             <a:endParaRPr lang="en-US"/>
           </a:p>
@@ -5115,7 +5554,7 @@
           <a:p>
             <a:fld id="{933D2583-310C-4647-8414-5CC4925272BA}" type="datetimeFigureOut">
               <a:rPr lang="en-US" smtClean="0"/>
-              <a:t>6/7/2017</a:t>
+              <a:t>6/8/2017</a:t>
             </a:fld>
             <a:endParaRPr lang="en-US"/>
           </a:p>
@@ -5363,7 +5802,7 @@
           <a:p>
             <a:fld id="{933D2583-310C-4647-8414-5CC4925272BA}" type="datetimeFigureOut">
               <a:rPr lang="en-US" smtClean="0"/>
-              <a:t>6/7/2017</a:t>
+              <a:t>6/8/2017</a:t>
             </a:fld>
             <a:endParaRPr lang="en-US"/>
           </a:p>
@@ -5895,7 +6334,7 @@
           <a:p>
             <a:fld id="{933D2583-310C-4647-8414-5CC4925272BA}" type="datetimeFigureOut">
               <a:rPr lang="en-US" smtClean="0"/>
-              <a:t>6/7/2017</a:t>
+              <a:t>6/8/2017</a:t>
             </a:fld>
             <a:endParaRPr lang="en-US"/>
           </a:p>
@@ -6192,7 +6631,7 @@
           <a:p>
             <a:fld id="{933D2583-310C-4647-8414-5CC4925272BA}" type="datetimeFigureOut">
               <a:rPr lang="en-US" smtClean="0"/>
-              <a:t>6/7/2017</a:t>
+              <a:t>6/8/2017</a:t>
             </a:fld>
             <a:endParaRPr lang="en-US"/>
           </a:p>
@@ -6366,7 +6805,7 @@
           <a:p>
             <a:fld id="{933D2583-310C-4647-8414-5CC4925272BA}" type="datetimeFigureOut">
               <a:rPr lang="en-US" smtClean="0"/>
-              <a:t>6/7/2017</a:t>
+              <a:t>6/8/2017</a:t>
             </a:fld>
             <a:endParaRPr lang="en-US"/>
           </a:p>
@@ -6546,7 +6985,7 @@
           <a:p>
             <a:fld id="{933D2583-310C-4647-8414-5CC4925272BA}" type="datetimeFigureOut">
               <a:rPr lang="en-US" smtClean="0"/>
-              <a:t>6/7/2017</a:t>
+              <a:t>6/8/2017</a:t>
             </a:fld>
             <a:endParaRPr lang="en-US"/>
           </a:p>
@@ -6716,7 +7155,7 @@
           <a:p>
             <a:fld id="{933D2583-310C-4647-8414-5CC4925272BA}" type="datetimeFigureOut">
               <a:rPr lang="en-US" smtClean="0"/>
-              <a:t>6/7/2017</a:t>
+              <a:t>6/8/2017</a:t>
             </a:fld>
             <a:endParaRPr lang="en-US"/>
           </a:p>
@@ -6967,7 +7406,7 @@
           <a:p>
             <a:fld id="{933D2583-310C-4647-8414-5CC4925272BA}" type="datetimeFigureOut">
               <a:rPr lang="en-US" smtClean="0"/>
-              <a:t>6/7/2017</a:t>
+              <a:t>6/8/2017</a:t>
             </a:fld>
             <a:endParaRPr lang="en-US"/>
           </a:p>
@@ -7264,7 +7703,7 @@
           <a:p>
             <a:fld id="{933D2583-310C-4647-8414-5CC4925272BA}" type="datetimeFigureOut">
               <a:rPr lang="en-US" smtClean="0"/>
-              <a:t>6/7/2017</a:t>
+              <a:t>6/8/2017</a:t>
             </a:fld>
             <a:endParaRPr lang="en-US"/>
           </a:p>
@@ -7706,7 +8145,7 @@
           <a:p>
             <a:fld id="{933D2583-310C-4647-8414-5CC4925272BA}" type="datetimeFigureOut">
               <a:rPr lang="en-US" smtClean="0"/>
-              <a:t>6/7/2017</a:t>
+              <a:t>6/8/2017</a:t>
             </a:fld>
             <a:endParaRPr lang="en-US"/>
           </a:p>
@@ -7824,7 +8263,7 @@
           <a:p>
             <a:fld id="{933D2583-310C-4647-8414-5CC4925272BA}" type="datetimeFigureOut">
               <a:rPr lang="en-US" smtClean="0"/>
-              <a:t>6/7/2017</a:t>
+              <a:t>6/8/2017</a:t>
             </a:fld>
             <a:endParaRPr lang="en-US"/>
           </a:p>
@@ -7919,7 +8358,7 @@
           <a:p>
             <a:fld id="{933D2583-310C-4647-8414-5CC4925272BA}" type="datetimeFigureOut">
               <a:rPr lang="en-US" smtClean="0"/>
-              <a:t>6/7/2017</a:t>
+              <a:t>6/8/2017</a:t>
             </a:fld>
             <a:endParaRPr lang="en-US"/>
           </a:p>
@@ -8202,7 +8641,7 @@
           <a:p>
             <a:fld id="{933D2583-310C-4647-8414-5CC4925272BA}" type="datetimeFigureOut">
               <a:rPr lang="en-US" smtClean="0"/>
-              <a:t>6/7/2017</a:t>
+              <a:t>6/8/2017</a:t>
             </a:fld>
             <a:endParaRPr lang="en-US"/>
           </a:p>
@@ -8493,7 +8932,7 @@
           <a:p>
             <a:fld id="{933D2583-310C-4647-8414-5CC4925272BA}" type="datetimeFigureOut">
               <a:rPr lang="en-US" smtClean="0"/>
-              <a:t>6/7/2017</a:t>
+              <a:t>6/8/2017</a:t>
             </a:fld>
             <a:endParaRPr lang="en-US"/>
           </a:p>
@@ -9023,7 +9462,7 @@
           <a:p>
             <a:fld id="{933D2583-310C-4647-8414-5CC4925272BA}" type="datetimeFigureOut">
               <a:rPr lang="en-US" smtClean="0"/>
-              <a:t>6/7/2017</a:t>
+              <a:t>6/8/2017</a:t>
             </a:fld>
             <a:endParaRPr lang="en-US"/>
           </a:p>
@@ -11454,7 +11893,7 @@
             <a:avLst/>
           </a:prstGeom>
           <a:blipFill rotWithShape="1">
-            <a:blip r:embed="rId2">
+            <a:blip r:embed="rId3">
               <a:duotone>
                 <a:schemeClr val="bg2">
                   <a:shade val="76000"/>
@@ -11919,7 +12358,7 @@
           </p:nvPr>
         </p:nvPicPr>
         <p:blipFill rotWithShape="1">
-          <a:blip r:embed="rId3">
+          <a:blip r:embed="rId4">
             <a:extLst>
               <a:ext uri="{28A0092B-C50C-407E-A947-70E740481C1C}">
                 <a14:useLocalDpi xmlns:a14="http://schemas.microsoft.com/office/drawing/2010/main" val="0"/>
@@ -15214,4 +15653,299 @@
     </a:ext>
   </a:extLst>
 </a:theme>
+</file>
+
+<file path=ppt/theme/theme2.xml><?xml version="1.0" encoding="utf-8"?>
+<a:theme xmlns:a="http://schemas.openxmlformats.org/drawingml/2006/main" name="Office Theme">
+  <a:themeElements>
+    <a:clrScheme name="Office">
+      <a:dk1>
+        <a:sysClr val="windowText" lastClr="000000"/>
+      </a:dk1>
+      <a:lt1>
+        <a:sysClr val="window" lastClr="FFFFFF"/>
+      </a:lt1>
+      <a:dk2>
+        <a:srgbClr val="44546A"/>
+      </a:dk2>
+      <a:lt2>
+        <a:srgbClr val="E7E6E6"/>
+      </a:lt2>
+      <a:accent1>
+        <a:srgbClr val="4472C4"/>
+      </a:accent1>
+      <a:accent2>
+        <a:srgbClr val="ED7D31"/>
+      </a:accent2>
+      <a:accent3>
+        <a:srgbClr val="A5A5A5"/>
+      </a:accent3>
+      <a:accent4>
+        <a:srgbClr val="FFC000"/>
+      </a:accent4>
+      <a:accent5>
+        <a:srgbClr val="5B9BD5"/>
+      </a:accent5>
+      <a:accent6>
+        <a:srgbClr val="70AD47"/>
+      </a:accent6>
+      <a:hlink>
+        <a:srgbClr val="0563C1"/>
+      </a:hlink>
+      <a:folHlink>
+        <a:srgbClr val="954F72"/>
+      </a:folHlink>
+    </a:clrScheme>
+    <a:fontScheme name="Office">
+      <a:majorFont>
+        <a:latin typeface="Calibri Light" panose="020F0302020204030204"/>
+        <a:ea typeface=""/>
+        <a:cs typeface=""/>
+        <a:font script="Jpan" typeface="游ゴシック Light"/>
+        <a:font script="Hang" typeface="맑은 고딕"/>
+        <a:font script="Hans" typeface="等线 Light"/>
+        <a:font script="Hant" typeface="新細明體"/>
+        <a:font script="Arab" typeface="Times New Roman"/>
+        <a:font script="Hebr" typeface="Times New Roman"/>
+        <a:font script="Thai" typeface="Angsana New"/>
+        <a:font script="Ethi" typeface="Nyala"/>
+        <a:font script="Beng" typeface="Vrinda"/>
+        <a:font script="Gujr" typeface="Shruti"/>
+        <a:font script="Khmr" typeface="MoolBoran"/>
+        <a:font script="Knda" typeface="Tunga"/>
+        <a:font script="Guru" typeface="Raavi"/>
+        <a:font script="Cans" typeface="Euphemia"/>
+        <a:font script="Cher" typeface="Plantagenet Cherokee"/>
+        <a:font script="Yiii" typeface="Microsoft Yi Baiti"/>
+        <a:font script="Tibt" typeface="Microsoft Himalaya"/>
+        <a:font script="Thaa" typeface="MV Boli"/>
+        <a:font script="Deva" typeface="Mangal"/>
+        <a:font script="Telu" typeface="Gautami"/>
+        <a:font script="Taml" typeface="Latha"/>
+        <a:font script="Syrc" typeface="Estrangelo Edessa"/>
+        <a:font script="Orya" typeface="Kalinga"/>
+        <a:font script="Mlym" typeface="Kartika"/>
+        <a:font script="Laoo" typeface="DokChampa"/>
+        <a:font script="Sinh" typeface="Iskoola Pota"/>
+        <a:font script="Mong" typeface="Mongolian Baiti"/>
+        <a:font script="Viet" typeface="Times New Roman"/>
+        <a:font script="Uigh" typeface="Microsoft Uighur"/>
+        <a:font script="Geor" typeface="Sylfaen"/>
+        <a:font script="Armn" typeface="Arial"/>
+        <a:font script="Bugi" typeface="Leelawadee UI"/>
+        <a:font script="Bopo" typeface="Microsoft JhengHei"/>
+        <a:font script="Java" typeface="Javanese Text"/>
+        <a:font script="Lisu" typeface="Segoe UI"/>
+        <a:font script="Mymr" typeface="Myanmar Text"/>
+        <a:font script="Nkoo" typeface="Ebrima"/>
+        <a:font script="Olck" typeface="Nirmala UI"/>
+        <a:font script="Osma" typeface="Ebrima"/>
+        <a:font script="Phag" typeface="Phagspa"/>
+        <a:font script="Syrn" typeface="Estrangelo Edessa"/>
+        <a:font script="Syrj" typeface="Estrangelo Edessa"/>
+        <a:font script="Syre" typeface="Estrangelo Edessa"/>
+        <a:font script="Sora" typeface="Nirmala UI"/>
+        <a:font script="Tale" typeface="Microsoft Tai Le"/>
+        <a:font script="Talu" typeface="Microsoft New Tai Lue"/>
+        <a:font script="Tfng" typeface="Ebrima"/>
+      </a:majorFont>
+      <a:minorFont>
+        <a:latin typeface="Calibri" panose="020F0502020204030204"/>
+        <a:ea typeface=""/>
+        <a:cs typeface=""/>
+        <a:font script="Jpan" typeface="游ゴシック"/>
+        <a:font script="Hang" typeface="맑은 고딕"/>
+        <a:font script="Hans" typeface="等线"/>
+        <a:font script="Hant" typeface="新細明體"/>
+        <a:font script="Arab" typeface="Arial"/>
+        <a:font script="Hebr" typeface="Arial"/>
+        <a:font script="Thai" typeface="Cordia New"/>
+        <a:font script="Ethi" typeface="Nyala"/>
+        <a:font script="Beng" typeface="Vrinda"/>
+        <a:font script="Gujr" typeface="Shruti"/>
+        <a:font script="Khmr" typeface="DaunPenh"/>
+        <a:font script="Knda" typeface="Tunga"/>
+        <a:font script="Guru" typeface="Raavi"/>
+        <a:font script="Cans" typeface="Euphemia"/>
+        <a:font script="Cher" typeface="Plantagenet Cherokee"/>
+        <a:font script="Yiii" typeface="Microsoft Yi Baiti"/>
+        <a:font script="Tibt" typeface="Microsoft Himalaya"/>
+        <a:font script="Thaa" typeface="MV Boli"/>
+        <a:font script="Deva" typeface="Mangal"/>
+        <a:font script="Telu" typeface="Gautami"/>
+        <a:font script="Taml" typeface="Latha"/>
+        <a:font script="Syrc" typeface="Estrangelo Edessa"/>
+        <a:font script="Orya" typeface="Kalinga"/>
+        <a:font script="Mlym" typeface="Kartika"/>
+        <a:font script="Laoo" typeface="DokChampa"/>
+        <a:font script="Sinh" typeface="Iskoola Pota"/>
+        <a:font script="Mong" typeface="Mongolian Baiti"/>
+        <a:font script="Viet" typeface="Arial"/>
+        <a:font script="Uigh" typeface="Microsoft Uighur"/>
+        <a:font script="Geor" typeface="Sylfaen"/>
+        <a:font script="Armn" typeface="Arial"/>
+        <a:font script="Bugi" typeface="Leelawadee UI"/>
+        <a:font script="Bopo" typeface="Microsoft JhengHei"/>
+        <a:font script="Java" typeface="Javanese Text"/>
+        <a:font script="Lisu" typeface="Segoe UI"/>
+        <a:font script="Mymr" typeface="Myanmar Text"/>
+        <a:font script="Nkoo" typeface="Ebrima"/>
+        <a:font script="Olck" typeface="Nirmala UI"/>
+        <a:font script="Osma" typeface="Ebrima"/>
+        <a:font script="Phag" typeface="Phagspa"/>
+        <a:font script="Syrn" typeface="Estrangelo Edessa"/>
+        <a:font script="Syrj" typeface="Estrangelo Edessa"/>
+        <a:font script="Syre" typeface="Estrangelo Edessa"/>
+        <a:font script="Sora" typeface="Nirmala UI"/>
+        <a:font script="Tale" typeface="Microsoft Tai Le"/>
+        <a:font script="Talu" typeface="Microsoft New Tai Lue"/>
+        <a:font script="Tfng" typeface="Ebrima"/>
+      </a:minorFont>
+    </a:fontScheme>
+    <a:fmtScheme name="Office">
+      <a:fillStyleLst>
+        <a:solidFill>
+          <a:schemeClr val="phClr"/>
+        </a:solidFill>
+        <a:gradFill rotWithShape="1">
+          <a:gsLst>
+            <a:gs pos="0">
+              <a:schemeClr val="phClr">
+                <a:lumMod val="110000"/>
+                <a:satMod val="105000"/>
+                <a:tint val="67000"/>
+              </a:schemeClr>
+            </a:gs>
+            <a:gs pos="50000">
+              <a:schemeClr val="phClr">
+                <a:lumMod val="105000"/>
+                <a:satMod val="103000"/>
+                <a:tint val="73000"/>
+              </a:schemeClr>
+            </a:gs>
+            <a:gs pos="100000">
+              <a:schemeClr val="phClr">
+                <a:lumMod val="105000"/>
+                <a:satMod val="109000"/>
+                <a:tint val="81000"/>
+              </a:schemeClr>
+            </a:gs>
+          </a:gsLst>
+          <a:lin ang="5400000" scaled="0"/>
+        </a:gradFill>
+        <a:gradFill rotWithShape="1">
+          <a:gsLst>
+            <a:gs pos="0">
+              <a:schemeClr val="phClr">
+                <a:satMod val="103000"/>
+                <a:lumMod val="102000"/>
+                <a:tint val="94000"/>
+              </a:schemeClr>
+            </a:gs>
+            <a:gs pos="50000">
+              <a:schemeClr val="phClr">
+                <a:satMod val="110000"/>
+                <a:lumMod val="100000"/>
+                <a:shade val="100000"/>
+              </a:schemeClr>
+            </a:gs>
+            <a:gs pos="100000">
+              <a:schemeClr val="phClr">
+                <a:lumMod val="99000"/>
+                <a:satMod val="120000"/>
+                <a:shade val="78000"/>
+              </a:schemeClr>
+            </a:gs>
+          </a:gsLst>
+          <a:lin ang="5400000" scaled="0"/>
+        </a:gradFill>
+      </a:fillStyleLst>
+      <a:lnStyleLst>
+        <a:ln w="6350" cap="flat" cmpd="sng" algn="ctr">
+          <a:solidFill>
+            <a:schemeClr val="phClr"/>
+          </a:solidFill>
+          <a:prstDash val="solid"/>
+          <a:miter lim="800000"/>
+        </a:ln>
+        <a:ln w="12700" cap="flat" cmpd="sng" algn="ctr">
+          <a:solidFill>
+            <a:schemeClr val="phClr"/>
+          </a:solidFill>
+          <a:prstDash val="solid"/>
+          <a:miter lim="800000"/>
+        </a:ln>
+        <a:ln w="19050" cap="flat" cmpd="sng" algn="ctr">
+          <a:solidFill>
+            <a:schemeClr val="phClr"/>
+          </a:solidFill>
+          <a:prstDash val="solid"/>
+          <a:miter lim="800000"/>
+        </a:ln>
+      </a:lnStyleLst>
+      <a:effectStyleLst>
+        <a:effectStyle>
+          <a:effectLst/>
+        </a:effectStyle>
+        <a:effectStyle>
+          <a:effectLst/>
+        </a:effectStyle>
+        <a:effectStyle>
+          <a:effectLst>
+            <a:outerShdw blurRad="57150" dist="19050" dir="5400000" algn="ctr" rotWithShape="0">
+              <a:srgbClr val="000000">
+                <a:alpha val="63000"/>
+              </a:srgbClr>
+            </a:outerShdw>
+          </a:effectLst>
+        </a:effectStyle>
+      </a:effectStyleLst>
+      <a:bgFillStyleLst>
+        <a:solidFill>
+          <a:schemeClr val="phClr"/>
+        </a:solidFill>
+        <a:solidFill>
+          <a:schemeClr val="phClr">
+            <a:tint val="95000"/>
+            <a:satMod val="170000"/>
+          </a:schemeClr>
+        </a:solidFill>
+        <a:gradFill rotWithShape="1">
+          <a:gsLst>
+            <a:gs pos="0">
+              <a:schemeClr val="phClr">
+                <a:tint val="93000"/>
+                <a:satMod val="150000"/>
+                <a:shade val="98000"/>
+                <a:lumMod val="102000"/>
+              </a:schemeClr>
+            </a:gs>
+            <a:gs pos="50000">
+              <a:schemeClr val="phClr">
+                <a:tint val="98000"/>
+                <a:satMod val="130000"/>
+                <a:shade val="90000"/>
+                <a:lumMod val="103000"/>
+              </a:schemeClr>
+            </a:gs>
+            <a:gs pos="100000">
+              <a:schemeClr val="phClr">
+                <a:shade val="63000"/>
+                <a:satMod val="120000"/>
+              </a:schemeClr>
+            </a:gs>
+          </a:gsLst>
+          <a:lin ang="5400000" scaled="0"/>
+        </a:gradFill>
+      </a:bgFillStyleLst>
+    </a:fmtScheme>
+  </a:themeElements>
+  <a:objectDefaults/>
+  <a:extraClrSchemeLst/>
+  <a:extLst>
+    <a:ext uri="{05A4C25C-085E-4340-85A3-A5531E510DB2}">
+      <thm15:themeFamily xmlns:thm15="http://schemas.microsoft.com/office/thememl/2012/main" name="Office Theme" id="{62F939B6-93AF-4DB8-9C6B-D6C7DFDC589F}" vid="{4A3C46E8-61CC-4603-A589-7422A47A8E4A}"/>
+    </a:ext>
+  </a:extLst>
+</a:theme>
 </file>